--- a/Powerpoint/Module01-PreparingForScripting.pptx
+++ b/Powerpoint/Module01-PreparingForScripting.pptx
@@ -14,21 +14,23 @@
     <p:sldId id="260" r:id="rId8"/>
     <p:sldId id="261" r:id="rId9"/>
     <p:sldId id="262" r:id="rId10"/>
-    <p:sldId id="265" r:id="rId11"/>
-    <p:sldId id="266" r:id="rId12"/>
-    <p:sldId id="267" r:id="rId13"/>
-    <p:sldId id="268" r:id="rId14"/>
-    <p:sldId id="270" r:id="rId15"/>
-    <p:sldId id="269" r:id="rId16"/>
-    <p:sldId id="271" r:id="rId17"/>
-    <p:sldId id="272" r:id="rId18"/>
-    <p:sldId id="273" r:id="rId19"/>
-    <p:sldId id="274" r:id="rId20"/>
-    <p:sldId id="275" r:id="rId21"/>
-    <p:sldId id="276" r:id="rId22"/>
-    <p:sldId id="277" r:id="rId23"/>
-    <p:sldId id="278" r:id="rId24"/>
-    <p:sldId id="279" r:id="rId25"/>
+    <p:sldId id="280" r:id="rId11"/>
+    <p:sldId id="281" r:id="rId12"/>
+    <p:sldId id="265" r:id="rId13"/>
+    <p:sldId id="266" r:id="rId14"/>
+    <p:sldId id="267" r:id="rId15"/>
+    <p:sldId id="268" r:id="rId16"/>
+    <p:sldId id="270" r:id="rId17"/>
+    <p:sldId id="269" r:id="rId18"/>
+    <p:sldId id="271" r:id="rId19"/>
+    <p:sldId id="272" r:id="rId20"/>
+    <p:sldId id="273" r:id="rId21"/>
+    <p:sldId id="274" r:id="rId22"/>
+    <p:sldId id="276" r:id="rId23"/>
+    <p:sldId id="275" r:id="rId24"/>
+    <p:sldId id="277" r:id="rId25"/>
+    <p:sldId id="278" r:id="rId26"/>
+    <p:sldId id="279" r:id="rId27"/>
   </p:sldIdLst>
   <p:sldSz cx="9144000" cy="6858000" type="screen4x3"/>
   <p:notesSz cx="6858000" cy="9144000"/>
@@ -144,6 +146,2936 @@
     </p:ext>
   </p:extLst>
 </p:presentation>
+</file>
+
+<file path=ppt/diagrams/colors1.xml><?xml version="1.0" encoding="utf-8"?>
+<dgm:colorsDef xmlns:dgm="http://schemas.openxmlformats.org/drawingml/2006/diagram" xmlns:a="http://schemas.openxmlformats.org/drawingml/2006/main" uniqueId="urn:microsoft.com/office/officeart/2005/8/colors/accent2_2">
+  <dgm:title val=""/>
+  <dgm:desc val=""/>
+  <dgm:catLst>
+    <dgm:cat type="accent2" pri="11200"/>
+  </dgm:catLst>
+  <dgm:styleLbl name="node0">
+    <dgm:fillClrLst meth="repeat">
+      <a:schemeClr val="accent2"/>
+    </dgm:fillClrLst>
+    <dgm:linClrLst meth="repeat">
+      <a:schemeClr val="lt1"/>
+    </dgm:linClrLst>
+    <dgm:effectClrLst/>
+    <dgm:txLinClrLst/>
+    <dgm:txFillClrLst/>
+    <dgm:txEffectClrLst/>
+  </dgm:styleLbl>
+  <dgm:styleLbl name="node1">
+    <dgm:fillClrLst meth="repeat">
+      <a:schemeClr val="accent2"/>
+    </dgm:fillClrLst>
+    <dgm:linClrLst meth="repeat">
+      <a:schemeClr val="lt1"/>
+    </dgm:linClrLst>
+    <dgm:effectClrLst/>
+    <dgm:txLinClrLst/>
+    <dgm:txFillClrLst/>
+    <dgm:txEffectClrLst/>
+  </dgm:styleLbl>
+  <dgm:styleLbl name="alignNode1">
+    <dgm:fillClrLst meth="repeat">
+      <a:schemeClr val="accent2"/>
+    </dgm:fillClrLst>
+    <dgm:linClrLst meth="repeat">
+      <a:schemeClr val="accent2"/>
+    </dgm:linClrLst>
+    <dgm:effectClrLst/>
+    <dgm:txLinClrLst/>
+    <dgm:txFillClrLst/>
+    <dgm:txEffectClrLst/>
+  </dgm:styleLbl>
+  <dgm:styleLbl name="lnNode1">
+    <dgm:fillClrLst meth="repeat">
+      <a:schemeClr val="accent2"/>
+    </dgm:fillClrLst>
+    <dgm:linClrLst meth="repeat">
+      <a:schemeClr val="lt1"/>
+    </dgm:linClrLst>
+    <dgm:effectClrLst/>
+    <dgm:txLinClrLst/>
+    <dgm:txFillClrLst/>
+    <dgm:txEffectClrLst/>
+  </dgm:styleLbl>
+  <dgm:styleLbl name="vennNode1">
+    <dgm:fillClrLst meth="repeat">
+      <a:schemeClr val="accent2">
+        <a:alpha val="50000"/>
+      </a:schemeClr>
+    </dgm:fillClrLst>
+    <dgm:linClrLst meth="repeat">
+      <a:schemeClr val="lt1"/>
+    </dgm:linClrLst>
+    <dgm:effectClrLst/>
+    <dgm:txLinClrLst/>
+    <dgm:txFillClrLst/>
+    <dgm:txEffectClrLst/>
+  </dgm:styleLbl>
+  <dgm:styleLbl name="node2">
+    <dgm:fillClrLst meth="repeat">
+      <a:schemeClr val="accent2"/>
+    </dgm:fillClrLst>
+    <dgm:linClrLst meth="repeat">
+      <a:schemeClr val="lt1"/>
+    </dgm:linClrLst>
+    <dgm:effectClrLst/>
+    <dgm:txLinClrLst/>
+    <dgm:txFillClrLst/>
+    <dgm:txEffectClrLst/>
+  </dgm:styleLbl>
+  <dgm:styleLbl name="node3">
+    <dgm:fillClrLst meth="repeat">
+      <a:schemeClr val="accent2"/>
+    </dgm:fillClrLst>
+    <dgm:linClrLst meth="repeat">
+      <a:schemeClr val="lt1"/>
+    </dgm:linClrLst>
+    <dgm:effectClrLst/>
+    <dgm:txLinClrLst/>
+    <dgm:txFillClrLst/>
+    <dgm:txEffectClrLst/>
+  </dgm:styleLbl>
+  <dgm:styleLbl name="node4">
+    <dgm:fillClrLst meth="repeat">
+      <a:schemeClr val="accent2"/>
+    </dgm:fillClrLst>
+    <dgm:linClrLst meth="repeat">
+      <a:schemeClr val="lt1"/>
+    </dgm:linClrLst>
+    <dgm:effectClrLst/>
+    <dgm:txLinClrLst/>
+    <dgm:txFillClrLst/>
+    <dgm:txEffectClrLst/>
+  </dgm:styleLbl>
+  <dgm:styleLbl name="fgImgPlace1">
+    <dgm:fillClrLst meth="repeat">
+      <a:schemeClr val="accent2">
+        <a:tint val="50000"/>
+      </a:schemeClr>
+    </dgm:fillClrLst>
+    <dgm:linClrLst meth="repeat">
+      <a:schemeClr val="lt1"/>
+    </dgm:linClrLst>
+    <dgm:effectClrLst/>
+    <dgm:txLinClrLst/>
+    <dgm:txFillClrLst meth="repeat">
+      <a:schemeClr val="lt1"/>
+    </dgm:txFillClrLst>
+    <dgm:txEffectClrLst/>
+  </dgm:styleLbl>
+  <dgm:styleLbl name="alignImgPlace1">
+    <dgm:fillClrLst meth="repeat">
+      <a:schemeClr val="accent2">
+        <a:tint val="50000"/>
+      </a:schemeClr>
+    </dgm:fillClrLst>
+    <dgm:linClrLst meth="repeat">
+      <a:schemeClr val="lt1"/>
+    </dgm:linClrLst>
+    <dgm:effectClrLst/>
+    <dgm:txLinClrLst/>
+    <dgm:txFillClrLst meth="repeat">
+      <a:schemeClr val="lt1"/>
+    </dgm:txFillClrLst>
+    <dgm:txEffectClrLst/>
+  </dgm:styleLbl>
+  <dgm:styleLbl name="bgImgPlace1">
+    <dgm:fillClrLst meth="repeat">
+      <a:schemeClr val="accent2">
+        <a:tint val="50000"/>
+      </a:schemeClr>
+    </dgm:fillClrLst>
+    <dgm:linClrLst meth="repeat">
+      <a:schemeClr val="lt1"/>
+    </dgm:linClrLst>
+    <dgm:effectClrLst/>
+    <dgm:txLinClrLst/>
+    <dgm:txFillClrLst meth="repeat">
+      <a:schemeClr val="lt1"/>
+    </dgm:txFillClrLst>
+    <dgm:txEffectClrLst/>
+  </dgm:styleLbl>
+  <dgm:styleLbl name="sibTrans2D1">
+    <dgm:fillClrLst meth="repeat">
+      <a:schemeClr val="accent2">
+        <a:tint val="60000"/>
+      </a:schemeClr>
+    </dgm:fillClrLst>
+    <dgm:linClrLst meth="repeat">
+      <a:schemeClr val="accent2">
+        <a:tint val="60000"/>
+      </a:schemeClr>
+    </dgm:linClrLst>
+    <dgm:effectClrLst/>
+    <dgm:txLinClrLst/>
+    <dgm:txFillClrLst/>
+    <dgm:txEffectClrLst/>
+  </dgm:styleLbl>
+  <dgm:styleLbl name="fgSibTrans2D1">
+    <dgm:fillClrLst meth="repeat">
+      <a:schemeClr val="accent2">
+        <a:tint val="60000"/>
+      </a:schemeClr>
+    </dgm:fillClrLst>
+    <dgm:linClrLst meth="repeat">
+      <a:schemeClr val="accent2">
+        <a:tint val="60000"/>
+      </a:schemeClr>
+    </dgm:linClrLst>
+    <dgm:effectClrLst/>
+    <dgm:txLinClrLst/>
+    <dgm:txFillClrLst/>
+    <dgm:txEffectClrLst/>
+  </dgm:styleLbl>
+  <dgm:styleLbl name="bgSibTrans2D1">
+    <dgm:fillClrLst meth="repeat">
+      <a:schemeClr val="accent2">
+        <a:tint val="60000"/>
+      </a:schemeClr>
+    </dgm:fillClrLst>
+    <dgm:linClrLst meth="repeat">
+      <a:schemeClr val="accent2">
+        <a:tint val="60000"/>
+      </a:schemeClr>
+    </dgm:linClrLst>
+    <dgm:effectClrLst/>
+    <dgm:txLinClrLst/>
+    <dgm:txFillClrLst/>
+    <dgm:txEffectClrLst/>
+  </dgm:styleLbl>
+  <dgm:styleLbl name="sibTrans1D1">
+    <dgm:fillClrLst meth="repeat">
+      <a:schemeClr val="accent2"/>
+    </dgm:fillClrLst>
+    <dgm:linClrLst meth="repeat">
+      <a:schemeClr val="accent2"/>
+    </dgm:linClrLst>
+    <dgm:effectClrLst/>
+    <dgm:txLinClrLst/>
+    <dgm:txFillClrLst meth="repeat">
+      <a:schemeClr val="tx1"/>
+    </dgm:txFillClrLst>
+    <dgm:txEffectClrLst/>
+  </dgm:styleLbl>
+  <dgm:styleLbl name="callout">
+    <dgm:fillClrLst meth="repeat">
+      <a:schemeClr val="accent2"/>
+    </dgm:fillClrLst>
+    <dgm:linClrLst meth="repeat">
+      <a:schemeClr val="accent2">
+        <a:tint val="50000"/>
+      </a:schemeClr>
+    </dgm:linClrLst>
+    <dgm:effectClrLst/>
+    <dgm:txLinClrLst/>
+    <dgm:txFillClrLst meth="repeat">
+      <a:schemeClr val="tx1"/>
+    </dgm:txFillClrLst>
+    <dgm:txEffectClrLst/>
+  </dgm:styleLbl>
+  <dgm:styleLbl name="asst0">
+    <dgm:fillClrLst meth="repeat">
+      <a:schemeClr val="accent2"/>
+    </dgm:fillClrLst>
+    <dgm:linClrLst meth="repeat">
+      <a:schemeClr val="lt1"/>
+    </dgm:linClrLst>
+    <dgm:effectClrLst/>
+    <dgm:txLinClrLst/>
+    <dgm:txFillClrLst/>
+    <dgm:txEffectClrLst/>
+  </dgm:styleLbl>
+  <dgm:styleLbl name="asst1">
+    <dgm:fillClrLst meth="repeat">
+      <a:schemeClr val="accent2"/>
+    </dgm:fillClrLst>
+    <dgm:linClrLst meth="repeat">
+      <a:schemeClr val="lt1"/>
+    </dgm:linClrLst>
+    <dgm:effectClrLst/>
+    <dgm:txLinClrLst/>
+    <dgm:txFillClrLst/>
+    <dgm:txEffectClrLst/>
+  </dgm:styleLbl>
+  <dgm:styleLbl name="asst2">
+    <dgm:fillClrLst meth="repeat">
+      <a:schemeClr val="accent2"/>
+    </dgm:fillClrLst>
+    <dgm:linClrLst meth="repeat">
+      <a:schemeClr val="lt1"/>
+    </dgm:linClrLst>
+    <dgm:effectClrLst/>
+    <dgm:txLinClrLst/>
+    <dgm:txFillClrLst/>
+    <dgm:txEffectClrLst/>
+  </dgm:styleLbl>
+  <dgm:styleLbl name="asst3">
+    <dgm:fillClrLst meth="repeat">
+      <a:schemeClr val="accent2"/>
+    </dgm:fillClrLst>
+    <dgm:linClrLst meth="repeat">
+      <a:schemeClr val="lt1"/>
+    </dgm:linClrLst>
+    <dgm:effectClrLst/>
+    <dgm:txLinClrLst/>
+    <dgm:txFillClrLst/>
+    <dgm:txEffectClrLst/>
+  </dgm:styleLbl>
+  <dgm:styleLbl name="asst4">
+    <dgm:fillClrLst meth="repeat">
+      <a:schemeClr val="accent2"/>
+    </dgm:fillClrLst>
+    <dgm:linClrLst meth="repeat">
+      <a:schemeClr val="lt1"/>
+    </dgm:linClrLst>
+    <dgm:effectClrLst/>
+    <dgm:txLinClrLst/>
+    <dgm:txFillClrLst/>
+    <dgm:txEffectClrLst/>
+  </dgm:styleLbl>
+  <dgm:styleLbl name="parChTrans2D1">
+    <dgm:fillClrLst meth="repeat">
+      <a:schemeClr val="accent2">
+        <a:tint val="60000"/>
+      </a:schemeClr>
+    </dgm:fillClrLst>
+    <dgm:linClrLst meth="repeat">
+      <a:schemeClr val="accent2">
+        <a:tint val="60000"/>
+      </a:schemeClr>
+    </dgm:linClrLst>
+    <dgm:effectClrLst/>
+    <dgm:txLinClrLst/>
+    <dgm:txFillClrLst meth="repeat">
+      <a:schemeClr val="lt1"/>
+    </dgm:txFillClrLst>
+    <dgm:txEffectClrLst/>
+  </dgm:styleLbl>
+  <dgm:styleLbl name="parChTrans2D2">
+    <dgm:fillClrLst meth="repeat">
+      <a:schemeClr val="accent2"/>
+    </dgm:fillClrLst>
+    <dgm:linClrLst meth="repeat">
+      <a:schemeClr val="accent2"/>
+    </dgm:linClrLst>
+    <dgm:effectClrLst/>
+    <dgm:txLinClrLst/>
+    <dgm:txFillClrLst meth="repeat">
+      <a:schemeClr val="lt1"/>
+    </dgm:txFillClrLst>
+    <dgm:txEffectClrLst/>
+  </dgm:styleLbl>
+  <dgm:styleLbl name="parChTrans2D3">
+    <dgm:fillClrLst meth="repeat">
+      <a:schemeClr val="accent2"/>
+    </dgm:fillClrLst>
+    <dgm:linClrLst meth="repeat">
+      <a:schemeClr val="accent2"/>
+    </dgm:linClrLst>
+    <dgm:effectClrLst/>
+    <dgm:txLinClrLst/>
+    <dgm:txFillClrLst meth="repeat">
+      <a:schemeClr val="lt1"/>
+    </dgm:txFillClrLst>
+    <dgm:txEffectClrLst/>
+  </dgm:styleLbl>
+  <dgm:styleLbl name="parChTrans2D4">
+    <dgm:fillClrLst meth="repeat">
+      <a:schemeClr val="accent2"/>
+    </dgm:fillClrLst>
+    <dgm:linClrLst meth="repeat">
+      <a:schemeClr val="accent2"/>
+    </dgm:linClrLst>
+    <dgm:effectClrLst/>
+    <dgm:txLinClrLst/>
+    <dgm:txFillClrLst meth="repeat">
+      <a:schemeClr val="lt1"/>
+    </dgm:txFillClrLst>
+    <dgm:txEffectClrLst/>
+  </dgm:styleLbl>
+  <dgm:styleLbl name="parChTrans1D1">
+    <dgm:fillClrLst meth="repeat">
+      <a:schemeClr val="accent2"/>
+    </dgm:fillClrLst>
+    <dgm:linClrLst meth="repeat">
+      <a:schemeClr val="accent2">
+        <a:shade val="60000"/>
+      </a:schemeClr>
+    </dgm:linClrLst>
+    <dgm:effectClrLst/>
+    <dgm:txLinClrLst/>
+    <dgm:txFillClrLst meth="repeat">
+      <a:schemeClr val="tx1"/>
+    </dgm:txFillClrLst>
+    <dgm:txEffectClrLst/>
+  </dgm:styleLbl>
+  <dgm:styleLbl name="parChTrans1D2">
+    <dgm:fillClrLst meth="repeat">
+      <a:schemeClr val="accent2"/>
+    </dgm:fillClrLst>
+    <dgm:linClrLst meth="repeat">
+      <a:schemeClr val="accent2">
+        <a:shade val="60000"/>
+      </a:schemeClr>
+    </dgm:linClrLst>
+    <dgm:effectClrLst/>
+    <dgm:txLinClrLst/>
+    <dgm:txFillClrLst meth="repeat">
+      <a:schemeClr val="tx1"/>
+    </dgm:txFillClrLst>
+    <dgm:txEffectClrLst/>
+  </dgm:styleLbl>
+  <dgm:styleLbl name="parChTrans1D3">
+    <dgm:fillClrLst meth="repeat">
+      <a:schemeClr val="accent2"/>
+    </dgm:fillClrLst>
+    <dgm:linClrLst meth="repeat">
+      <a:schemeClr val="accent2">
+        <a:shade val="80000"/>
+      </a:schemeClr>
+    </dgm:linClrLst>
+    <dgm:effectClrLst/>
+    <dgm:txLinClrLst/>
+    <dgm:txFillClrLst meth="repeat">
+      <a:schemeClr val="tx1"/>
+    </dgm:txFillClrLst>
+    <dgm:txEffectClrLst/>
+  </dgm:styleLbl>
+  <dgm:styleLbl name="parChTrans1D4">
+    <dgm:fillClrLst meth="repeat">
+      <a:schemeClr val="accent2"/>
+    </dgm:fillClrLst>
+    <dgm:linClrLst meth="repeat">
+      <a:schemeClr val="accent2">
+        <a:shade val="80000"/>
+      </a:schemeClr>
+    </dgm:linClrLst>
+    <dgm:effectClrLst/>
+    <dgm:txLinClrLst/>
+    <dgm:txFillClrLst meth="repeat">
+      <a:schemeClr val="tx1"/>
+    </dgm:txFillClrLst>
+    <dgm:txEffectClrLst/>
+  </dgm:styleLbl>
+  <dgm:styleLbl name="fgAcc1">
+    <dgm:fillClrLst meth="repeat">
+      <a:schemeClr val="lt1">
+        <a:alpha val="90000"/>
+      </a:schemeClr>
+    </dgm:fillClrLst>
+    <dgm:linClrLst meth="repeat">
+      <a:schemeClr val="accent2"/>
+    </dgm:linClrLst>
+    <dgm:effectClrLst/>
+    <dgm:txLinClrLst/>
+    <dgm:txFillClrLst meth="repeat">
+      <a:schemeClr val="dk1"/>
+    </dgm:txFillClrLst>
+    <dgm:txEffectClrLst/>
+  </dgm:styleLbl>
+  <dgm:styleLbl name="conFgAcc1">
+    <dgm:fillClrLst meth="repeat">
+      <a:schemeClr val="lt1">
+        <a:alpha val="90000"/>
+      </a:schemeClr>
+    </dgm:fillClrLst>
+    <dgm:linClrLst meth="repeat">
+      <a:schemeClr val="accent2"/>
+    </dgm:linClrLst>
+    <dgm:effectClrLst/>
+    <dgm:txLinClrLst/>
+    <dgm:txFillClrLst meth="repeat">
+      <a:schemeClr val="dk1"/>
+    </dgm:txFillClrLst>
+    <dgm:txEffectClrLst/>
+  </dgm:styleLbl>
+  <dgm:styleLbl name="alignAcc1">
+    <dgm:fillClrLst meth="repeat">
+      <a:schemeClr val="lt1">
+        <a:alpha val="90000"/>
+      </a:schemeClr>
+    </dgm:fillClrLst>
+    <dgm:linClrLst meth="repeat">
+      <a:schemeClr val="accent2"/>
+    </dgm:linClrLst>
+    <dgm:effectClrLst/>
+    <dgm:txLinClrLst/>
+    <dgm:txFillClrLst meth="repeat">
+      <a:schemeClr val="dk1"/>
+    </dgm:txFillClrLst>
+    <dgm:txEffectClrLst/>
+  </dgm:styleLbl>
+  <dgm:styleLbl name="trAlignAcc1">
+    <dgm:fillClrLst meth="repeat">
+      <a:schemeClr val="lt1">
+        <a:alpha val="40000"/>
+      </a:schemeClr>
+    </dgm:fillClrLst>
+    <dgm:linClrLst meth="repeat">
+      <a:schemeClr val="accent2"/>
+    </dgm:linClrLst>
+    <dgm:effectClrLst/>
+    <dgm:txLinClrLst/>
+    <dgm:txFillClrLst meth="repeat">
+      <a:schemeClr val="dk1"/>
+    </dgm:txFillClrLst>
+    <dgm:txEffectClrLst/>
+  </dgm:styleLbl>
+  <dgm:styleLbl name="bgAcc1">
+    <dgm:fillClrLst meth="repeat">
+      <a:schemeClr val="lt1">
+        <a:alpha val="90000"/>
+      </a:schemeClr>
+    </dgm:fillClrLst>
+    <dgm:linClrLst meth="repeat">
+      <a:schemeClr val="accent2"/>
+    </dgm:linClrLst>
+    <dgm:effectClrLst/>
+    <dgm:txLinClrLst/>
+    <dgm:txFillClrLst meth="repeat">
+      <a:schemeClr val="dk1"/>
+    </dgm:txFillClrLst>
+    <dgm:txEffectClrLst/>
+  </dgm:styleLbl>
+  <dgm:styleLbl name="solidFgAcc1">
+    <dgm:fillClrLst meth="repeat">
+      <a:schemeClr val="lt1"/>
+    </dgm:fillClrLst>
+    <dgm:linClrLst meth="repeat">
+      <a:schemeClr val="accent2"/>
+    </dgm:linClrLst>
+    <dgm:effectClrLst/>
+    <dgm:txLinClrLst/>
+    <dgm:txFillClrLst meth="repeat">
+      <a:schemeClr val="dk1"/>
+    </dgm:txFillClrLst>
+    <dgm:txEffectClrLst/>
+  </dgm:styleLbl>
+  <dgm:styleLbl name="solidAlignAcc1">
+    <dgm:fillClrLst meth="repeat">
+      <a:schemeClr val="lt1"/>
+    </dgm:fillClrLst>
+    <dgm:linClrLst meth="repeat">
+      <a:schemeClr val="accent2"/>
+    </dgm:linClrLst>
+    <dgm:effectClrLst/>
+    <dgm:txLinClrLst/>
+    <dgm:txFillClrLst meth="repeat">
+      <a:schemeClr val="dk1"/>
+    </dgm:txFillClrLst>
+    <dgm:txEffectClrLst/>
+  </dgm:styleLbl>
+  <dgm:styleLbl name="solidBgAcc1">
+    <dgm:fillClrLst meth="repeat">
+      <a:schemeClr val="lt1"/>
+    </dgm:fillClrLst>
+    <dgm:linClrLst meth="repeat">
+      <a:schemeClr val="accent2"/>
+    </dgm:linClrLst>
+    <dgm:effectClrLst/>
+    <dgm:txLinClrLst/>
+    <dgm:txFillClrLst meth="repeat">
+      <a:schemeClr val="dk1"/>
+    </dgm:txFillClrLst>
+    <dgm:txEffectClrLst/>
+  </dgm:styleLbl>
+  <dgm:styleLbl name="fgAccFollowNode1">
+    <dgm:fillClrLst meth="repeat">
+      <a:schemeClr val="accent2">
+        <a:alpha val="90000"/>
+        <a:tint val="40000"/>
+      </a:schemeClr>
+    </dgm:fillClrLst>
+    <dgm:linClrLst meth="repeat">
+      <a:schemeClr val="accent2">
+        <a:alpha val="90000"/>
+        <a:tint val="40000"/>
+      </a:schemeClr>
+    </dgm:linClrLst>
+    <dgm:effectClrLst/>
+    <dgm:txLinClrLst/>
+    <dgm:txFillClrLst meth="repeat">
+      <a:schemeClr val="dk1"/>
+    </dgm:txFillClrLst>
+    <dgm:txEffectClrLst/>
+  </dgm:styleLbl>
+  <dgm:styleLbl name="alignAccFollowNode1">
+    <dgm:fillClrLst meth="repeat">
+      <a:schemeClr val="accent2">
+        <a:alpha val="90000"/>
+        <a:tint val="40000"/>
+      </a:schemeClr>
+    </dgm:fillClrLst>
+    <dgm:linClrLst meth="repeat">
+      <a:schemeClr val="accent2">
+        <a:alpha val="90000"/>
+        <a:tint val="40000"/>
+      </a:schemeClr>
+    </dgm:linClrLst>
+    <dgm:effectClrLst/>
+    <dgm:txLinClrLst/>
+    <dgm:txFillClrLst meth="repeat">
+      <a:schemeClr val="dk1"/>
+    </dgm:txFillClrLst>
+    <dgm:txEffectClrLst/>
+  </dgm:styleLbl>
+  <dgm:styleLbl name="bgAccFollowNode1">
+    <dgm:fillClrLst meth="repeat">
+      <a:schemeClr val="accent2">
+        <a:alpha val="90000"/>
+        <a:tint val="40000"/>
+      </a:schemeClr>
+    </dgm:fillClrLst>
+    <dgm:linClrLst meth="repeat">
+      <a:schemeClr val="accent2">
+        <a:alpha val="90000"/>
+        <a:tint val="40000"/>
+      </a:schemeClr>
+    </dgm:linClrLst>
+    <dgm:effectClrLst/>
+    <dgm:txLinClrLst/>
+    <dgm:txFillClrLst meth="repeat">
+      <a:schemeClr val="dk1"/>
+    </dgm:txFillClrLst>
+    <dgm:txEffectClrLst/>
+  </dgm:styleLbl>
+  <dgm:styleLbl name="fgAcc0">
+    <dgm:fillClrLst meth="repeat">
+      <a:schemeClr val="lt1">
+        <a:alpha val="90000"/>
+      </a:schemeClr>
+    </dgm:fillClrLst>
+    <dgm:linClrLst meth="repeat">
+      <a:schemeClr val="accent2"/>
+    </dgm:linClrLst>
+    <dgm:effectClrLst/>
+    <dgm:txLinClrLst/>
+    <dgm:txFillClrLst meth="repeat">
+      <a:schemeClr val="dk1"/>
+    </dgm:txFillClrLst>
+    <dgm:txEffectClrLst/>
+  </dgm:styleLbl>
+  <dgm:styleLbl name="fgAcc2">
+    <dgm:fillClrLst meth="repeat">
+      <a:schemeClr val="lt1">
+        <a:alpha val="90000"/>
+      </a:schemeClr>
+    </dgm:fillClrLst>
+    <dgm:linClrLst meth="repeat">
+      <a:schemeClr val="accent2"/>
+    </dgm:linClrLst>
+    <dgm:effectClrLst/>
+    <dgm:txLinClrLst/>
+    <dgm:txFillClrLst meth="repeat">
+      <a:schemeClr val="dk1"/>
+    </dgm:txFillClrLst>
+    <dgm:txEffectClrLst/>
+  </dgm:styleLbl>
+  <dgm:styleLbl name="fgAcc3">
+    <dgm:fillClrLst meth="repeat">
+      <a:schemeClr val="lt1">
+        <a:alpha val="90000"/>
+      </a:schemeClr>
+    </dgm:fillClrLst>
+    <dgm:linClrLst meth="repeat">
+      <a:schemeClr val="accent2"/>
+    </dgm:linClrLst>
+    <dgm:effectClrLst/>
+    <dgm:txLinClrLst/>
+    <dgm:txFillClrLst meth="repeat">
+      <a:schemeClr val="dk1"/>
+    </dgm:txFillClrLst>
+    <dgm:txEffectClrLst/>
+  </dgm:styleLbl>
+  <dgm:styleLbl name="fgAcc4">
+    <dgm:fillClrLst meth="repeat">
+      <a:schemeClr val="lt1">
+        <a:alpha val="90000"/>
+      </a:schemeClr>
+    </dgm:fillClrLst>
+    <dgm:linClrLst meth="repeat">
+      <a:schemeClr val="accent2"/>
+    </dgm:linClrLst>
+    <dgm:effectClrLst/>
+    <dgm:txLinClrLst/>
+    <dgm:txFillClrLst meth="repeat">
+      <a:schemeClr val="dk1"/>
+    </dgm:txFillClrLst>
+    <dgm:txEffectClrLst/>
+  </dgm:styleLbl>
+  <dgm:styleLbl name="bgShp">
+    <dgm:fillClrLst meth="repeat">
+      <a:schemeClr val="accent2">
+        <a:tint val="40000"/>
+      </a:schemeClr>
+    </dgm:fillClrLst>
+    <dgm:linClrLst meth="repeat">
+      <a:schemeClr val="accent2"/>
+    </dgm:linClrLst>
+    <dgm:effectClrLst/>
+    <dgm:txLinClrLst/>
+    <dgm:txFillClrLst meth="repeat">
+      <a:schemeClr val="dk1"/>
+    </dgm:txFillClrLst>
+    <dgm:txEffectClrLst/>
+  </dgm:styleLbl>
+  <dgm:styleLbl name="dkBgShp">
+    <dgm:fillClrLst meth="repeat">
+      <a:schemeClr val="accent2">
+        <a:shade val="80000"/>
+      </a:schemeClr>
+    </dgm:fillClrLst>
+    <dgm:linClrLst meth="repeat">
+      <a:schemeClr val="accent2"/>
+    </dgm:linClrLst>
+    <dgm:effectClrLst/>
+    <dgm:txLinClrLst/>
+    <dgm:txFillClrLst meth="repeat">
+      <a:schemeClr val="lt1"/>
+    </dgm:txFillClrLst>
+    <dgm:txEffectClrLst/>
+  </dgm:styleLbl>
+  <dgm:styleLbl name="trBgShp">
+    <dgm:fillClrLst meth="repeat">
+      <a:schemeClr val="accent2">
+        <a:tint val="50000"/>
+        <a:alpha val="40000"/>
+      </a:schemeClr>
+    </dgm:fillClrLst>
+    <dgm:linClrLst meth="repeat">
+      <a:schemeClr val="accent2"/>
+    </dgm:linClrLst>
+    <dgm:effectClrLst/>
+    <dgm:txLinClrLst/>
+    <dgm:txFillClrLst meth="repeat">
+      <a:schemeClr val="lt1"/>
+    </dgm:txFillClrLst>
+    <dgm:txEffectClrLst/>
+  </dgm:styleLbl>
+  <dgm:styleLbl name="fgShp">
+    <dgm:fillClrLst meth="repeat">
+      <a:schemeClr val="accent2">
+        <a:tint val="60000"/>
+      </a:schemeClr>
+    </dgm:fillClrLst>
+    <dgm:linClrLst meth="repeat">
+      <a:schemeClr val="lt1"/>
+    </dgm:linClrLst>
+    <dgm:effectClrLst/>
+    <dgm:txLinClrLst/>
+    <dgm:txFillClrLst meth="repeat">
+      <a:schemeClr val="dk1"/>
+    </dgm:txFillClrLst>
+    <dgm:txEffectClrLst/>
+  </dgm:styleLbl>
+  <dgm:styleLbl name="revTx">
+    <dgm:fillClrLst meth="repeat">
+      <a:schemeClr val="lt1">
+        <a:alpha val="0"/>
+      </a:schemeClr>
+    </dgm:fillClrLst>
+    <dgm:linClrLst meth="repeat">
+      <a:schemeClr val="dk1">
+        <a:alpha val="0"/>
+      </a:schemeClr>
+    </dgm:linClrLst>
+    <dgm:effectClrLst/>
+    <dgm:txLinClrLst/>
+    <dgm:txFillClrLst meth="repeat">
+      <a:schemeClr val="tx1"/>
+    </dgm:txFillClrLst>
+    <dgm:txEffectClrLst/>
+  </dgm:styleLbl>
+</dgm:colorsDef>
+</file>
+
+<file path=ppt/diagrams/data1.xml><?xml version="1.0" encoding="utf-8"?>
+<dgm:dataModel xmlns:dgm="http://schemas.openxmlformats.org/drawingml/2006/diagram" xmlns:a="http://schemas.openxmlformats.org/drawingml/2006/main">
+  <dgm:ptLst>
+    <dgm:pt modelId="{4CEB9E3F-2E99-4315-B147-6F8EE131B8C6}" type="doc">
+      <dgm:prSet loTypeId="urn:microsoft.com/office/officeart/2018/2/layout/IconVerticalSolidList" loCatId="icon" qsTypeId="urn:microsoft.com/office/officeart/2005/8/quickstyle/simple1" qsCatId="simple" csTypeId="urn:microsoft.com/office/officeart/2005/8/colors/accent2_2" csCatId="accent2" phldr="1"/>
+      <dgm:spPr/>
+      <dgm:t>
+        <a:bodyPr/>
+        <a:lstStyle/>
+        <a:p>
+          <a:endParaRPr lang="en-US"/>
+        </a:p>
+      </dgm:t>
+    </dgm:pt>
+    <dgm:pt modelId="{D1E551E0-FA2A-408B-966E-2FA5BCA895DF}">
+      <dgm:prSet/>
+      <dgm:spPr/>
+      <dgm:t>
+        <a:bodyPr/>
+        <a:lstStyle/>
+        <a:p>
+          <a:r>
+            <a:rPr lang="en-US" dirty="0"/>
+            <a:t>PowerShell is a scripting shell (like cmd.exe or bash), and it’s a programming language.</a:t>
+          </a:r>
+        </a:p>
+      </dgm:t>
+    </dgm:pt>
+    <dgm:pt modelId="{89B47E5C-510D-4FB5-BA0D-94A1B19AC633}" type="parTrans" cxnId="{03CC1D75-44A6-4716-9215-1249E5DF74FB}">
+      <dgm:prSet/>
+      <dgm:spPr/>
+      <dgm:t>
+        <a:bodyPr/>
+        <a:lstStyle/>
+        <a:p>
+          <a:endParaRPr lang="en-US"/>
+        </a:p>
+      </dgm:t>
+    </dgm:pt>
+    <dgm:pt modelId="{3001CF73-25D9-41CD-942D-80DC21F170F1}" type="sibTrans" cxnId="{03CC1D75-44A6-4716-9215-1249E5DF74FB}">
+      <dgm:prSet/>
+      <dgm:spPr/>
+      <dgm:t>
+        <a:bodyPr/>
+        <a:lstStyle/>
+        <a:p>
+          <a:endParaRPr lang="en-US"/>
+        </a:p>
+      </dgm:t>
+    </dgm:pt>
+    <dgm:pt modelId="{D09A3938-BFA9-40A2-A7A9-9811CCBCA03A}">
+      <dgm:prSet/>
+      <dgm:spPr/>
+      <dgm:t>
+        <a:bodyPr/>
+        <a:lstStyle/>
+        <a:p>
+          <a:r>
+            <a:rPr lang="en-US" dirty="0"/>
+            <a:t>PowerShell is a </a:t>
+          </a:r>
+          <a:r>
+            <a:rPr lang="en-US" dirty="0" err="1"/>
+            <a:t>.net</a:t>
+          </a:r>
+          <a:r>
+            <a:rPr lang="en-US" dirty="0"/>
+            <a:t> Language. Therefore: </a:t>
+          </a:r>
+          <a:r>
+            <a:rPr lang="en-US" b="1" dirty="0"/>
+            <a:t>everything in PowerShell is an object</a:t>
+          </a:r>
+          <a:r>
+            <a:rPr lang="en-US" dirty="0"/>
+            <a:t>.</a:t>
+          </a:r>
+        </a:p>
+      </dgm:t>
+    </dgm:pt>
+    <dgm:pt modelId="{9E4ACB3A-92AD-4A79-A212-33A4E7E8243A}" type="parTrans" cxnId="{6BD270B7-AEBA-4E38-AA7F-44250A93866D}">
+      <dgm:prSet/>
+      <dgm:spPr/>
+      <dgm:t>
+        <a:bodyPr/>
+        <a:lstStyle/>
+        <a:p>
+          <a:endParaRPr lang="en-US"/>
+        </a:p>
+      </dgm:t>
+    </dgm:pt>
+    <dgm:pt modelId="{7576E8EE-5A7A-4B09-96D4-CEA3E6FA17B7}" type="sibTrans" cxnId="{6BD270B7-AEBA-4E38-AA7F-44250A93866D}">
+      <dgm:prSet/>
+      <dgm:spPr/>
+      <dgm:t>
+        <a:bodyPr/>
+        <a:lstStyle/>
+        <a:p>
+          <a:endParaRPr lang="en-US"/>
+        </a:p>
+      </dgm:t>
+    </dgm:pt>
+    <dgm:pt modelId="{8E4531D1-F7A9-4F89-91B9-403EE9E6DAFF}">
+      <dgm:prSet custT="1"/>
+      <dgm:spPr/>
+      <dgm:t>
+        <a:bodyPr/>
+        <a:lstStyle/>
+        <a:p>
+          <a:r>
+            <a:rPr lang="en-US" sz="2500" dirty="0"/>
+            <a:t>Objects move through a </a:t>
+          </a:r>
+          <a:r>
+            <a:rPr lang="en-US" sz="2500" b="1" dirty="0"/>
+            <a:t>pipeline</a:t>
+          </a:r>
+          <a:r>
+            <a:rPr lang="en-US" sz="2500" dirty="0"/>
+            <a:t>. </a:t>
+          </a:r>
+          <a:br>
+            <a:rPr lang="en-US" sz="2000" dirty="0"/>
+          </a:br>
+          <a:r>
+            <a:rPr lang="en-US" sz="1800" i="1" dirty="0"/>
+            <a:t>At the end of the pipeline, if we haven’t said what to do with them, a string representation is shown on the console.</a:t>
+          </a:r>
+          <a:endParaRPr lang="en-US" sz="2000" dirty="0"/>
+        </a:p>
+      </dgm:t>
+    </dgm:pt>
+    <dgm:pt modelId="{704AFDE5-5278-4EDC-BD87-35D629A209F0}" type="parTrans" cxnId="{2864D6E8-AC82-4E38-8394-DEFD5DA09492}">
+      <dgm:prSet/>
+      <dgm:spPr/>
+      <dgm:t>
+        <a:bodyPr/>
+        <a:lstStyle/>
+        <a:p>
+          <a:endParaRPr lang="en-US"/>
+        </a:p>
+      </dgm:t>
+    </dgm:pt>
+    <dgm:pt modelId="{20862E5F-F53E-4092-B6FF-6BCE9155D70A}" type="sibTrans" cxnId="{2864D6E8-AC82-4E38-8394-DEFD5DA09492}">
+      <dgm:prSet/>
+      <dgm:spPr/>
+      <dgm:t>
+        <a:bodyPr/>
+        <a:lstStyle/>
+        <a:p>
+          <a:endParaRPr lang="en-US"/>
+        </a:p>
+      </dgm:t>
+    </dgm:pt>
+    <dgm:pt modelId="{69D8F37C-3236-4971-BE61-D2806E2E4435}" type="pres">
+      <dgm:prSet presAssocID="{4CEB9E3F-2E99-4315-B147-6F8EE131B8C6}" presName="root" presStyleCnt="0">
+        <dgm:presLayoutVars>
+          <dgm:dir/>
+          <dgm:resizeHandles val="exact"/>
+        </dgm:presLayoutVars>
+      </dgm:prSet>
+      <dgm:spPr/>
+    </dgm:pt>
+    <dgm:pt modelId="{FA289ABD-705D-47FF-8FC7-7D3E465E7451}" type="pres">
+      <dgm:prSet presAssocID="{D1E551E0-FA2A-408B-966E-2FA5BCA895DF}" presName="compNode" presStyleCnt="0"/>
+      <dgm:spPr/>
+    </dgm:pt>
+    <dgm:pt modelId="{E57198F1-BCE3-40B1-9875-B3BE841DA6C7}" type="pres">
+      <dgm:prSet presAssocID="{D1E551E0-FA2A-408B-966E-2FA5BCA895DF}" presName="bgRect" presStyleLbl="bgShp" presStyleIdx="0" presStyleCnt="3"/>
+      <dgm:spPr/>
+    </dgm:pt>
+    <dgm:pt modelId="{62032E8D-725F-4794-8177-3732E7F006A8}" type="pres">
+      <dgm:prSet presAssocID="{D1E551E0-FA2A-408B-966E-2FA5BCA895DF}" presName="iconRect" presStyleLbl="node1" presStyleIdx="0" presStyleCnt="3"/>
+      <dgm:spPr>
+        <a:blipFill>
+          <a:blip xmlns:r="http://schemas.openxmlformats.org/officeDocument/2006/relationships" r:embed="rId1">
+            <a:duotone>
+              <a:schemeClr val="accent2">
+                <a:shade val="45000"/>
+                <a:satMod val="135000"/>
+              </a:schemeClr>
+              <a:prstClr val="white"/>
+            </a:duotone>
+            <a:extLst>
+              <a:ext uri="{28A0092B-C50C-407E-A947-70E740481C1C}">
+                <a14:useLocalDpi xmlns:a14="http://schemas.microsoft.com/office/drawing/2010/main" val="0"/>
+              </a:ext>
+            </a:extLst>
+          </a:blip>
+          <a:srcRect/>
+          <a:stretch>
+            <a:fillRect/>
+          </a:stretch>
+        </a:blipFill>
+        <a:ln>
+          <a:noFill/>
+        </a:ln>
+      </dgm:spPr>
+    </dgm:pt>
+    <dgm:pt modelId="{F18ECA4C-383E-4B67-A8ED-FB04F81B5162}" type="pres">
+      <dgm:prSet presAssocID="{D1E551E0-FA2A-408B-966E-2FA5BCA895DF}" presName="spaceRect" presStyleCnt="0"/>
+      <dgm:spPr/>
+    </dgm:pt>
+    <dgm:pt modelId="{CD9B8331-6009-4CBA-82DA-5B269C10606C}" type="pres">
+      <dgm:prSet presAssocID="{D1E551E0-FA2A-408B-966E-2FA5BCA895DF}" presName="parTx" presStyleLbl="revTx" presStyleIdx="0" presStyleCnt="3">
+        <dgm:presLayoutVars>
+          <dgm:chMax val="0"/>
+          <dgm:chPref val="0"/>
+        </dgm:presLayoutVars>
+      </dgm:prSet>
+      <dgm:spPr/>
+    </dgm:pt>
+    <dgm:pt modelId="{BF2E632F-B3C8-438D-8489-28E441C27373}" type="pres">
+      <dgm:prSet presAssocID="{3001CF73-25D9-41CD-942D-80DC21F170F1}" presName="sibTrans" presStyleCnt="0"/>
+      <dgm:spPr/>
+    </dgm:pt>
+    <dgm:pt modelId="{823C2D42-6C75-4E7D-9292-6DFB41B031AD}" type="pres">
+      <dgm:prSet presAssocID="{D09A3938-BFA9-40A2-A7A9-9811CCBCA03A}" presName="compNode" presStyleCnt="0"/>
+      <dgm:spPr/>
+    </dgm:pt>
+    <dgm:pt modelId="{4DBC90AC-BC7E-4F9E-9642-2666C48A6B34}" type="pres">
+      <dgm:prSet presAssocID="{D09A3938-BFA9-40A2-A7A9-9811CCBCA03A}" presName="bgRect" presStyleLbl="bgShp" presStyleIdx="1" presStyleCnt="3"/>
+      <dgm:spPr/>
+    </dgm:pt>
+    <dgm:pt modelId="{DFF0EBDD-2B38-45AD-A2C2-B39EBE90CCE7}" type="pres">
+      <dgm:prSet presAssocID="{D09A3938-BFA9-40A2-A7A9-9811CCBCA03A}" presName="iconRect" presStyleLbl="node1" presStyleIdx="1" presStyleCnt="3"/>
+      <dgm:spPr>
+        <a:blipFill>
+          <a:blip xmlns:r="http://schemas.openxmlformats.org/officeDocument/2006/relationships" r:embed="rId2">
+            <a:duotone>
+              <a:schemeClr val="accent2">
+                <a:shade val="45000"/>
+                <a:satMod val="135000"/>
+              </a:schemeClr>
+              <a:prstClr val="white"/>
+            </a:duotone>
+          </a:blip>
+          <a:stretch>
+            <a:fillRect/>
+          </a:stretch>
+        </a:blipFill>
+        <a:ln>
+          <a:noFill/>
+        </a:ln>
+      </dgm:spPr>
+    </dgm:pt>
+    <dgm:pt modelId="{5BD63C42-9AAE-4E87-AFB6-D2AB1B1B28B2}" type="pres">
+      <dgm:prSet presAssocID="{D09A3938-BFA9-40A2-A7A9-9811CCBCA03A}" presName="spaceRect" presStyleCnt="0"/>
+      <dgm:spPr/>
+    </dgm:pt>
+    <dgm:pt modelId="{FC2D82E9-B206-4A12-9894-D3D226404A4D}" type="pres">
+      <dgm:prSet presAssocID="{D09A3938-BFA9-40A2-A7A9-9811CCBCA03A}" presName="parTx" presStyleLbl="revTx" presStyleIdx="1" presStyleCnt="3">
+        <dgm:presLayoutVars>
+          <dgm:chMax val="0"/>
+          <dgm:chPref val="0"/>
+        </dgm:presLayoutVars>
+      </dgm:prSet>
+      <dgm:spPr/>
+    </dgm:pt>
+    <dgm:pt modelId="{FB38A539-17DF-4D2E-8D84-445CC2677D46}" type="pres">
+      <dgm:prSet presAssocID="{7576E8EE-5A7A-4B09-96D4-CEA3E6FA17B7}" presName="sibTrans" presStyleCnt="0"/>
+      <dgm:spPr/>
+    </dgm:pt>
+    <dgm:pt modelId="{8C6F3E3D-2671-4296-A728-2CCEF202E63C}" type="pres">
+      <dgm:prSet presAssocID="{8E4531D1-F7A9-4F89-91B9-403EE9E6DAFF}" presName="compNode" presStyleCnt="0"/>
+      <dgm:spPr/>
+    </dgm:pt>
+    <dgm:pt modelId="{219F229D-B0BD-46E4-A3C7-3A694A276AF0}" type="pres">
+      <dgm:prSet presAssocID="{8E4531D1-F7A9-4F89-91B9-403EE9E6DAFF}" presName="bgRect" presStyleLbl="bgShp" presStyleIdx="2" presStyleCnt="3"/>
+      <dgm:spPr/>
+    </dgm:pt>
+    <dgm:pt modelId="{FAE009E9-2B94-4593-983B-1748A3E1883F}" type="pres">
+      <dgm:prSet presAssocID="{8E4531D1-F7A9-4F89-91B9-403EE9E6DAFF}" presName="iconRect" presStyleLbl="node1" presStyleIdx="2" presStyleCnt="3" custScaleX="103372" custScaleY="103372" custLinFactNeighborX="8111" custLinFactNeighborY="1159"/>
+      <dgm:spPr>
+        <a:blipFill dpi="0" rotWithShape="1">
+          <a:blip xmlns:r="http://schemas.openxmlformats.org/officeDocument/2006/relationships" r:embed="rId3">
+            <a:duotone>
+              <a:prstClr val="black"/>
+              <a:schemeClr val="accent3">
+                <a:tint val="45000"/>
+                <a:satMod val="400000"/>
+              </a:schemeClr>
+            </a:duotone>
+            <a:extLst>
+              <a:ext uri="{28A0092B-C50C-407E-A947-70E740481C1C}">
+                <a14:useLocalDpi xmlns:a14="http://schemas.microsoft.com/office/drawing/2010/main" val="0"/>
+              </a:ext>
+            </a:extLst>
+          </a:blip>
+          <a:srcRect/>
+          <a:stretch>
+            <a:fillRect/>
+          </a:stretch>
+        </a:blipFill>
+        <a:ln>
+          <a:noFill/>
+        </a:ln>
+      </dgm:spPr>
+    </dgm:pt>
+    <dgm:pt modelId="{1592A416-EF7F-4DE7-8F41-97F45B590105}" type="pres">
+      <dgm:prSet presAssocID="{8E4531D1-F7A9-4F89-91B9-403EE9E6DAFF}" presName="spaceRect" presStyleCnt="0"/>
+      <dgm:spPr/>
+    </dgm:pt>
+    <dgm:pt modelId="{8F18A12B-26B1-4217-8061-C69E9AC0512B}" type="pres">
+      <dgm:prSet presAssocID="{8E4531D1-F7A9-4F89-91B9-403EE9E6DAFF}" presName="parTx" presStyleLbl="revTx" presStyleIdx="2" presStyleCnt="3">
+        <dgm:presLayoutVars>
+          <dgm:chMax val="0"/>
+          <dgm:chPref val="0"/>
+        </dgm:presLayoutVars>
+      </dgm:prSet>
+      <dgm:spPr/>
+    </dgm:pt>
+  </dgm:ptLst>
+  <dgm:cxnLst>
+    <dgm:cxn modelId="{FB7FB540-142B-4788-96A1-8B7DA0204302}" type="presOf" srcId="{D1E551E0-FA2A-408B-966E-2FA5BCA895DF}" destId="{CD9B8331-6009-4CBA-82DA-5B269C10606C}" srcOrd="0" destOrd="0" presId="urn:microsoft.com/office/officeart/2018/2/layout/IconVerticalSolidList"/>
+    <dgm:cxn modelId="{03CC1D75-44A6-4716-9215-1249E5DF74FB}" srcId="{4CEB9E3F-2E99-4315-B147-6F8EE131B8C6}" destId="{D1E551E0-FA2A-408B-966E-2FA5BCA895DF}" srcOrd="0" destOrd="0" parTransId="{89B47E5C-510D-4FB5-BA0D-94A1B19AC633}" sibTransId="{3001CF73-25D9-41CD-942D-80DC21F170F1}"/>
+    <dgm:cxn modelId="{CAF293AC-6747-47AD-B1B6-0A83B6A1B9CC}" type="presOf" srcId="{4CEB9E3F-2E99-4315-B147-6F8EE131B8C6}" destId="{69D8F37C-3236-4971-BE61-D2806E2E4435}" srcOrd="0" destOrd="0" presId="urn:microsoft.com/office/officeart/2018/2/layout/IconVerticalSolidList"/>
+    <dgm:cxn modelId="{6BD270B7-AEBA-4E38-AA7F-44250A93866D}" srcId="{4CEB9E3F-2E99-4315-B147-6F8EE131B8C6}" destId="{D09A3938-BFA9-40A2-A7A9-9811CCBCA03A}" srcOrd="1" destOrd="0" parTransId="{9E4ACB3A-92AD-4A79-A212-33A4E7E8243A}" sibTransId="{7576E8EE-5A7A-4B09-96D4-CEA3E6FA17B7}"/>
+    <dgm:cxn modelId="{D496F4B9-51B8-4E0A-AFF9-D9E39262CDDC}" type="presOf" srcId="{8E4531D1-F7A9-4F89-91B9-403EE9E6DAFF}" destId="{8F18A12B-26B1-4217-8061-C69E9AC0512B}" srcOrd="0" destOrd="0" presId="urn:microsoft.com/office/officeart/2018/2/layout/IconVerticalSolidList"/>
+    <dgm:cxn modelId="{088630C3-BF0B-4B0D-A6D8-CD4A950CF3FA}" type="presOf" srcId="{D09A3938-BFA9-40A2-A7A9-9811CCBCA03A}" destId="{FC2D82E9-B206-4A12-9894-D3D226404A4D}" srcOrd="0" destOrd="0" presId="urn:microsoft.com/office/officeart/2018/2/layout/IconVerticalSolidList"/>
+    <dgm:cxn modelId="{2864D6E8-AC82-4E38-8394-DEFD5DA09492}" srcId="{4CEB9E3F-2E99-4315-B147-6F8EE131B8C6}" destId="{8E4531D1-F7A9-4F89-91B9-403EE9E6DAFF}" srcOrd="2" destOrd="0" parTransId="{704AFDE5-5278-4EDC-BD87-35D629A209F0}" sibTransId="{20862E5F-F53E-4092-B6FF-6BCE9155D70A}"/>
+    <dgm:cxn modelId="{38066B99-538F-40F1-8BBB-215D673F58CA}" type="presParOf" srcId="{69D8F37C-3236-4971-BE61-D2806E2E4435}" destId="{FA289ABD-705D-47FF-8FC7-7D3E465E7451}" srcOrd="0" destOrd="0" presId="urn:microsoft.com/office/officeart/2018/2/layout/IconVerticalSolidList"/>
+    <dgm:cxn modelId="{25765555-2641-44E4-80EF-639F3DD8F8DA}" type="presParOf" srcId="{FA289ABD-705D-47FF-8FC7-7D3E465E7451}" destId="{E57198F1-BCE3-40B1-9875-B3BE841DA6C7}" srcOrd="0" destOrd="0" presId="urn:microsoft.com/office/officeart/2018/2/layout/IconVerticalSolidList"/>
+    <dgm:cxn modelId="{B7AD7071-C815-4E8C-AB92-78E2F86A4BC6}" type="presParOf" srcId="{FA289ABD-705D-47FF-8FC7-7D3E465E7451}" destId="{62032E8D-725F-4794-8177-3732E7F006A8}" srcOrd="1" destOrd="0" presId="urn:microsoft.com/office/officeart/2018/2/layout/IconVerticalSolidList"/>
+    <dgm:cxn modelId="{93D2AABC-C027-4150-9395-5B7F61063311}" type="presParOf" srcId="{FA289ABD-705D-47FF-8FC7-7D3E465E7451}" destId="{F18ECA4C-383E-4B67-A8ED-FB04F81B5162}" srcOrd="2" destOrd="0" presId="urn:microsoft.com/office/officeart/2018/2/layout/IconVerticalSolidList"/>
+    <dgm:cxn modelId="{F903CD54-0F68-46B9-A3E8-82CE3147521F}" type="presParOf" srcId="{FA289ABD-705D-47FF-8FC7-7D3E465E7451}" destId="{CD9B8331-6009-4CBA-82DA-5B269C10606C}" srcOrd="3" destOrd="0" presId="urn:microsoft.com/office/officeart/2018/2/layout/IconVerticalSolidList"/>
+    <dgm:cxn modelId="{865FCD8B-1501-4ADD-9642-4A6CEA7496B1}" type="presParOf" srcId="{69D8F37C-3236-4971-BE61-D2806E2E4435}" destId="{BF2E632F-B3C8-438D-8489-28E441C27373}" srcOrd="1" destOrd="0" presId="urn:microsoft.com/office/officeart/2018/2/layout/IconVerticalSolidList"/>
+    <dgm:cxn modelId="{0B27BC3E-6B95-44A3-8B0B-2F4488742C1F}" type="presParOf" srcId="{69D8F37C-3236-4971-BE61-D2806E2E4435}" destId="{823C2D42-6C75-4E7D-9292-6DFB41B031AD}" srcOrd="2" destOrd="0" presId="urn:microsoft.com/office/officeart/2018/2/layout/IconVerticalSolidList"/>
+    <dgm:cxn modelId="{5D8E959A-A091-432F-9100-089CB816534A}" type="presParOf" srcId="{823C2D42-6C75-4E7D-9292-6DFB41B031AD}" destId="{4DBC90AC-BC7E-4F9E-9642-2666C48A6B34}" srcOrd="0" destOrd="0" presId="urn:microsoft.com/office/officeart/2018/2/layout/IconVerticalSolidList"/>
+    <dgm:cxn modelId="{18537613-2F14-4084-B21F-C4DB274DCB3E}" type="presParOf" srcId="{823C2D42-6C75-4E7D-9292-6DFB41B031AD}" destId="{DFF0EBDD-2B38-45AD-A2C2-B39EBE90CCE7}" srcOrd="1" destOrd="0" presId="urn:microsoft.com/office/officeart/2018/2/layout/IconVerticalSolidList"/>
+    <dgm:cxn modelId="{84E1550A-DBE2-4CF7-835A-B436F900F27A}" type="presParOf" srcId="{823C2D42-6C75-4E7D-9292-6DFB41B031AD}" destId="{5BD63C42-9AAE-4E87-AFB6-D2AB1B1B28B2}" srcOrd="2" destOrd="0" presId="urn:microsoft.com/office/officeart/2018/2/layout/IconVerticalSolidList"/>
+    <dgm:cxn modelId="{7939F8F5-94C3-45DB-9179-A7CCF426957D}" type="presParOf" srcId="{823C2D42-6C75-4E7D-9292-6DFB41B031AD}" destId="{FC2D82E9-B206-4A12-9894-D3D226404A4D}" srcOrd="3" destOrd="0" presId="urn:microsoft.com/office/officeart/2018/2/layout/IconVerticalSolidList"/>
+    <dgm:cxn modelId="{82906630-57E5-4C20-839E-65A80C2DB74E}" type="presParOf" srcId="{69D8F37C-3236-4971-BE61-D2806E2E4435}" destId="{FB38A539-17DF-4D2E-8D84-445CC2677D46}" srcOrd="3" destOrd="0" presId="urn:microsoft.com/office/officeart/2018/2/layout/IconVerticalSolidList"/>
+    <dgm:cxn modelId="{7A9704C8-4CE3-468B-AC42-4E9815CBDD66}" type="presParOf" srcId="{69D8F37C-3236-4971-BE61-D2806E2E4435}" destId="{8C6F3E3D-2671-4296-A728-2CCEF202E63C}" srcOrd="4" destOrd="0" presId="urn:microsoft.com/office/officeart/2018/2/layout/IconVerticalSolidList"/>
+    <dgm:cxn modelId="{98F1A854-67B6-4B1A-B709-06EA66486AC3}" type="presParOf" srcId="{8C6F3E3D-2671-4296-A728-2CCEF202E63C}" destId="{219F229D-B0BD-46E4-A3C7-3A694A276AF0}" srcOrd="0" destOrd="0" presId="urn:microsoft.com/office/officeart/2018/2/layout/IconVerticalSolidList"/>
+    <dgm:cxn modelId="{DAD824D5-FB7A-40B9-8CD1-3832D514B4BD}" type="presParOf" srcId="{8C6F3E3D-2671-4296-A728-2CCEF202E63C}" destId="{FAE009E9-2B94-4593-983B-1748A3E1883F}" srcOrd="1" destOrd="0" presId="urn:microsoft.com/office/officeart/2018/2/layout/IconVerticalSolidList"/>
+    <dgm:cxn modelId="{48C7E250-6AF5-465A-B8A4-375B075A4241}" type="presParOf" srcId="{8C6F3E3D-2671-4296-A728-2CCEF202E63C}" destId="{1592A416-EF7F-4DE7-8F41-97F45B590105}" srcOrd="2" destOrd="0" presId="urn:microsoft.com/office/officeart/2018/2/layout/IconVerticalSolidList"/>
+    <dgm:cxn modelId="{76A98769-AA9B-4474-9BE8-4EED402DB224}" type="presParOf" srcId="{8C6F3E3D-2671-4296-A728-2CCEF202E63C}" destId="{8F18A12B-26B1-4217-8061-C69E9AC0512B}" srcOrd="3" destOrd="0" presId="urn:microsoft.com/office/officeart/2018/2/layout/IconVerticalSolidList"/>
+  </dgm:cxnLst>
+  <dgm:bg/>
+  <dgm:whole/>
+  <dgm:extLst>
+    <a:ext uri="http://schemas.microsoft.com/office/drawing/2008/diagram">
+      <dsp:dataModelExt xmlns:dsp="http://schemas.microsoft.com/office/drawing/2008/diagram" relId="rId6" minVer="http://schemas.openxmlformats.org/drawingml/2006/diagram"/>
+    </a:ext>
+  </dgm:extLst>
+</dgm:dataModel>
+</file>
+
+<file path=ppt/diagrams/drawing1.xml><?xml version="1.0" encoding="utf-8"?>
+<dsp:drawing xmlns:dgm="http://schemas.openxmlformats.org/drawingml/2006/diagram" xmlns:dsp="http://schemas.microsoft.com/office/drawing/2008/diagram" xmlns:a="http://schemas.openxmlformats.org/drawingml/2006/main">
+  <dsp:spTree>
+    <dsp:nvGrpSpPr>
+      <dsp:cNvPr id="0" name=""/>
+      <dsp:cNvGrpSpPr/>
+    </dsp:nvGrpSpPr>
+    <dsp:grpSpPr/>
+    <dsp:sp modelId="{E57198F1-BCE3-40B1-9875-B3BE841DA6C7}">
+      <dsp:nvSpPr>
+        <dsp:cNvPr id="0" name=""/>
+        <dsp:cNvSpPr/>
+      </dsp:nvSpPr>
+      <dsp:spPr>
+        <a:xfrm>
+          <a:off x="0" y="595"/>
+          <a:ext cx="8229600" cy="1393031"/>
+        </a:xfrm>
+        <a:prstGeom prst="roundRect">
+          <a:avLst>
+            <a:gd name="adj" fmla="val 10000"/>
+          </a:avLst>
+        </a:prstGeom>
+        <a:solidFill>
+          <a:schemeClr val="accent2">
+            <a:tint val="40000"/>
+            <a:hueOff val="0"/>
+            <a:satOff val="0"/>
+            <a:lumOff val="0"/>
+            <a:alphaOff val="0"/>
+          </a:schemeClr>
+        </a:solidFill>
+        <a:ln>
+          <a:noFill/>
+        </a:ln>
+        <a:effectLst/>
+      </dsp:spPr>
+      <dsp:style>
+        <a:lnRef idx="0">
+          <a:scrgbClr r="0" g="0" b="0"/>
+        </a:lnRef>
+        <a:fillRef idx="1">
+          <a:scrgbClr r="0" g="0" b="0"/>
+        </a:fillRef>
+        <a:effectRef idx="0">
+          <a:scrgbClr r="0" g="0" b="0"/>
+        </a:effectRef>
+        <a:fontRef idx="minor"/>
+      </dsp:style>
+    </dsp:sp>
+    <dsp:sp modelId="{62032E8D-725F-4794-8177-3732E7F006A8}">
+      <dsp:nvSpPr>
+        <dsp:cNvPr id="0" name=""/>
+        <dsp:cNvSpPr/>
+      </dsp:nvSpPr>
+      <dsp:spPr>
+        <a:xfrm>
+          <a:off x="421391" y="314027"/>
+          <a:ext cx="766167" cy="766167"/>
+        </a:xfrm>
+        <a:prstGeom prst="rect">
+          <a:avLst/>
+        </a:prstGeom>
+        <a:blipFill>
+          <a:blip xmlns:r="http://schemas.openxmlformats.org/officeDocument/2006/relationships" r:embed="rId1">
+            <a:duotone>
+              <a:schemeClr val="accent2">
+                <a:shade val="45000"/>
+                <a:satMod val="135000"/>
+              </a:schemeClr>
+              <a:prstClr val="white"/>
+            </a:duotone>
+            <a:extLst>
+              <a:ext uri="{28A0092B-C50C-407E-A947-70E740481C1C}">
+                <a14:useLocalDpi xmlns:a14="http://schemas.microsoft.com/office/drawing/2010/main" val="0"/>
+              </a:ext>
+            </a:extLst>
+          </a:blip>
+          <a:srcRect/>
+          <a:stretch>
+            <a:fillRect/>
+          </a:stretch>
+        </a:blipFill>
+        <a:ln w="26425" cap="flat" cmpd="sng" algn="ctr">
+          <a:noFill/>
+          <a:prstDash val="solid"/>
+        </a:ln>
+        <a:effectLst/>
+      </dsp:spPr>
+      <dsp:style>
+        <a:lnRef idx="2">
+          <a:scrgbClr r="0" g="0" b="0"/>
+        </a:lnRef>
+        <a:fillRef idx="1">
+          <a:scrgbClr r="0" g="0" b="0"/>
+        </a:fillRef>
+        <a:effectRef idx="0">
+          <a:scrgbClr r="0" g="0" b="0"/>
+        </a:effectRef>
+        <a:fontRef idx="minor">
+          <a:schemeClr val="lt1"/>
+        </a:fontRef>
+      </dsp:style>
+    </dsp:sp>
+    <dsp:sp modelId="{CD9B8331-6009-4CBA-82DA-5B269C10606C}">
+      <dsp:nvSpPr>
+        <dsp:cNvPr id="0" name=""/>
+        <dsp:cNvSpPr/>
+      </dsp:nvSpPr>
+      <dsp:spPr>
+        <a:xfrm>
+          <a:off x="1608951" y="595"/>
+          <a:ext cx="6620648" cy="1393031"/>
+        </a:xfrm>
+        <a:prstGeom prst="rect">
+          <a:avLst/>
+        </a:prstGeom>
+        <a:noFill/>
+        <a:ln>
+          <a:noFill/>
+        </a:ln>
+        <a:effectLst/>
+      </dsp:spPr>
+      <dsp:style>
+        <a:lnRef idx="0">
+          <a:scrgbClr r="0" g="0" b="0"/>
+        </a:lnRef>
+        <a:fillRef idx="0">
+          <a:scrgbClr r="0" g="0" b="0"/>
+        </a:fillRef>
+        <a:effectRef idx="0">
+          <a:scrgbClr r="0" g="0" b="0"/>
+        </a:effectRef>
+        <a:fontRef idx="minor"/>
+      </dsp:style>
+      <dsp:txBody>
+        <a:bodyPr spcFirstLastPara="0" vert="horz" wrap="square" lIns="147429" tIns="147429" rIns="147429" bIns="147429" numCol="1" spcCol="1270" anchor="ctr" anchorCtr="0">
+          <a:noAutofit/>
+        </a:bodyPr>
+        <a:lstStyle/>
+        <a:p>
+          <a:pPr marL="0" lvl="0" indent="0" algn="l" defTabSz="1111250">
+            <a:lnSpc>
+              <a:spcPct val="90000"/>
+            </a:lnSpc>
+            <a:spcBef>
+              <a:spcPct val="0"/>
+            </a:spcBef>
+            <a:spcAft>
+              <a:spcPct val="35000"/>
+            </a:spcAft>
+            <a:buNone/>
+          </a:pPr>
+          <a:r>
+            <a:rPr lang="en-US" sz="2500" kern="1200" dirty="0"/>
+            <a:t>PowerShell is a scripting shell (like cmd.exe or bash), and it’s a programming language.</a:t>
+          </a:r>
+        </a:p>
+      </dsp:txBody>
+      <dsp:txXfrm>
+        <a:off x="1608951" y="595"/>
+        <a:ext cx="6620648" cy="1393031"/>
+      </dsp:txXfrm>
+    </dsp:sp>
+    <dsp:sp modelId="{4DBC90AC-BC7E-4F9E-9642-2666C48A6B34}">
+      <dsp:nvSpPr>
+        <dsp:cNvPr id="0" name=""/>
+        <dsp:cNvSpPr/>
+      </dsp:nvSpPr>
+      <dsp:spPr>
+        <a:xfrm>
+          <a:off x="0" y="1741884"/>
+          <a:ext cx="8229600" cy="1393031"/>
+        </a:xfrm>
+        <a:prstGeom prst="roundRect">
+          <a:avLst>
+            <a:gd name="adj" fmla="val 10000"/>
+          </a:avLst>
+        </a:prstGeom>
+        <a:solidFill>
+          <a:schemeClr val="accent2">
+            <a:tint val="40000"/>
+            <a:hueOff val="0"/>
+            <a:satOff val="0"/>
+            <a:lumOff val="0"/>
+            <a:alphaOff val="0"/>
+          </a:schemeClr>
+        </a:solidFill>
+        <a:ln>
+          <a:noFill/>
+        </a:ln>
+        <a:effectLst/>
+      </dsp:spPr>
+      <dsp:style>
+        <a:lnRef idx="0">
+          <a:scrgbClr r="0" g="0" b="0"/>
+        </a:lnRef>
+        <a:fillRef idx="1">
+          <a:scrgbClr r="0" g="0" b="0"/>
+        </a:fillRef>
+        <a:effectRef idx="0">
+          <a:scrgbClr r="0" g="0" b="0"/>
+        </a:effectRef>
+        <a:fontRef idx="minor"/>
+      </dsp:style>
+    </dsp:sp>
+    <dsp:sp modelId="{DFF0EBDD-2B38-45AD-A2C2-B39EBE90CCE7}">
+      <dsp:nvSpPr>
+        <dsp:cNvPr id="0" name=""/>
+        <dsp:cNvSpPr/>
+      </dsp:nvSpPr>
+      <dsp:spPr>
+        <a:xfrm>
+          <a:off x="421391" y="2055316"/>
+          <a:ext cx="766167" cy="766167"/>
+        </a:xfrm>
+        <a:prstGeom prst="rect">
+          <a:avLst/>
+        </a:prstGeom>
+        <a:blipFill>
+          <a:blip xmlns:r="http://schemas.openxmlformats.org/officeDocument/2006/relationships" r:embed="rId2">
+            <a:duotone>
+              <a:schemeClr val="accent2">
+                <a:shade val="45000"/>
+                <a:satMod val="135000"/>
+              </a:schemeClr>
+              <a:prstClr val="white"/>
+            </a:duotone>
+          </a:blip>
+          <a:stretch>
+            <a:fillRect/>
+          </a:stretch>
+        </a:blipFill>
+        <a:ln w="26425" cap="flat" cmpd="sng" algn="ctr">
+          <a:noFill/>
+          <a:prstDash val="solid"/>
+        </a:ln>
+        <a:effectLst/>
+      </dsp:spPr>
+      <dsp:style>
+        <a:lnRef idx="2">
+          <a:scrgbClr r="0" g="0" b="0"/>
+        </a:lnRef>
+        <a:fillRef idx="1">
+          <a:scrgbClr r="0" g="0" b="0"/>
+        </a:fillRef>
+        <a:effectRef idx="0">
+          <a:scrgbClr r="0" g="0" b="0"/>
+        </a:effectRef>
+        <a:fontRef idx="minor">
+          <a:schemeClr val="lt1"/>
+        </a:fontRef>
+      </dsp:style>
+    </dsp:sp>
+    <dsp:sp modelId="{FC2D82E9-B206-4A12-9894-D3D226404A4D}">
+      <dsp:nvSpPr>
+        <dsp:cNvPr id="0" name=""/>
+        <dsp:cNvSpPr/>
+      </dsp:nvSpPr>
+      <dsp:spPr>
+        <a:xfrm>
+          <a:off x="1608951" y="1741884"/>
+          <a:ext cx="6620648" cy="1393031"/>
+        </a:xfrm>
+        <a:prstGeom prst="rect">
+          <a:avLst/>
+        </a:prstGeom>
+        <a:noFill/>
+        <a:ln>
+          <a:noFill/>
+        </a:ln>
+        <a:effectLst/>
+      </dsp:spPr>
+      <dsp:style>
+        <a:lnRef idx="0">
+          <a:scrgbClr r="0" g="0" b="0"/>
+        </a:lnRef>
+        <a:fillRef idx="0">
+          <a:scrgbClr r="0" g="0" b="0"/>
+        </a:fillRef>
+        <a:effectRef idx="0">
+          <a:scrgbClr r="0" g="0" b="0"/>
+        </a:effectRef>
+        <a:fontRef idx="minor"/>
+      </dsp:style>
+      <dsp:txBody>
+        <a:bodyPr spcFirstLastPara="0" vert="horz" wrap="square" lIns="147429" tIns="147429" rIns="147429" bIns="147429" numCol="1" spcCol="1270" anchor="ctr" anchorCtr="0">
+          <a:noAutofit/>
+        </a:bodyPr>
+        <a:lstStyle/>
+        <a:p>
+          <a:pPr marL="0" lvl="0" indent="0" algn="l" defTabSz="1111250">
+            <a:lnSpc>
+              <a:spcPct val="90000"/>
+            </a:lnSpc>
+            <a:spcBef>
+              <a:spcPct val="0"/>
+            </a:spcBef>
+            <a:spcAft>
+              <a:spcPct val="35000"/>
+            </a:spcAft>
+            <a:buNone/>
+          </a:pPr>
+          <a:r>
+            <a:rPr lang="en-US" sz="2500" kern="1200" dirty="0"/>
+            <a:t>PowerShell is a </a:t>
+          </a:r>
+          <a:r>
+            <a:rPr lang="en-US" sz="2500" kern="1200" dirty="0" err="1"/>
+            <a:t>.net</a:t>
+          </a:r>
+          <a:r>
+            <a:rPr lang="en-US" sz="2500" kern="1200" dirty="0"/>
+            <a:t> Language. Therefore: </a:t>
+          </a:r>
+          <a:r>
+            <a:rPr lang="en-US" sz="2500" b="1" kern="1200" dirty="0"/>
+            <a:t>everything in PowerShell is an object</a:t>
+          </a:r>
+          <a:r>
+            <a:rPr lang="en-US" sz="2500" kern="1200" dirty="0"/>
+            <a:t>.</a:t>
+          </a:r>
+        </a:p>
+      </dsp:txBody>
+      <dsp:txXfrm>
+        <a:off x="1608951" y="1741884"/>
+        <a:ext cx="6620648" cy="1393031"/>
+      </dsp:txXfrm>
+    </dsp:sp>
+    <dsp:sp modelId="{219F229D-B0BD-46E4-A3C7-3A694A276AF0}">
+      <dsp:nvSpPr>
+        <dsp:cNvPr id="0" name=""/>
+        <dsp:cNvSpPr/>
+      </dsp:nvSpPr>
+      <dsp:spPr>
+        <a:xfrm>
+          <a:off x="0" y="3483173"/>
+          <a:ext cx="8229600" cy="1393031"/>
+        </a:xfrm>
+        <a:prstGeom prst="roundRect">
+          <a:avLst>
+            <a:gd name="adj" fmla="val 10000"/>
+          </a:avLst>
+        </a:prstGeom>
+        <a:solidFill>
+          <a:schemeClr val="accent2">
+            <a:tint val="40000"/>
+            <a:hueOff val="0"/>
+            <a:satOff val="0"/>
+            <a:lumOff val="0"/>
+            <a:alphaOff val="0"/>
+          </a:schemeClr>
+        </a:solidFill>
+        <a:ln>
+          <a:noFill/>
+        </a:ln>
+        <a:effectLst/>
+      </dsp:spPr>
+      <dsp:style>
+        <a:lnRef idx="0">
+          <a:scrgbClr r="0" g="0" b="0"/>
+        </a:lnRef>
+        <a:fillRef idx="1">
+          <a:scrgbClr r="0" g="0" b="0"/>
+        </a:fillRef>
+        <a:effectRef idx="0">
+          <a:scrgbClr r="0" g="0" b="0"/>
+        </a:effectRef>
+        <a:fontRef idx="minor"/>
+      </dsp:style>
+    </dsp:sp>
+    <dsp:sp modelId="{FAE009E9-2B94-4593-983B-1748A3E1883F}">
+      <dsp:nvSpPr>
+        <dsp:cNvPr id="0" name=""/>
+        <dsp:cNvSpPr/>
+      </dsp:nvSpPr>
+      <dsp:spPr>
+        <a:xfrm>
+          <a:off x="470618" y="3792567"/>
+          <a:ext cx="792002" cy="792002"/>
+        </a:xfrm>
+        <a:prstGeom prst="rect">
+          <a:avLst/>
+        </a:prstGeom>
+        <a:blipFill dpi="0" rotWithShape="1">
+          <a:blip xmlns:r="http://schemas.openxmlformats.org/officeDocument/2006/relationships" r:embed="rId3">
+            <a:duotone>
+              <a:prstClr val="black"/>
+              <a:schemeClr val="accent3">
+                <a:tint val="45000"/>
+                <a:satMod val="400000"/>
+              </a:schemeClr>
+            </a:duotone>
+            <a:extLst>
+              <a:ext uri="{28A0092B-C50C-407E-A947-70E740481C1C}">
+                <a14:useLocalDpi xmlns:a14="http://schemas.microsoft.com/office/drawing/2010/main" val="0"/>
+              </a:ext>
+            </a:extLst>
+          </a:blip>
+          <a:srcRect/>
+          <a:stretch>
+            <a:fillRect/>
+          </a:stretch>
+        </a:blipFill>
+        <a:ln w="26425" cap="flat" cmpd="sng" algn="ctr">
+          <a:noFill/>
+          <a:prstDash val="solid"/>
+        </a:ln>
+        <a:effectLst/>
+      </dsp:spPr>
+      <dsp:style>
+        <a:lnRef idx="2">
+          <a:scrgbClr r="0" g="0" b="0"/>
+        </a:lnRef>
+        <a:fillRef idx="1">
+          <a:scrgbClr r="0" g="0" b="0"/>
+        </a:fillRef>
+        <a:effectRef idx="0">
+          <a:scrgbClr r="0" g="0" b="0"/>
+        </a:effectRef>
+        <a:fontRef idx="minor">
+          <a:schemeClr val="lt1"/>
+        </a:fontRef>
+      </dsp:style>
+    </dsp:sp>
+    <dsp:sp modelId="{8F18A12B-26B1-4217-8061-C69E9AC0512B}">
+      <dsp:nvSpPr>
+        <dsp:cNvPr id="0" name=""/>
+        <dsp:cNvSpPr/>
+      </dsp:nvSpPr>
+      <dsp:spPr>
+        <a:xfrm>
+          <a:off x="1608951" y="3483173"/>
+          <a:ext cx="6620648" cy="1393031"/>
+        </a:xfrm>
+        <a:prstGeom prst="rect">
+          <a:avLst/>
+        </a:prstGeom>
+        <a:noFill/>
+        <a:ln>
+          <a:noFill/>
+        </a:ln>
+        <a:effectLst/>
+      </dsp:spPr>
+      <dsp:style>
+        <a:lnRef idx="0">
+          <a:scrgbClr r="0" g="0" b="0"/>
+        </a:lnRef>
+        <a:fillRef idx="0">
+          <a:scrgbClr r="0" g="0" b="0"/>
+        </a:fillRef>
+        <a:effectRef idx="0">
+          <a:scrgbClr r="0" g="0" b="0"/>
+        </a:effectRef>
+        <a:fontRef idx="minor"/>
+      </dsp:style>
+      <dsp:txBody>
+        <a:bodyPr spcFirstLastPara="0" vert="horz" wrap="square" lIns="147429" tIns="147429" rIns="147429" bIns="147429" numCol="1" spcCol="1270" anchor="ctr" anchorCtr="0">
+          <a:noAutofit/>
+        </a:bodyPr>
+        <a:lstStyle/>
+        <a:p>
+          <a:pPr marL="0" lvl="0" indent="0" algn="l" defTabSz="1111250">
+            <a:lnSpc>
+              <a:spcPct val="90000"/>
+            </a:lnSpc>
+            <a:spcBef>
+              <a:spcPct val="0"/>
+            </a:spcBef>
+            <a:spcAft>
+              <a:spcPct val="35000"/>
+            </a:spcAft>
+            <a:buNone/>
+          </a:pPr>
+          <a:r>
+            <a:rPr lang="en-US" sz="2500" kern="1200" dirty="0"/>
+            <a:t>Objects move through a </a:t>
+          </a:r>
+          <a:r>
+            <a:rPr lang="en-US" sz="2500" b="1" kern="1200" dirty="0"/>
+            <a:t>pipeline</a:t>
+          </a:r>
+          <a:r>
+            <a:rPr lang="en-US" sz="2500" kern="1200" dirty="0"/>
+            <a:t>. </a:t>
+          </a:r>
+          <a:br>
+            <a:rPr lang="en-US" sz="2000" kern="1200" dirty="0"/>
+          </a:br>
+          <a:r>
+            <a:rPr lang="en-US" sz="1800" i="1" kern="1200" dirty="0"/>
+            <a:t>At the end of the pipeline, if we haven’t said what to do with them, a string representation is shown on the console.</a:t>
+          </a:r>
+          <a:endParaRPr lang="en-US" sz="2000" kern="1200" dirty="0"/>
+        </a:p>
+      </dsp:txBody>
+      <dsp:txXfrm>
+        <a:off x="1608951" y="3483173"/>
+        <a:ext cx="6620648" cy="1393031"/>
+      </dsp:txXfrm>
+    </dsp:sp>
+  </dsp:spTree>
+</dsp:drawing>
+</file>
+
+<file path=ppt/diagrams/layout1.xml><?xml version="1.0" encoding="utf-8"?>
+<dgm:layoutDef xmlns:dgm="http://schemas.openxmlformats.org/drawingml/2006/diagram" xmlns:a="http://schemas.openxmlformats.org/drawingml/2006/main" uniqueId="urn:microsoft.com/office/officeart/2018/2/layout/IconVerticalSolidList">
+  <dgm:title val="Icon Vertical Solid List"/>
+  <dgm:desc val="Use to show a series of visuals from top to bottom with Level 1 or Level 1 and Level 2 text grouped in a shape. Works best with icons or small pictures with lengthier descriptions."/>
+  <dgm:catLst>
+    <dgm:cat type="icon" pri="500"/>
+  </dgm:catLst>
+  <dgm:sampData useDef="1">
+    <dgm:dataModel>
+      <dgm:ptLst/>
+      <dgm:bg/>
+      <dgm:whole/>
+    </dgm:dataModel>
+  </dgm:sampData>
+  <dgm:styleData useDef="1">
+    <dgm:dataModel>
+      <dgm:ptLst/>
+      <dgm:bg/>
+      <dgm:whole/>
+    </dgm:dataModel>
+  </dgm:styleData>
+  <dgm:clrData useDef="1">
+    <dgm:dataModel>
+      <dgm:ptLst/>
+      <dgm:bg/>
+      <dgm:whole/>
+    </dgm:dataModel>
+  </dgm:clrData>
+  <dgm:layoutNode name="root">
+    <dgm:varLst>
+      <dgm:dir/>
+      <dgm:resizeHandles val="exact"/>
+    </dgm:varLst>
+    <dgm:choose name="Name0">
+      <dgm:if name="Name1" axis="self" func="var" arg="dir" op="equ" val="norm">
+        <dgm:alg type="lin">
+          <dgm:param type="linDir" val="fromT"/>
+          <dgm:param type="nodeHorzAlign" val="l"/>
+        </dgm:alg>
+      </dgm:if>
+      <dgm:else name="Name2">
+        <dgm:alg type="lin">
+          <dgm:param type="linDir" val="fromT"/>
+          <dgm:param type="nodeHorzAlign" val="r"/>
+        </dgm:alg>
+      </dgm:else>
+    </dgm:choose>
+    <dgm:shape xmlns:r="http://schemas.openxmlformats.org/officeDocument/2006/relationships" r:blip="">
+      <dgm:adjLst/>
+    </dgm:shape>
+    <dgm:presOf/>
+    <dgm:choose name="Name3">
+      <dgm:if name="Name4" axis="ch" ptType="node" func="cnt" op="lte" val="3">
+        <dgm:constrLst>
+          <dgm:constr type="h" for="ch" forName="compNode" refType="h" fact="0.3"/>
+          <dgm:constr type="w" for="ch" forName="compNode" refType="w"/>
+          <dgm:constr type="h" for="ch" forName="sibTrans" refType="h" refFor="ch" refForName="compNode" fact="0.25"/>
+          <dgm:constr type="primFontSz" for="des" forName="parTx" val="25"/>
+          <dgm:constr type="primFontSz" for="des" forName="desTx" refType="primFontSz" refFor="des" refForName="parTx" op="lte" fact="0.75"/>
+          <dgm:constr type="h" for="des" forName="compNode" op="equ"/>
+          <dgm:constr type="h" for="des" forName="bgRect" op="equ"/>
+          <dgm:constr type="h" for="des" forName="iconRect" op="equ"/>
+          <dgm:constr type="w" for="des" forName="iconRect" op="equ"/>
+          <dgm:constr type="h" for="des" forName="spaceRect" op="equ"/>
+          <dgm:constr type="h" for="des" forName="parTx" op="equ"/>
+          <dgm:constr type="h" for="des" forName="desTx" op="equ"/>
+        </dgm:constrLst>
+      </dgm:if>
+      <dgm:if name="Name5" axis="ch" ptType="node" func="cnt" op="lte" val="4">
+        <dgm:constrLst>
+          <dgm:constr type="h" for="ch" forName="compNode" refType="h" fact="0.3"/>
+          <dgm:constr type="w" for="ch" forName="compNode" refType="w"/>
+          <dgm:constr type="h" for="ch" forName="sibTrans" refType="h" refFor="ch" refForName="compNode" fact="0.25"/>
+          <dgm:constr type="primFontSz" for="des" forName="parTx" val="22"/>
+          <dgm:constr type="primFontSz" for="des" forName="desTx" refType="primFontSz" refFor="des" refForName="parTx" op="lte" fact="0.75"/>
+          <dgm:constr type="h" for="des" forName="compNode" op="equ"/>
+          <dgm:constr type="h" for="des" forName="bgRect" op="equ"/>
+          <dgm:constr type="h" for="des" forName="iconRect" op="equ"/>
+          <dgm:constr type="w" for="des" forName="iconRect" op="equ"/>
+          <dgm:constr type="h" for="des" forName="spaceRect" op="equ"/>
+          <dgm:constr type="h" for="des" forName="parTx" op="equ"/>
+          <dgm:constr type="h" for="des" forName="desTx" op="equ"/>
+        </dgm:constrLst>
+      </dgm:if>
+      <dgm:if name="Name6" axis="ch" ptType="node" func="cnt" op="lte" val="6">
+        <dgm:constrLst>
+          <dgm:constr type="h" for="ch" forName="compNode" refType="h" fact="0.3"/>
+          <dgm:constr type="w" for="ch" forName="compNode" refType="w"/>
+          <dgm:constr type="h" for="ch" forName="sibTrans" refType="h" refFor="ch" refForName="compNode" fact="0.25"/>
+          <dgm:constr type="primFontSz" for="des" forName="parTx" val="19"/>
+          <dgm:constr type="primFontSz" for="des" forName="desTx" refType="primFontSz" refFor="des" refForName="parTx" op="lte" fact="0.75"/>
+          <dgm:constr type="h" for="des" forName="compNode" op="equ"/>
+          <dgm:constr type="h" for="des" forName="bgRect" op="equ"/>
+          <dgm:constr type="h" for="des" forName="iconRect" op="equ"/>
+          <dgm:constr type="w" for="des" forName="iconRect" op="equ"/>
+          <dgm:constr type="h" for="des" forName="spaceRect" op="equ"/>
+          <dgm:constr type="h" for="des" forName="parTx" op="equ"/>
+          <dgm:constr type="h" for="des" forName="desTx" op="equ"/>
+        </dgm:constrLst>
+      </dgm:if>
+      <dgm:else name="Name7">
+        <dgm:constrLst>
+          <dgm:constr type="h" for="ch" forName="compNode" refType="h" fact="0.3"/>
+          <dgm:constr type="w" for="ch" forName="compNode" refType="w"/>
+          <dgm:constr type="h" for="ch" forName="sibTrans" refType="h" refFor="ch" refForName="compNode" fact="0.25"/>
+          <dgm:constr type="primFontSz" for="des" forName="parTx" val="16"/>
+          <dgm:constr type="primFontSz" for="des" forName="desTx" refType="primFontSz" refFor="des" refForName="parTx" op="lte" fact="0.75"/>
+          <dgm:constr type="h" for="des" forName="compNode" op="equ"/>
+          <dgm:constr type="h" for="des" forName="bgRect" op="equ"/>
+          <dgm:constr type="h" for="des" forName="iconRect" op="equ"/>
+          <dgm:constr type="w" for="des" forName="iconRect" op="equ"/>
+          <dgm:constr type="h" for="des" forName="spaceRect" op="equ"/>
+          <dgm:constr type="h" for="des" forName="parTx" op="equ"/>
+          <dgm:constr type="h" for="des" forName="desTx" op="equ"/>
+        </dgm:constrLst>
+      </dgm:else>
+    </dgm:choose>
+    <dgm:ruleLst>
+      <dgm:rule type="h" for="ch" forName="compNode" val="0" fact="NaN" max="NaN"/>
+    </dgm:ruleLst>
+    <dgm:forEach name="Name8" axis="ch" ptType="node">
+      <dgm:layoutNode name="compNode">
+        <dgm:alg type="composite"/>
+        <dgm:shape xmlns:r="http://schemas.openxmlformats.org/officeDocument/2006/relationships" r:blip="">
+          <dgm:adjLst/>
+        </dgm:shape>
+        <dgm:presOf axis="self"/>
+        <dgm:choose name="Name9">
+          <dgm:if name="Name10" axis="ch" ptType="node" func="cnt" op="gte" val="1">
+            <dgm:constrLst>
+              <dgm:constr type="w" for="ch" forName="bgRect" refType="w"/>
+              <dgm:constr type="h" for="ch" forName="bgRect" refType="h"/>
+              <dgm:constr type="l" for="ch" forName="bgRect"/>
+              <dgm:constr type="t" for="ch" forName="bgRect"/>
+              <dgm:constr type="h" for="ch" forName="iconRect" refType="h" fact="0.55"/>
+              <dgm:constr type="w" for="ch" forName="iconRect" refType="h" refFor="ch" refForName="iconRect"/>
+              <dgm:constr type="l" for="ch" forName="iconRect" refType="h" refFor="ch" refForName="iconRect" fact="0.55"/>
+              <dgm:constr type="ctrY" for="ch" forName="iconRect" refType="ctrY" refFor="ch" refForName="bgRect"/>
+              <dgm:constr type="w" for="ch" forName="spaceRect" refType="l" refFor="ch" refForName="iconRect"/>
+              <dgm:constr type="h" for="ch" forName="spaceRect" refType="h"/>
+              <dgm:constr type="l" for="ch" forName="spaceRect" refType="r" refFor="ch" refForName="iconRect"/>
+              <dgm:constr type="t" for="ch" forName="spaceRect"/>
+              <dgm:constr type="w" for="ch" forName="parTx" refType="w" fact="0.45"/>
+              <dgm:constr type="h" for="ch" forName="parTx" refType="h"/>
+              <dgm:constr type="l" for="ch" forName="parTx" refType="r" refFor="ch" refForName="spaceRect"/>
+              <dgm:constr type="t" for="ch" forName="parTx"/>
+              <dgm:constr type="h" for="ch" forName="desTx" refType="h"/>
+              <dgm:constr type="l" for="ch" forName="desTx" refType="r" refFor="ch" refForName="parTx"/>
+              <dgm:constr type="t" for="ch" forName="desTx"/>
+            </dgm:constrLst>
+          </dgm:if>
+          <dgm:else name="Name11">
+            <dgm:constrLst>
+              <dgm:constr type="w" for="ch" forName="bgRect" refType="w"/>
+              <dgm:constr type="h" for="ch" forName="bgRect" refType="h"/>
+              <dgm:constr type="l" for="ch" forName="bgRect"/>
+              <dgm:constr type="t" for="ch" forName="bgRect"/>
+              <dgm:constr type="h" for="ch" forName="iconRect" refType="h" fact="0.55"/>
+              <dgm:constr type="w" for="ch" forName="iconRect" refType="h" refFor="ch" refForName="iconRect"/>
+              <dgm:constr type="l" for="ch" forName="iconRect" refType="h" refFor="ch" refForName="iconRect" fact="0.55"/>
+              <dgm:constr type="ctrY" for="ch" forName="iconRect" refType="ctrY" refFor="ch" refForName="bgRect"/>
+              <dgm:constr type="w" for="ch" forName="spaceRect" refType="l" refFor="ch" refForName="iconRect"/>
+              <dgm:constr type="h" for="ch" forName="spaceRect" refType="h"/>
+              <dgm:constr type="l" for="ch" forName="spaceRect" refType="r" refFor="ch" refForName="iconRect"/>
+              <dgm:constr type="t" for="ch" forName="spaceRect"/>
+              <dgm:constr type="h" for="ch" forName="parTx" refType="h"/>
+              <dgm:constr type="l" for="ch" forName="parTx" refType="r" refFor="ch" refForName="spaceRect"/>
+              <dgm:constr type="t" for="ch" forName="parTx"/>
+            </dgm:constrLst>
+          </dgm:else>
+        </dgm:choose>
+        <dgm:ruleLst>
+          <dgm:rule type="h" val="INF" fact="NaN" max="NaN"/>
+        </dgm:ruleLst>
+        <dgm:layoutNode name="bgRect" styleLbl="bgShp">
+          <dgm:alg type="sp"/>
+          <dgm:shape xmlns:r="http://schemas.openxmlformats.org/officeDocument/2006/relationships" type="roundRect" r:blip="">
+            <dgm:adjLst>
+              <dgm:adj idx="1" val="0.1"/>
+            </dgm:adjLst>
+          </dgm:shape>
+          <dgm:presOf/>
+          <dgm:constrLst/>
+          <dgm:ruleLst/>
+        </dgm:layoutNode>
+        <dgm:layoutNode name="iconRect" styleLbl="node1">
+          <dgm:alg type="sp"/>
+          <dgm:shape xmlns:r="http://schemas.openxmlformats.org/officeDocument/2006/relationships" type="rect" r:blip="" blipPhldr="1">
+            <dgm:adjLst/>
+          </dgm:shape>
+          <dgm:presOf/>
+          <dgm:constrLst/>
+          <dgm:ruleLst/>
+        </dgm:layoutNode>
+        <dgm:layoutNode name="spaceRect">
+          <dgm:alg type="sp"/>
+          <dgm:shape xmlns:r="http://schemas.openxmlformats.org/officeDocument/2006/relationships" r:blip="">
+            <dgm:adjLst/>
+          </dgm:shape>
+          <dgm:presOf/>
+          <dgm:constrLst/>
+          <dgm:ruleLst/>
+        </dgm:layoutNode>
+        <dgm:layoutNode name="parTx" styleLbl="revTx">
+          <dgm:varLst>
+            <dgm:chMax val="0"/>
+            <dgm:chPref val="0"/>
+          </dgm:varLst>
+          <dgm:alg type="tx">
+            <dgm:param type="txAnchorVert" val="mid"/>
+            <dgm:param type="parTxLTRAlign" val="l"/>
+            <dgm:param type="shpTxLTRAlignCh" val="l"/>
+            <dgm:param type="parTxRTLAlign" val="r"/>
+            <dgm:param type="shpTxRTLAlignCh" val="r"/>
+          </dgm:alg>
+          <dgm:shape xmlns:r="http://schemas.openxmlformats.org/officeDocument/2006/relationships" type="rect" r:blip="">
+            <dgm:adjLst/>
+          </dgm:shape>
+          <dgm:presOf axis="self" ptType="node"/>
+          <dgm:constrLst>
+            <dgm:constr type="lMarg" refType="h" fact="0.3"/>
+            <dgm:constr type="rMarg" refType="h" fact="0.3"/>
+            <dgm:constr type="tMarg" refType="h" fact="0.3"/>
+            <dgm:constr type="bMarg" refType="h" fact="0.3"/>
+          </dgm:constrLst>
+          <dgm:ruleLst>
+            <dgm:rule type="primFontSz" val="14" fact="NaN" max="NaN"/>
+            <dgm:rule type="h" val="INF" fact="NaN" max="NaN"/>
+          </dgm:ruleLst>
+        </dgm:layoutNode>
+        <dgm:choose name="Name12">
+          <dgm:if name="Name13" axis="ch" ptType="node" func="cnt" op="gte" val="1">
+            <dgm:layoutNode name="desTx" styleLbl="revTx">
+              <dgm:varLst/>
+              <dgm:alg type="tx">
+                <dgm:param type="txAnchorVertCh" val="mid"/>
+                <dgm:param type="parTxLTRAlign" val="l"/>
+                <dgm:param type="shpTxLTRAlignCh" val="l"/>
+                <dgm:param type="parTxRTLAlign" val="r"/>
+                <dgm:param type="shpTxRTLAlignCh" val="r"/>
+                <dgm:param type="stBulletLvl" val="0"/>
+              </dgm:alg>
+              <dgm:shape xmlns:r="http://schemas.openxmlformats.org/officeDocument/2006/relationships" type="rect" r:blip="">
+                <dgm:adjLst/>
+              </dgm:shape>
+              <dgm:presOf axis="des" ptType="node"/>
+              <dgm:constrLst>
+                <dgm:constr type="primFontSz" val="18"/>
+                <dgm:constr type="secFontSz" refType="primFontSz"/>
+                <dgm:constr type="lMarg" refType="h" fact="0.3"/>
+                <dgm:constr type="rMarg" refType="h" fact="0.3"/>
+                <dgm:constr type="tMarg" refType="h" fact="0.3"/>
+                <dgm:constr type="bMarg" refType="h" fact="0.3"/>
+              </dgm:constrLst>
+              <dgm:ruleLst>
+                <dgm:rule type="primFontSz" val="11" fact="NaN" max="NaN"/>
+              </dgm:ruleLst>
+            </dgm:layoutNode>
+          </dgm:if>
+          <dgm:else name="Name14"/>
+        </dgm:choose>
+      </dgm:layoutNode>
+      <dgm:forEach name="Name15" axis="followSib" ptType="sibTrans" cnt="1">
+        <dgm:layoutNode name="sibTrans">
+          <dgm:alg type="sp"/>
+          <dgm:shape xmlns:r="http://schemas.openxmlformats.org/officeDocument/2006/relationships" r:blip="">
+            <dgm:adjLst/>
+          </dgm:shape>
+          <dgm:presOf axis="self"/>
+          <dgm:constrLst/>
+          <dgm:ruleLst/>
+        </dgm:layoutNode>
+      </dgm:forEach>
+    </dgm:forEach>
+  </dgm:layoutNode>
+  <dgm:extLst>
+    <a:ext uri="{68A01E43-0DF5-4B5B-8FA6-DAF915123BFB}">
+      <dgm1612:lstStyle xmlns:dgm1612="http://schemas.microsoft.com/office/drawing/2016/12/diagram">
+        <a:lvl1pPr>
+          <a:lnSpc>
+            <a:spcPct val="100000"/>
+          </a:lnSpc>
+        </a:lvl1pPr>
+        <a:lvl2pPr>
+          <a:lnSpc>
+            <a:spcPct val="100000"/>
+          </a:lnSpc>
+        </a:lvl2pPr>
+      </dgm1612:lstStyle>
+    </a:ext>
+  </dgm:extLst>
+</dgm:layoutDef>
+</file>
+
+<file path=ppt/diagrams/quickStyle1.xml><?xml version="1.0" encoding="utf-8"?>
+<dgm:styleDef xmlns:dgm="http://schemas.openxmlformats.org/drawingml/2006/diagram" xmlns:a="http://schemas.openxmlformats.org/drawingml/2006/main" uniqueId="urn:microsoft.com/office/officeart/2005/8/quickstyle/simple1">
+  <dgm:title val=""/>
+  <dgm:desc val=""/>
+  <dgm:catLst>
+    <dgm:cat type="simple" pri="10100"/>
+  </dgm:catLst>
+  <dgm:scene3d>
+    <a:camera prst="orthographicFront"/>
+    <a:lightRig rig="threePt" dir="t"/>
+  </dgm:scene3d>
+  <dgm:styleLbl name="node0">
+    <dgm:scene3d>
+      <a:camera prst="orthographicFront"/>
+      <a:lightRig rig="threePt" dir="t"/>
+    </dgm:scene3d>
+    <dgm:sp3d/>
+    <dgm:txPr/>
+    <dgm:style>
+      <a:lnRef idx="2">
+        <a:scrgbClr r="0" g="0" b="0"/>
+      </a:lnRef>
+      <a:fillRef idx="1">
+        <a:scrgbClr r="0" g="0" b="0"/>
+      </a:fillRef>
+      <a:effectRef idx="0">
+        <a:scrgbClr r="0" g="0" b="0"/>
+      </a:effectRef>
+      <a:fontRef idx="minor">
+        <a:schemeClr val="lt1"/>
+      </a:fontRef>
+    </dgm:style>
+  </dgm:styleLbl>
+  <dgm:styleLbl name="lnNode1">
+    <dgm:scene3d>
+      <a:camera prst="orthographicFront"/>
+      <a:lightRig rig="threePt" dir="t"/>
+    </dgm:scene3d>
+    <dgm:sp3d/>
+    <dgm:txPr/>
+    <dgm:style>
+      <a:lnRef idx="2">
+        <a:scrgbClr r="0" g="0" b="0"/>
+      </a:lnRef>
+      <a:fillRef idx="1">
+        <a:scrgbClr r="0" g="0" b="0"/>
+      </a:fillRef>
+      <a:effectRef idx="0">
+        <a:scrgbClr r="0" g="0" b="0"/>
+      </a:effectRef>
+      <a:fontRef idx="minor">
+        <a:schemeClr val="lt1"/>
+      </a:fontRef>
+    </dgm:style>
+  </dgm:styleLbl>
+  <dgm:styleLbl name="vennNode1">
+    <dgm:scene3d>
+      <a:camera prst="orthographicFront"/>
+      <a:lightRig rig="threePt" dir="t"/>
+    </dgm:scene3d>
+    <dgm:sp3d/>
+    <dgm:txPr/>
+    <dgm:style>
+      <a:lnRef idx="2">
+        <a:scrgbClr r="0" g="0" b="0"/>
+      </a:lnRef>
+      <a:fillRef idx="1">
+        <a:scrgbClr r="0" g="0" b="0"/>
+      </a:fillRef>
+      <a:effectRef idx="0">
+        <a:scrgbClr r="0" g="0" b="0"/>
+      </a:effectRef>
+      <a:fontRef idx="minor">
+        <a:schemeClr val="tx1"/>
+      </a:fontRef>
+    </dgm:style>
+  </dgm:styleLbl>
+  <dgm:styleLbl name="alignNode1">
+    <dgm:scene3d>
+      <a:camera prst="orthographicFront"/>
+      <a:lightRig rig="threePt" dir="t"/>
+    </dgm:scene3d>
+    <dgm:sp3d/>
+    <dgm:txPr/>
+    <dgm:style>
+      <a:lnRef idx="2">
+        <a:scrgbClr r="0" g="0" b="0"/>
+      </a:lnRef>
+      <a:fillRef idx="1">
+        <a:scrgbClr r="0" g="0" b="0"/>
+      </a:fillRef>
+      <a:effectRef idx="0">
+        <a:scrgbClr r="0" g="0" b="0"/>
+      </a:effectRef>
+      <a:fontRef idx="minor">
+        <a:schemeClr val="lt1"/>
+      </a:fontRef>
+    </dgm:style>
+  </dgm:styleLbl>
+  <dgm:styleLbl name="node1">
+    <dgm:scene3d>
+      <a:camera prst="orthographicFront"/>
+      <a:lightRig rig="threePt" dir="t"/>
+    </dgm:scene3d>
+    <dgm:sp3d/>
+    <dgm:txPr/>
+    <dgm:style>
+      <a:lnRef idx="2">
+        <a:scrgbClr r="0" g="0" b="0"/>
+      </a:lnRef>
+      <a:fillRef idx="1">
+        <a:scrgbClr r="0" g="0" b="0"/>
+      </a:fillRef>
+      <a:effectRef idx="0">
+        <a:scrgbClr r="0" g="0" b="0"/>
+      </a:effectRef>
+      <a:fontRef idx="minor">
+        <a:schemeClr val="lt1"/>
+      </a:fontRef>
+    </dgm:style>
+  </dgm:styleLbl>
+  <dgm:styleLbl name="node2">
+    <dgm:scene3d>
+      <a:camera prst="orthographicFront"/>
+      <a:lightRig rig="threePt" dir="t"/>
+    </dgm:scene3d>
+    <dgm:sp3d/>
+    <dgm:txPr/>
+    <dgm:style>
+      <a:lnRef idx="2">
+        <a:scrgbClr r="0" g="0" b="0"/>
+      </a:lnRef>
+      <a:fillRef idx="1">
+        <a:scrgbClr r="0" g="0" b="0"/>
+      </a:fillRef>
+      <a:effectRef idx="0">
+        <a:scrgbClr r="0" g="0" b="0"/>
+      </a:effectRef>
+      <a:fontRef idx="minor">
+        <a:schemeClr val="lt1"/>
+      </a:fontRef>
+    </dgm:style>
+  </dgm:styleLbl>
+  <dgm:styleLbl name="node3">
+    <dgm:scene3d>
+      <a:camera prst="orthographicFront"/>
+      <a:lightRig rig="threePt" dir="t"/>
+    </dgm:scene3d>
+    <dgm:sp3d/>
+    <dgm:txPr/>
+    <dgm:style>
+      <a:lnRef idx="2">
+        <a:scrgbClr r="0" g="0" b="0"/>
+      </a:lnRef>
+      <a:fillRef idx="1">
+        <a:scrgbClr r="0" g="0" b="0"/>
+      </a:fillRef>
+      <a:effectRef idx="0">
+        <a:scrgbClr r="0" g="0" b="0"/>
+      </a:effectRef>
+      <a:fontRef idx="minor">
+        <a:schemeClr val="lt1"/>
+      </a:fontRef>
+    </dgm:style>
+  </dgm:styleLbl>
+  <dgm:styleLbl name="node4">
+    <dgm:scene3d>
+      <a:camera prst="orthographicFront"/>
+      <a:lightRig rig="threePt" dir="t"/>
+    </dgm:scene3d>
+    <dgm:sp3d/>
+    <dgm:txPr/>
+    <dgm:style>
+      <a:lnRef idx="2">
+        <a:scrgbClr r="0" g="0" b="0"/>
+      </a:lnRef>
+      <a:fillRef idx="1">
+        <a:scrgbClr r="0" g="0" b="0"/>
+      </a:fillRef>
+      <a:effectRef idx="0">
+        <a:scrgbClr r="0" g="0" b="0"/>
+      </a:effectRef>
+      <a:fontRef idx="minor">
+        <a:schemeClr val="lt1"/>
+      </a:fontRef>
+    </dgm:style>
+  </dgm:styleLbl>
+  <dgm:styleLbl name="fgImgPlace1">
+    <dgm:scene3d>
+      <a:camera prst="orthographicFront"/>
+      <a:lightRig rig="threePt" dir="t"/>
+    </dgm:scene3d>
+    <dgm:sp3d/>
+    <dgm:txPr/>
+    <dgm:style>
+      <a:lnRef idx="2">
+        <a:scrgbClr r="0" g="0" b="0"/>
+      </a:lnRef>
+      <a:fillRef idx="1">
+        <a:scrgbClr r="0" g="0" b="0"/>
+      </a:fillRef>
+      <a:effectRef idx="0">
+        <a:scrgbClr r="0" g="0" b="0"/>
+      </a:effectRef>
+      <a:fontRef idx="minor"/>
+    </dgm:style>
+  </dgm:styleLbl>
+  <dgm:styleLbl name="alignImgPlace1">
+    <dgm:scene3d>
+      <a:camera prst="orthographicFront"/>
+      <a:lightRig rig="threePt" dir="t"/>
+    </dgm:scene3d>
+    <dgm:sp3d/>
+    <dgm:txPr/>
+    <dgm:style>
+      <a:lnRef idx="2">
+        <a:scrgbClr r="0" g="0" b="0"/>
+      </a:lnRef>
+      <a:fillRef idx="1">
+        <a:scrgbClr r="0" g="0" b="0"/>
+      </a:fillRef>
+      <a:effectRef idx="0">
+        <a:scrgbClr r="0" g="0" b="0"/>
+      </a:effectRef>
+      <a:fontRef idx="minor"/>
+    </dgm:style>
+  </dgm:styleLbl>
+  <dgm:styleLbl name="bgImgPlace1">
+    <dgm:scene3d>
+      <a:camera prst="orthographicFront"/>
+      <a:lightRig rig="threePt" dir="t"/>
+    </dgm:scene3d>
+    <dgm:sp3d/>
+    <dgm:txPr/>
+    <dgm:style>
+      <a:lnRef idx="2">
+        <a:scrgbClr r="0" g="0" b="0"/>
+      </a:lnRef>
+      <a:fillRef idx="1">
+        <a:scrgbClr r="0" g="0" b="0"/>
+      </a:fillRef>
+      <a:effectRef idx="0">
+        <a:scrgbClr r="0" g="0" b="0"/>
+      </a:effectRef>
+      <a:fontRef idx="minor"/>
+    </dgm:style>
+  </dgm:styleLbl>
+  <dgm:styleLbl name="sibTrans2D1">
+    <dgm:scene3d>
+      <a:camera prst="orthographicFront"/>
+      <a:lightRig rig="threePt" dir="t"/>
+    </dgm:scene3d>
+    <dgm:sp3d/>
+    <dgm:txPr/>
+    <dgm:style>
+      <a:lnRef idx="0">
+        <a:scrgbClr r="0" g="0" b="0"/>
+      </a:lnRef>
+      <a:fillRef idx="1">
+        <a:scrgbClr r="0" g="0" b="0"/>
+      </a:fillRef>
+      <a:effectRef idx="0">
+        <a:scrgbClr r="0" g="0" b="0"/>
+      </a:effectRef>
+      <a:fontRef idx="minor">
+        <a:schemeClr val="lt1"/>
+      </a:fontRef>
+    </dgm:style>
+  </dgm:styleLbl>
+  <dgm:styleLbl name="fgSibTrans2D1">
+    <dgm:scene3d>
+      <a:camera prst="orthographicFront"/>
+      <a:lightRig rig="threePt" dir="t"/>
+    </dgm:scene3d>
+    <dgm:sp3d/>
+    <dgm:txPr/>
+    <dgm:style>
+      <a:lnRef idx="0">
+        <a:scrgbClr r="0" g="0" b="0"/>
+      </a:lnRef>
+      <a:fillRef idx="1">
+        <a:scrgbClr r="0" g="0" b="0"/>
+      </a:fillRef>
+      <a:effectRef idx="0">
+        <a:scrgbClr r="0" g="0" b="0"/>
+      </a:effectRef>
+      <a:fontRef idx="minor">
+        <a:schemeClr val="lt1"/>
+      </a:fontRef>
+    </dgm:style>
+  </dgm:styleLbl>
+  <dgm:styleLbl name="bgSibTrans2D1">
+    <dgm:scene3d>
+      <a:camera prst="orthographicFront"/>
+      <a:lightRig rig="threePt" dir="t"/>
+    </dgm:scene3d>
+    <dgm:sp3d/>
+    <dgm:txPr/>
+    <dgm:style>
+      <a:lnRef idx="0">
+        <a:scrgbClr r="0" g="0" b="0"/>
+      </a:lnRef>
+      <a:fillRef idx="1">
+        <a:scrgbClr r="0" g="0" b="0"/>
+      </a:fillRef>
+      <a:effectRef idx="0">
+        <a:scrgbClr r="0" g="0" b="0"/>
+      </a:effectRef>
+      <a:fontRef idx="minor">
+        <a:schemeClr val="lt1"/>
+      </a:fontRef>
+    </dgm:style>
+  </dgm:styleLbl>
+  <dgm:styleLbl name="sibTrans1D1">
+    <dgm:scene3d>
+      <a:camera prst="orthographicFront"/>
+      <a:lightRig rig="threePt" dir="t"/>
+    </dgm:scene3d>
+    <dgm:sp3d/>
+    <dgm:txPr/>
+    <dgm:style>
+      <a:lnRef idx="1">
+        <a:scrgbClr r="0" g="0" b="0"/>
+      </a:lnRef>
+      <a:fillRef idx="0">
+        <a:scrgbClr r="0" g="0" b="0"/>
+      </a:fillRef>
+      <a:effectRef idx="0">
+        <a:scrgbClr r="0" g="0" b="0"/>
+      </a:effectRef>
+      <a:fontRef idx="minor"/>
+    </dgm:style>
+  </dgm:styleLbl>
+  <dgm:styleLbl name="callout">
+    <dgm:scene3d>
+      <a:camera prst="orthographicFront"/>
+      <a:lightRig rig="threePt" dir="t"/>
+    </dgm:scene3d>
+    <dgm:sp3d/>
+    <dgm:txPr/>
+    <dgm:style>
+      <a:lnRef idx="2">
+        <a:scrgbClr r="0" g="0" b="0"/>
+      </a:lnRef>
+      <a:fillRef idx="1">
+        <a:scrgbClr r="0" g="0" b="0"/>
+      </a:fillRef>
+      <a:effectRef idx="0">
+        <a:scrgbClr r="0" g="0" b="0"/>
+      </a:effectRef>
+      <a:fontRef idx="minor"/>
+    </dgm:style>
+  </dgm:styleLbl>
+  <dgm:styleLbl name="asst0">
+    <dgm:scene3d>
+      <a:camera prst="orthographicFront"/>
+      <a:lightRig rig="threePt" dir="t"/>
+    </dgm:scene3d>
+    <dgm:sp3d/>
+    <dgm:txPr/>
+    <dgm:style>
+      <a:lnRef idx="2">
+        <a:scrgbClr r="0" g="0" b="0"/>
+      </a:lnRef>
+      <a:fillRef idx="1">
+        <a:scrgbClr r="0" g="0" b="0"/>
+      </a:fillRef>
+      <a:effectRef idx="0">
+        <a:scrgbClr r="0" g="0" b="0"/>
+      </a:effectRef>
+      <a:fontRef idx="minor">
+        <a:schemeClr val="lt1"/>
+      </a:fontRef>
+    </dgm:style>
+  </dgm:styleLbl>
+  <dgm:styleLbl name="asst1">
+    <dgm:scene3d>
+      <a:camera prst="orthographicFront"/>
+      <a:lightRig rig="threePt" dir="t"/>
+    </dgm:scene3d>
+    <dgm:sp3d/>
+    <dgm:txPr/>
+    <dgm:style>
+      <a:lnRef idx="2">
+        <a:scrgbClr r="0" g="0" b="0"/>
+      </a:lnRef>
+      <a:fillRef idx="1">
+        <a:scrgbClr r="0" g="0" b="0"/>
+      </a:fillRef>
+      <a:effectRef idx="0">
+        <a:scrgbClr r="0" g="0" b="0"/>
+      </a:effectRef>
+      <a:fontRef idx="minor">
+        <a:schemeClr val="lt1"/>
+      </a:fontRef>
+    </dgm:style>
+  </dgm:styleLbl>
+  <dgm:styleLbl name="asst2">
+    <dgm:scene3d>
+      <a:camera prst="orthographicFront"/>
+      <a:lightRig rig="threePt" dir="t"/>
+    </dgm:scene3d>
+    <dgm:sp3d/>
+    <dgm:txPr/>
+    <dgm:style>
+      <a:lnRef idx="2">
+        <a:scrgbClr r="0" g="0" b="0"/>
+      </a:lnRef>
+      <a:fillRef idx="1">
+        <a:scrgbClr r="0" g="0" b="0"/>
+      </a:fillRef>
+      <a:effectRef idx="0">
+        <a:scrgbClr r="0" g="0" b="0"/>
+      </a:effectRef>
+      <a:fontRef idx="minor">
+        <a:schemeClr val="lt1"/>
+      </a:fontRef>
+    </dgm:style>
+  </dgm:styleLbl>
+  <dgm:styleLbl name="asst3">
+    <dgm:scene3d>
+      <a:camera prst="orthographicFront"/>
+      <a:lightRig rig="threePt" dir="t"/>
+    </dgm:scene3d>
+    <dgm:sp3d/>
+    <dgm:txPr/>
+    <dgm:style>
+      <a:lnRef idx="2">
+        <a:scrgbClr r="0" g="0" b="0"/>
+      </a:lnRef>
+      <a:fillRef idx="1">
+        <a:scrgbClr r="0" g="0" b="0"/>
+      </a:fillRef>
+      <a:effectRef idx="0">
+        <a:scrgbClr r="0" g="0" b="0"/>
+      </a:effectRef>
+      <a:fontRef idx="minor">
+        <a:schemeClr val="lt1"/>
+      </a:fontRef>
+    </dgm:style>
+  </dgm:styleLbl>
+  <dgm:styleLbl name="asst4">
+    <dgm:scene3d>
+      <a:camera prst="orthographicFront"/>
+      <a:lightRig rig="threePt" dir="t"/>
+    </dgm:scene3d>
+    <dgm:sp3d/>
+    <dgm:txPr/>
+    <dgm:style>
+      <a:lnRef idx="2">
+        <a:scrgbClr r="0" g="0" b="0"/>
+      </a:lnRef>
+      <a:fillRef idx="1">
+        <a:scrgbClr r="0" g="0" b="0"/>
+      </a:fillRef>
+      <a:effectRef idx="0">
+        <a:scrgbClr r="0" g="0" b="0"/>
+      </a:effectRef>
+      <a:fontRef idx="minor">
+        <a:schemeClr val="lt1"/>
+      </a:fontRef>
+    </dgm:style>
+  </dgm:styleLbl>
+  <dgm:styleLbl name="parChTrans2D1">
+    <dgm:scene3d>
+      <a:camera prst="orthographicFront"/>
+      <a:lightRig rig="threePt" dir="t"/>
+    </dgm:scene3d>
+    <dgm:sp3d/>
+    <dgm:txPr/>
+    <dgm:style>
+      <a:lnRef idx="2">
+        <a:scrgbClr r="0" g="0" b="0"/>
+      </a:lnRef>
+      <a:fillRef idx="1">
+        <a:scrgbClr r="0" g="0" b="0"/>
+      </a:fillRef>
+      <a:effectRef idx="0">
+        <a:scrgbClr r="0" g="0" b="0"/>
+      </a:effectRef>
+      <a:fontRef idx="minor">
+        <a:schemeClr val="lt1"/>
+      </a:fontRef>
+    </dgm:style>
+  </dgm:styleLbl>
+  <dgm:styleLbl name="parChTrans2D2">
+    <dgm:scene3d>
+      <a:camera prst="orthographicFront"/>
+      <a:lightRig rig="threePt" dir="t"/>
+    </dgm:scene3d>
+    <dgm:sp3d/>
+    <dgm:txPr/>
+    <dgm:style>
+      <a:lnRef idx="2">
+        <a:scrgbClr r="0" g="0" b="0"/>
+      </a:lnRef>
+      <a:fillRef idx="1">
+        <a:scrgbClr r="0" g="0" b="0"/>
+      </a:fillRef>
+      <a:effectRef idx="0">
+        <a:scrgbClr r="0" g="0" b="0"/>
+      </a:effectRef>
+      <a:fontRef idx="minor">
+        <a:schemeClr val="lt1"/>
+      </a:fontRef>
+    </dgm:style>
+  </dgm:styleLbl>
+  <dgm:styleLbl name="parChTrans2D3">
+    <dgm:scene3d>
+      <a:camera prst="orthographicFront"/>
+      <a:lightRig rig="threePt" dir="t"/>
+    </dgm:scene3d>
+    <dgm:sp3d/>
+    <dgm:txPr/>
+    <dgm:style>
+      <a:lnRef idx="2">
+        <a:scrgbClr r="0" g="0" b="0"/>
+      </a:lnRef>
+      <a:fillRef idx="1">
+        <a:scrgbClr r="0" g="0" b="0"/>
+      </a:fillRef>
+      <a:effectRef idx="0">
+        <a:scrgbClr r="0" g="0" b="0"/>
+      </a:effectRef>
+      <a:fontRef idx="minor">
+        <a:schemeClr val="lt1"/>
+      </a:fontRef>
+    </dgm:style>
+  </dgm:styleLbl>
+  <dgm:styleLbl name="parChTrans2D4">
+    <dgm:scene3d>
+      <a:camera prst="orthographicFront"/>
+      <a:lightRig rig="threePt" dir="t"/>
+    </dgm:scene3d>
+    <dgm:sp3d/>
+    <dgm:txPr/>
+    <dgm:style>
+      <a:lnRef idx="2">
+        <a:scrgbClr r="0" g="0" b="0"/>
+      </a:lnRef>
+      <a:fillRef idx="1">
+        <a:scrgbClr r="0" g="0" b="0"/>
+      </a:fillRef>
+      <a:effectRef idx="0">
+        <a:scrgbClr r="0" g="0" b="0"/>
+      </a:effectRef>
+      <a:fontRef idx="minor">
+        <a:schemeClr val="lt1"/>
+      </a:fontRef>
+    </dgm:style>
+  </dgm:styleLbl>
+  <dgm:styleLbl name="parChTrans1D1">
+    <dgm:scene3d>
+      <a:camera prst="orthographicFront"/>
+      <a:lightRig rig="threePt" dir="t"/>
+    </dgm:scene3d>
+    <dgm:sp3d/>
+    <dgm:txPr/>
+    <dgm:style>
+      <a:lnRef idx="2">
+        <a:scrgbClr r="0" g="0" b="0"/>
+      </a:lnRef>
+      <a:fillRef idx="0">
+        <a:scrgbClr r="0" g="0" b="0"/>
+      </a:fillRef>
+      <a:effectRef idx="0">
+        <a:scrgbClr r="0" g="0" b="0"/>
+      </a:effectRef>
+      <a:fontRef idx="minor"/>
+    </dgm:style>
+  </dgm:styleLbl>
+  <dgm:styleLbl name="parChTrans1D2">
+    <dgm:scene3d>
+      <a:camera prst="orthographicFront"/>
+      <a:lightRig rig="threePt" dir="t"/>
+    </dgm:scene3d>
+    <dgm:sp3d/>
+    <dgm:txPr/>
+    <dgm:style>
+      <a:lnRef idx="2">
+        <a:scrgbClr r="0" g="0" b="0"/>
+      </a:lnRef>
+      <a:fillRef idx="0">
+        <a:scrgbClr r="0" g="0" b="0"/>
+      </a:fillRef>
+      <a:effectRef idx="0">
+        <a:scrgbClr r="0" g="0" b="0"/>
+      </a:effectRef>
+      <a:fontRef idx="minor"/>
+    </dgm:style>
+  </dgm:styleLbl>
+  <dgm:styleLbl name="parChTrans1D3">
+    <dgm:scene3d>
+      <a:camera prst="orthographicFront"/>
+      <a:lightRig rig="threePt" dir="t"/>
+    </dgm:scene3d>
+    <dgm:sp3d/>
+    <dgm:txPr/>
+    <dgm:style>
+      <a:lnRef idx="2">
+        <a:scrgbClr r="0" g="0" b="0"/>
+      </a:lnRef>
+      <a:fillRef idx="0">
+        <a:scrgbClr r="0" g="0" b="0"/>
+      </a:fillRef>
+      <a:effectRef idx="0">
+        <a:scrgbClr r="0" g="0" b="0"/>
+      </a:effectRef>
+      <a:fontRef idx="minor"/>
+    </dgm:style>
+  </dgm:styleLbl>
+  <dgm:styleLbl name="parChTrans1D4">
+    <dgm:scene3d>
+      <a:camera prst="orthographicFront"/>
+      <a:lightRig rig="threePt" dir="t"/>
+    </dgm:scene3d>
+    <dgm:sp3d/>
+    <dgm:txPr/>
+    <dgm:style>
+      <a:lnRef idx="2">
+        <a:scrgbClr r="0" g="0" b="0"/>
+      </a:lnRef>
+      <a:fillRef idx="0">
+        <a:scrgbClr r="0" g="0" b="0"/>
+      </a:fillRef>
+      <a:effectRef idx="0">
+        <a:scrgbClr r="0" g="0" b="0"/>
+      </a:effectRef>
+      <a:fontRef idx="minor"/>
+    </dgm:style>
+  </dgm:styleLbl>
+  <dgm:styleLbl name="fgAcc1">
+    <dgm:scene3d>
+      <a:camera prst="orthographicFront"/>
+      <a:lightRig rig="threePt" dir="t"/>
+    </dgm:scene3d>
+    <dgm:sp3d/>
+    <dgm:txPr/>
+    <dgm:style>
+      <a:lnRef idx="2">
+        <a:scrgbClr r="0" g="0" b="0"/>
+      </a:lnRef>
+      <a:fillRef idx="1">
+        <a:scrgbClr r="0" g="0" b="0"/>
+      </a:fillRef>
+      <a:effectRef idx="0">
+        <a:scrgbClr r="0" g="0" b="0"/>
+      </a:effectRef>
+      <a:fontRef idx="minor"/>
+    </dgm:style>
+  </dgm:styleLbl>
+  <dgm:styleLbl name="conFgAcc1">
+    <dgm:scene3d>
+      <a:camera prst="orthographicFront"/>
+      <a:lightRig rig="threePt" dir="t"/>
+    </dgm:scene3d>
+    <dgm:sp3d/>
+    <dgm:txPr/>
+    <dgm:style>
+      <a:lnRef idx="2">
+        <a:scrgbClr r="0" g="0" b="0"/>
+      </a:lnRef>
+      <a:fillRef idx="1">
+        <a:scrgbClr r="0" g="0" b="0"/>
+      </a:fillRef>
+      <a:effectRef idx="0">
+        <a:scrgbClr r="0" g="0" b="0"/>
+      </a:effectRef>
+      <a:fontRef idx="minor"/>
+    </dgm:style>
+  </dgm:styleLbl>
+  <dgm:styleLbl name="alignAcc1">
+    <dgm:scene3d>
+      <a:camera prst="orthographicFront"/>
+      <a:lightRig rig="threePt" dir="t"/>
+    </dgm:scene3d>
+    <dgm:sp3d/>
+    <dgm:txPr/>
+    <dgm:style>
+      <a:lnRef idx="2">
+        <a:scrgbClr r="0" g="0" b="0"/>
+      </a:lnRef>
+      <a:fillRef idx="1">
+        <a:scrgbClr r="0" g="0" b="0"/>
+      </a:fillRef>
+      <a:effectRef idx="0">
+        <a:scrgbClr r="0" g="0" b="0"/>
+      </a:effectRef>
+      <a:fontRef idx="minor"/>
+    </dgm:style>
+  </dgm:styleLbl>
+  <dgm:styleLbl name="trAlignAcc1">
+    <dgm:scene3d>
+      <a:camera prst="orthographicFront"/>
+      <a:lightRig rig="threePt" dir="t"/>
+    </dgm:scene3d>
+    <dgm:sp3d/>
+    <dgm:txPr/>
+    <dgm:style>
+      <a:lnRef idx="1">
+        <a:scrgbClr r="0" g="0" b="0"/>
+      </a:lnRef>
+      <a:fillRef idx="1">
+        <a:scrgbClr r="0" g="0" b="0"/>
+      </a:fillRef>
+      <a:effectRef idx="0">
+        <a:scrgbClr r="0" g="0" b="0"/>
+      </a:effectRef>
+      <a:fontRef idx="minor"/>
+    </dgm:style>
+  </dgm:styleLbl>
+  <dgm:styleLbl name="bgAcc1">
+    <dgm:scene3d>
+      <a:camera prst="orthographicFront"/>
+      <a:lightRig rig="threePt" dir="t"/>
+    </dgm:scene3d>
+    <dgm:sp3d/>
+    <dgm:txPr/>
+    <dgm:style>
+      <a:lnRef idx="2">
+        <a:scrgbClr r="0" g="0" b="0"/>
+      </a:lnRef>
+      <a:fillRef idx="1">
+        <a:scrgbClr r="0" g="0" b="0"/>
+      </a:fillRef>
+      <a:effectRef idx="0">
+        <a:scrgbClr r="0" g="0" b="0"/>
+      </a:effectRef>
+      <a:fontRef idx="minor"/>
+    </dgm:style>
+  </dgm:styleLbl>
+  <dgm:styleLbl name="solidFgAcc1">
+    <dgm:scene3d>
+      <a:camera prst="orthographicFront"/>
+      <a:lightRig rig="threePt" dir="t"/>
+    </dgm:scene3d>
+    <dgm:sp3d/>
+    <dgm:txPr/>
+    <dgm:style>
+      <a:lnRef idx="2">
+        <a:scrgbClr r="0" g="0" b="0"/>
+      </a:lnRef>
+      <a:fillRef idx="1">
+        <a:scrgbClr r="0" g="0" b="0"/>
+      </a:fillRef>
+      <a:effectRef idx="0">
+        <a:scrgbClr r="0" g="0" b="0"/>
+      </a:effectRef>
+      <a:fontRef idx="minor"/>
+    </dgm:style>
+  </dgm:styleLbl>
+  <dgm:styleLbl name="solidAlignAcc1">
+    <dgm:scene3d>
+      <a:camera prst="orthographicFront"/>
+      <a:lightRig rig="threePt" dir="t"/>
+    </dgm:scene3d>
+    <dgm:sp3d/>
+    <dgm:txPr/>
+    <dgm:style>
+      <a:lnRef idx="2">
+        <a:scrgbClr r="0" g="0" b="0"/>
+      </a:lnRef>
+      <a:fillRef idx="1">
+        <a:scrgbClr r="0" g="0" b="0"/>
+      </a:fillRef>
+      <a:effectRef idx="0">
+        <a:scrgbClr r="0" g="0" b="0"/>
+      </a:effectRef>
+      <a:fontRef idx="minor"/>
+    </dgm:style>
+  </dgm:styleLbl>
+  <dgm:styleLbl name="solidBgAcc1">
+    <dgm:scene3d>
+      <a:camera prst="orthographicFront"/>
+      <a:lightRig rig="threePt" dir="t"/>
+    </dgm:scene3d>
+    <dgm:sp3d/>
+    <dgm:txPr/>
+    <dgm:style>
+      <a:lnRef idx="2">
+        <a:scrgbClr r="0" g="0" b="0"/>
+      </a:lnRef>
+      <a:fillRef idx="1">
+        <a:scrgbClr r="0" g="0" b="0"/>
+      </a:fillRef>
+      <a:effectRef idx="0">
+        <a:scrgbClr r="0" g="0" b="0"/>
+      </a:effectRef>
+      <a:fontRef idx="minor"/>
+    </dgm:style>
+  </dgm:styleLbl>
+  <dgm:styleLbl name="fgAccFollowNode1">
+    <dgm:scene3d>
+      <a:camera prst="orthographicFront"/>
+      <a:lightRig rig="threePt" dir="t"/>
+    </dgm:scene3d>
+    <dgm:sp3d/>
+    <dgm:txPr/>
+    <dgm:style>
+      <a:lnRef idx="2">
+        <a:scrgbClr r="0" g="0" b="0"/>
+      </a:lnRef>
+      <a:fillRef idx="1">
+        <a:scrgbClr r="0" g="0" b="0"/>
+      </a:fillRef>
+      <a:effectRef idx="0">
+        <a:scrgbClr r="0" g="0" b="0"/>
+      </a:effectRef>
+      <a:fontRef idx="minor"/>
+    </dgm:style>
+  </dgm:styleLbl>
+  <dgm:styleLbl name="alignAccFollowNode1">
+    <dgm:scene3d>
+      <a:camera prst="orthographicFront"/>
+      <a:lightRig rig="threePt" dir="t"/>
+    </dgm:scene3d>
+    <dgm:sp3d/>
+    <dgm:txPr/>
+    <dgm:style>
+      <a:lnRef idx="2">
+        <a:scrgbClr r="0" g="0" b="0"/>
+      </a:lnRef>
+      <a:fillRef idx="1">
+        <a:scrgbClr r="0" g="0" b="0"/>
+      </a:fillRef>
+      <a:effectRef idx="0">
+        <a:scrgbClr r="0" g="0" b="0"/>
+      </a:effectRef>
+      <a:fontRef idx="minor"/>
+    </dgm:style>
+  </dgm:styleLbl>
+  <dgm:styleLbl name="bgAccFollowNode1">
+    <dgm:scene3d>
+      <a:camera prst="orthographicFront"/>
+      <a:lightRig rig="threePt" dir="t"/>
+    </dgm:scene3d>
+    <dgm:sp3d/>
+    <dgm:txPr/>
+    <dgm:style>
+      <a:lnRef idx="2">
+        <a:scrgbClr r="0" g="0" b="0"/>
+      </a:lnRef>
+      <a:fillRef idx="1">
+        <a:scrgbClr r="0" g="0" b="0"/>
+      </a:fillRef>
+      <a:effectRef idx="0">
+        <a:scrgbClr r="0" g="0" b="0"/>
+      </a:effectRef>
+      <a:fontRef idx="minor"/>
+    </dgm:style>
+  </dgm:styleLbl>
+  <dgm:styleLbl name="fgAcc0">
+    <dgm:scene3d>
+      <a:camera prst="orthographicFront"/>
+      <a:lightRig rig="threePt" dir="t"/>
+    </dgm:scene3d>
+    <dgm:sp3d/>
+    <dgm:txPr/>
+    <dgm:style>
+      <a:lnRef idx="2">
+        <a:scrgbClr r="0" g="0" b="0"/>
+      </a:lnRef>
+      <a:fillRef idx="1">
+        <a:scrgbClr r="0" g="0" b="0"/>
+      </a:fillRef>
+      <a:effectRef idx="0">
+        <a:scrgbClr r="0" g="0" b="0"/>
+      </a:effectRef>
+      <a:fontRef idx="minor"/>
+    </dgm:style>
+  </dgm:styleLbl>
+  <dgm:styleLbl name="fgAcc2">
+    <dgm:scene3d>
+      <a:camera prst="orthographicFront"/>
+      <a:lightRig rig="threePt" dir="t"/>
+    </dgm:scene3d>
+    <dgm:sp3d/>
+    <dgm:txPr/>
+    <dgm:style>
+      <a:lnRef idx="2">
+        <a:scrgbClr r="0" g="0" b="0"/>
+      </a:lnRef>
+      <a:fillRef idx="1">
+        <a:scrgbClr r="0" g="0" b="0"/>
+      </a:fillRef>
+      <a:effectRef idx="0">
+        <a:scrgbClr r="0" g="0" b="0"/>
+      </a:effectRef>
+      <a:fontRef idx="minor"/>
+    </dgm:style>
+  </dgm:styleLbl>
+  <dgm:styleLbl name="fgAcc3">
+    <dgm:scene3d>
+      <a:camera prst="orthographicFront"/>
+      <a:lightRig rig="threePt" dir="t"/>
+    </dgm:scene3d>
+    <dgm:sp3d/>
+    <dgm:txPr/>
+    <dgm:style>
+      <a:lnRef idx="2">
+        <a:scrgbClr r="0" g="0" b="0"/>
+      </a:lnRef>
+      <a:fillRef idx="1">
+        <a:scrgbClr r="0" g="0" b="0"/>
+      </a:fillRef>
+      <a:effectRef idx="0">
+        <a:scrgbClr r="0" g="0" b="0"/>
+      </a:effectRef>
+      <a:fontRef idx="minor"/>
+    </dgm:style>
+  </dgm:styleLbl>
+  <dgm:styleLbl name="fgAcc4">
+    <dgm:scene3d>
+      <a:camera prst="orthographicFront"/>
+      <a:lightRig rig="threePt" dir="t"/>
+    </dgm:scene3d>
+    <dgm:sp3d/>
+    <dgm:txPr/>
+    <dgm:style>
+      <a:lnRef idx="2">
+        <a:scrgbClr r="0" g="0" b="0"/>
+      </a:lnRef>
+      <a:fillRef idx="1">
+        <a:scrgbClr r="0" g="0" b="0"/>
+      </a:fillRef>
+      <a:effectRef idx="0">
+        <a:scrgbClr r="0" g="0" b="0"/>
+      </a:effectRef>
+      <a:fontRef idx="minor"/>
+    </dgm:style>
+  </dgm:styleLbl>
+  <dgm:styleLbl name="bgShp">
+    <dgm:scene3d>
+      <a:camera prst="orthographicFront"/>
+      <a:lightRig rig="threePt" dir="t"/>
+    </dgm:scene3d>
+    <dgm:sp3d/>
+    <dgm:txPr/>
+    <dgm:style>
+      <a:lnRef idx="0">
+        <a:scrgbClr r="0" g="0" b="0"/>
+      </a:lnRef>
+      <a:fillRef idx="1">
+        <a:scrgbClr r="0" g="0" b="0"/>
+      </a:fillRef>
+      <a:effectRef idx="0">
+        <a:scrgbClr r="0" g="0" b="0"/>
+      </a:effectRef>
+      <a:fontRef idx="minor"/>
+    </dgm:style>
+  </dgm:styleLbl>
+  <dgm:styleLbl name="dkBgShp">
+    <dgm:scene3d>
+      <a:camera prst="orthographicFront"/>
+      <a:lightRig rig="threePt" dir="t"/>
+    </dgm:scene3d>
+    <dgm:sp3d/>
+    <dgm:txPr/>
+    <dgm:style>
+      <a:lnRef idx="0">
+        <a:scrgbClr r="0" g="0" b="0"/>
+      </a:lnRef>
+      <a:fillRef idx="1">
+        <a:scrgbClr r="0" g="0" b="0"/>
+      </a:fillRef>
+      <a:effectRef idx="0">
+        <a:scrgbClr r="0" g="0" b="0"/>
+      </a:effectRef>
+      <a:fontRef idx="minor"/>
+    </dgm:style>
+  </dgm:styleLbl>
+  <dgm:styleLbl name="trBgShp">
+    <dgm:scene3d>
+      <a:camera prst="orthographicFront"/>
+      <a:lightRig rig="threePt" dir="t"/>
+    </dgm:scene3d>
+    <dgm:sp3d/>
+    <dgm:txPr/>
+    <dgm:style>
+      <a:lnRef idx="0">
+        <a:scrgbClr r="0" g="0" b="0"/>
+      </a:lnRef>
+      <a:fillRef idx="1">
+        <a:scrgbClr r="0" g="0" b="0"/>
+      </a:fillRef>
+      <a:effectRef idx="0">
+        <a:scrgbClr r="0" g="0" b="0"/>
+      </a:effectRef>
+      <a:fontRef idx="minor"/>
+    </dgm:style>
+  </dgm:styleLbl>
+  <dgm:styleLbl name="fgShp">
+    <dgm:scene3d>
+      <a:camera prst="orthographicFront"/>
+      <a:lightRig rig="threePt" dir="t"/>
+    </dgm:scene3d>
+    <dgm:sp3d/>
+    <dgm:txPr/>
+    <dgm:style>
+      <a:lnRef idx="2">
+        <a:scrgbClr r="0" g="0" b="0"/>
+      </a:lnRef>
+      <a:fillRef idx="1">
+        <a:scrgbClr r="0" g="0" b="0"/>
+      </a:fillRef>
+      <a:effectRef idx="0">
+        <a:scrgbClr r="0" g="0" b="0"/>
+      </a:effectRef>
+      <a:fontRef idx="minor"/>
+    </dgm:style>
+  </dgm:styleLbl>
+  <dgm:styleLbl name="revTx">
+    <dgm:scene3d>
+      <a:camera prst="orthographicFront"/>
+      <a:lightRig rig="threePt" dir="t"/>
+    </dgm:scene3d>
+    <dgm:sp3d/>
+    <dgm:txPr/>
+    <dgm:style>
+      <a:lnRef idx="0">
+        <a:scrgbClr r="0" g="0" b="0"/>
+      </a:lnRef>
+      <a:fillRef idx="0">
+        <a:scrgbClr r="0" g="0" b="0"/>
+      </a:fillRef>
+      <a:effectRef idx="0">
+        <a:scrgbClr r="0" g="0" b="0"/>
+      </a:effectRef>
+      <a:fontRef idx="minor"/>
+    </dgm:style>
+  </dgm:styleLbl>
+</dgm:styleDef>
 </file>
 
 <file path=ppt/slideLayouts/slideLayout1.xml><?xml version="1.0" encoding="utf-8"?>
@@ -2827,8 +5759,23 @@
           <a:p>
             <a:r>
               <a:rPr lang="en-US" dirty="0"/>
-              <a:t>Understanding variables and operators</a:t>
-            </a:r>
+              <a:t>THREE THINGS THAT</a:t>
+            </a:r>
+            <a:br>
+              <a:rPr lang="en-US" dirty="0"/>
+            </a:br>
+            <a:r>
+              <a:rPr lang="en-US" dirty="0"/>
+              <a:t>MAKE POWERSHELL </a:t>
+            </a:r>
+            <a:br>
+              <a:rPr lang="en-US" dirty="0"/>
+            </a:br>
+            <a:r>
+              <a:rPr lang="en-US" dirty="0" err="1"/>
+              <a:t>POWERSHELL</a:t>
+            </a:r>
+            <a:endParaRPr lang="en-US" dirty="0"/>
           </a:p>
         </p:txBody>
       </p:sp>
@@ -2849,6 +5796,172 @@
           <a:p>
             <a:r>
               <a:rPr lang="en-US" dirty="0"/>
+              <a:t>Lesson 2½ </a:t>
+            </a:r>
+          </a:p>
+        </p:txBody>
+      </p:sp>
+    </p:spTree>
+    <p:extLst>
+      <p:ext uri="{BB962C8B-B14F-4D97-AF65-F5344CB8AC3E}">
+        <p14:creationId xmlns:p14="http://schemas.microsoft.com/office/powerpoint/2010/main" val="2874196046"/>
+      </p:ext>
+    </p:extLst>
+  </p:cSld>
+  <p:clrMapOvr>
+    <a:masterClrMapping/>
+  </p:clrMapOvr>
+</p:sld>
+</file>
+
+<file path=ppt/slides/slide11.xml><?xml version="1.0" encoding="utf-8"?>
+<p:sld xmlns:a="http://schemas.openxmlformats.org/drawingml/2006/main" xmlns:r="http://schemas.openxmlformats.org/officeDocument/2006/relationships" xmlns:p="http://schemas.openxmlformats.org/presentationml/2006/main">
+  <p:cSld>
+    <p:spTree>
+      <p:nvGrpSpPr>
+        <p:cNvPr id="1" name=""/>
+        <p:cNvGrpSpPr/>
+        <p:nvPr/>
+      </p:nvGrpSpPr>
+      <p:grpSpPr>
+        <a:xfrm>
+          <a:off x="0" y="0"/>
+          <a:ext cx="0" cy="0"/>
+          <a:chOff x="0" y="0"/>
+          <a:chExt cx="0" cy="0"/>
+        </a:xfrm>
+      </p:grpSpPr>
+      <p:sp>
+        <p:nvSpPr>
+          <p:cNvPr id="2" name="Title 1"/>
+          <p:cNvSpPr>
+            <a:spLocks noGrp="1"/>
+          </p:cNvSpPr>
+          <p:nvPr>
+            <p:ph type="title"/>
+          </p:nvPr>
+        </p:nvSpPr>
+        <p:spPr>
+          <a:xfrm>
+            <a:off x="457200" y="533400"/>
+            <a:ext cx="8229600" cy="990600"/>
+          </a:xfrm>
+        </p:spPr>
+        <p:txBody>
+          <a:bodyPr anchor="ctr">
+            <a:normAutofit/>
+          </a:bodyPr>
+          <a:lstStyle/>
+          <a:p>
+            <a:r>
+              <a:rPr lang="en-US" dirty="0"/>
+              <a:t>What makes PowerShell different?</a:t>
+            </a:r>
+          </a:p>
+        </p:txBody>
+      </p:sp>
+      <p:graphicFrame>
+        <p:nvGraphicFramePr>
+          <p:cNvPr id="5" name="Content Placeholder 2">
+            <a:extLst>
+              <a:ext uri="{FF2B5EF4-FFF2-40B4-BE49-F238E27FC236}">
+                <a16:creationId xmlns:a16="http://schemas.microsoft.com/office/drawing/2014/main" id="{826C022F-7503-4BA9-9CA8-4BECDCE8A1A1}"/>
+              </a:ext>
+            </a:extLst>
+          </p:cNvPr>
+          <p:cNvGraphicFramePr>
+            <a:graphicFrameLocks noGrp="1"/>
+          </p:cNvGraphicFramePr>
+          <p:nvPr>
+            <p:ph idx="1"/>
+            <p:extLst>
+              <p:ext uri="{D42A27DB-BD31-4B8C-83A1-F6EECF244321}">
+                <p14:modId xmlns:p14="http://schemas.microsoft.com/office/powerpoint/2010/main" val="427892152"/>
+              </p:ext>
+            </p:extLst>
+          </p:nvPr>
+        </p:nvGraphicFramePr>
+        <p:xfrm>
+          <a:off x="457200" y="1600200"/>
+          <a:ext cx="8229600" cy="4876800"/>
+        </p:xfrm>
+        <a:graphic>
+          <a:graphicData uri="http://schemas.openxmlformats.org/drawingml/2006/diagram">
+            <dgm:relIds xmlns:dgm="http://schemas.openxmlformats.org/drawingml/2006/diagram" xmlns:r="http://schemas.openxmlformats.org/officeDocument/2006/relationships" r:dm="rId2" r:lo="rId3" r:qs="rId4" r:cs="rId5"/>
+          </a:graphicData>
+        </a:graphic>
+      </p:graphicFrame>
+    </p:spTree>
+    <p:extLst>
+      <p:ext uri="{BB962C8B-B14F-4D97-AF65-F5344CB8AC3E}">
+        <p14:creationId xmlns:p14="http://schemas.microsoft.com/office/powerpoint/2010/main" val="2159634372"/>
+      </p:ext>
+    </p:extLst>
+  </p:cSld>
+  <p:clrMapOvr>
+    <a:masterClrMapping/>
+  </p:clrMapOvr>
+</p:sld>
+</file>
+
+<file path=ppt/slides/slide12.xml><?xml version="1.0" encoding="utf-8"?>
+<p:sld xmlns:a="http://schemas.openxmlformats.org/drawingml/2006/main" xmlns:r="http://schemas.openxmlformats.org/officeDocument/2006/relationships" xmlns:p="http://schemas.openxmlformats.org/presentationml/2006/main">
+  <p:cSld>
+    <p:spTree>
+      <p:nvGrpSpPr>
+        <p:cNvPr id="1" name=""/>
+        <p:cNvGrpSpPr/>
+        <p:nvPr/>
+      </p:nvGrpSpPr>
+      <p:grpSpPr>
+        <a:xfrm>
+          <a:off x="0" y="0"/>
+          <a:ext cx="0" cy="0"/>
+          <a:chOff x="0" y="0"/>
+          <a:chExt cx="0" cy="0"/>
+        </a:xfrm>
+      </p:grpSpPr>
+      <p:sp>
+        <p:nvSpPr>
+          <p:cNvPr id="4" name="Title 3"/>
+          <p:cNvSpPr>
+            <a:spLocks noGrp="1"/>
+          </p:cNvSpPr>
+          <p:nvPr>
+            <p:ph type="title"/>
+          </p:nvPr>
+        </p:nvSpPr>
+        <p:spPr/>
+        <p:txBody>
+          <a:bodyPr>
+            <a:normAutofit fontScale="90000"/>
+          </a:bodyPr>
+          <a:lstStyle/>
+          <a:p>
+            <a:r>
+              <a:rPr lang="en-US" dirty="0"/>
+              <a:t>Understanding variables and operators</a:t>
+            </a:r>
+          </a:p>
+        </p:txBody>
+      </p:sp>
+      <p:sp>
+        <p:nvSpPr>
+          <p:cNvPr id="5" name="Text Placeholder 4"/>
+          <p:cNvSpPr>
+            <a:spLocks noGrp="1"/>
+          </p:cNvSpPr>
+          <p:nvPr>
+            <p:ph type="body" idx="1"/>
+          </p:nvPr>
+        </p:nvSpPr>
+        <p:spPr/>
+        <p:txBody>
+          <a:bodyPr/>
+          <a:lstStyle/>
+          <a:p>
+            <a:r>
+              <a:rPr lang="en-US" dirty="0"/>
               <a:t>Lesson 3</a:t>
             </a:r>
           </a:p>
@@ -2867,7 +5980,7 @@
 </p:sld>
 </file>
 
-<file path=ppt/slides/slide11.xml><?xml version="1.0" encoding="utf-8"?>
+<file path=ppt/slides/slide13.xml><?xml version="1.0" encoding="utf-8"?>
 <p:sld xmlns:a="http://schemas.openxmlformats.org/drawingml/2006/main" xmlns:r="http://schemas.openxmlformats.org/officeDocument/2006/relationships" xmlns:p="http://schemas.openxmlformats.org/presentationml/2006/main">
   <p:cSld>
     <p:spTree>
@@ -3237,7 +6350,7 @@
 </p:sld>
 </file>
 
-<file path=ppt/slides/slide12.xml><?xml version="1.0" encoding="utf-8"?>
+<file path=ppt/slides/slide14.xml><?xml version="1.0" encoding="utf-8"?>
 <p:sld xmlns:a="http://schemas.openxmlformats.org/drawingml/2006/main" xmlns:r="http://schemas.openxmlformats.org/officeDocument/2006/relationships" xmlns:p="http://schemas.openxmlformats.org/presentationml/2006/main">
   <p:cSld>
     <p:spTree>
@@ -3353,7 +6466,7 @@
 </p:sld>
 </file>
 
-<file path=ppt/slides/slide13.xml><?xml version="1.0" encoding="utf-8"?>
+<file path=ppt/slides/slide15.xml><?xml version="1.0" encoding="utf-8"?>
 <p:sld xmlns:a="http://schemas.openxmlformats.org/drawingml/2006/main" xmlns:r="http://schemas.openxmlformats.org/officeDocument/2006/relationships" xmlns:p="http://schemas.openxmlformats.org/presentationml/2006/main">
   <p:cSld>
     <p:spTree>
@@ -3503,7 +6616,7 @@
 </p:sld>
 </file>
 
-<file path=ppt/slides/slide14.xml><?xml version="1.0" encoding="utf-8"?>
+<file path=ppt/slides/slide16.xml><?xml version="1.0" encoding="utf-8"?>
 <p:sld xmlns:a="http://schemas.openxmlformats.org/drawingml/2006/main" xmlns:r="http://schemas.openxmlformats.org/officeDocument/2006/relationships" xmlns:p="http://schemas.openxmlformats.org/presentationml/2006/main">
   <p:cSld>
     <p:spTree>
@@ -3589,7 +6702,7 @@
 </p:sld>
 </file>
 
-<file path=ppt/slides/slide15.xml><?xml version="1.0" encoding="utf-8"?>
+<file path=ppt/slides/slide17.xml><?xml version="1.0" encoding="utf-8"?>
 <p:sld xmlns:a="http://schemas.openxmlformats.org/drawingml/2006/main" xmlns:r="http://schemas.openxmlformats.org/officeDocument/2006/relationships" xmlns:p="http://schemas.openxmlformats.org/presentationml/2006/main">
   <p:cSld>
     <p:spTree>
@@ -3628,6 +6741,1323 @@
           </a:p>
         </p:txBody>
       </p:sp>
+      <p:graphicFrame>
+        <p:nvGraphicFramePr>
+          <p:cNvPr id="4" name="Content Placeholder 3">
+            <a:extLst>
+              <a:ext uri="{FF2B5EF4-FFF2-40B4-BE49-F238E27FC236}">
+                <a16:creationId xmlns:a16="http://schemas.microsoft.com/office/drawing/2014/main" id="{2859E0E4-EEDF-4731-8EA4-C32A4104CB62}"/>
+              </a:ext>
+            </a:extLst>
+          </p:cNvPr>
+          <p:cNvGraphicFramePr>
+            <a:graphicFrameLocks noGrp="1"/>
+          </p:cNvGraphicFramePr>
+          <p:nvPr>
+            <p:ph idx="1"/>
+            <p:extLst>
+              <p:ext uri="{D42A27DB-BD31-4B8C-83A1-F6EECF244321}">
+                <p14:modId xmlns:p14="http://schemas.microsoft.com/office/powerpoint/2010/main" val="4068069932"/>
+              </p:ext>
+            </p:extLst>
+          </p:nvPr>
+        </p:nvGraphicFramePr>
+        <p:xfrm>
+          <a:off x="625151" y="1524000"/>
+          <a:ext cx="7837714" cy="4539237"/>
+        </p:xfrm>
+        <a:graphic>
+          <a:graphicData uri="http://schemas.openxmlformats.org/drawingml/2006/table">
+            <a:tbl>
+              <a:tblPr firstRow="1" firstCol="1" bandRow="1">
+                <a:tableStyleId>{5C22544A-7EE6-4342-B048-85BDC9FD1C3A}</a:tableStyleId>
+              </a:tblPr>
+              <a:tblGrid>
+                <a:gridCol w="1056241">
+                  <a:extLst>
+                    <a:ext uri="{9D8B030D-6E8A-4147-A177-3AD203B41FA5}">
+                      <a16:colId xmlns:a16="http://schemas.microsoft.com/office/drawing/2014/main" val="3785689036"/>
+                    </a:ext>
+                  </a:extLst>
+                </a:gridCol>
+                <a:gridCol w="2598093">
+                  <a:extLst>
+                    <a:ext uri="{9D8B030D-6E8A-4147-A177-3AD203B41FA5}">
+                      <a16:colId xmlns:a16="http://schemas.microsoft.com/office/drawing/2014/main" val="870400394"/>
+                    </a:ext>
+                  </a:extLst>
+                </a:gridCol>
+                <a:gridCol w="4183380">
+                  <a:extLst>
+                    <a:ext uri="{9D8B030D-6E8A-4147-A177-3AD203B41FA5}">
+                      <a16:colId xmlns:a16="http://schemas.microsoft.com/office/drawing/2014/main" val="1043506778"/>
+                    </a:ext>
+                  </a:extLst>
+                </a:gridCol>
+              </a:tblGrid>
+              <a:tr h="0">
+                <a:tc>
+                  <a:txBody>
+                    <a:bodyPr/>
+                    <a:lstStyle/>
+                    <a:p>
+                      <a:pPr>
+                        <a:lnSpc>
+                          <a:spcPct val="107000"/>
+                        </a:lnSpc>
+                        <a:spcAft>
+                          <a:spcPts val="800"/>
+                        </a:spcAft>
+                      </a:pPr>
+                      <a:r>
+                        <a:rPr lang="en-CA" sz="1200">
+                          <a:effectLst/>
+                        </a:rPr>
+                        <a:t>Operator</a:t>
+                      </a:r>
+                      <a:endParaRPr lang="en-CA" sz="1200">
+                        <a:effectLst/>
+                        <a:latin typeface="Calibri" panose="020F0502020204030204" pitchFamily="34" charset="0"/>
+                        <a:ea typeface="Calibri" panose="020F0502020204030204" pitchFamily="34" charset="0"/>
+                        <a:cs typeface="Times New Roman" panose="02020603050405020304" pitchFamily="18" charset="0"/>
+                      </a:endParaRPr>
+                    </a:p>
+                  </a:txBody>
+                  <a:tcPr/>
+                </a:tc>
+                <a:tc>
+                  <a:txBody>
+                    <a:bodyPr/>
+                    <a:lstStyle/>
+                    <a:p>
+                      <a:pPr>
+                        <a:lnSpc>
+                          <a:spcPct val="107000"/>
+                        </a:lnSpc>
+                        <a:spcAft>
+                          <a:spcPts val="800"/>
+                        </a:spcAft>
+                      </a:pPr>
+                      <a:r>
+                        <a:rPr lang="en-CA" sz="1200" dirty="0">
+                          <a:effectLst/>
+                        </a:rPr>
+                        <a:t>Purpose</a:t>
+                      </a:r>
+                      <a:endParaRPr lang="en-CA" sz="1200" dirty="0">
+                        <a:effectLst/>
+                        <a:latin typeface="Calibri" panose="020F0502020204030204" pitchFamily="34" charset="0"/>
+                        <a:ea typeface="Calibri" panose="020F0502020204030204" pitchFamily="34" charset="0"/>
+                        <a:cs typeface="Times New Roman" panose="02020603050405020304" pitchFamily="18" charset="0"/>
+                      </a:endParaRPr>
+                    </a:p>
+                  </a:txBody>
+                  <a:tcPr/>
+                </a:tc>
+                <a:tc>
+                  <a:txBody>
+                    <a:bodyPr/>
+                    <a:lstStyle/>
+                    <a:p>
+                      <a:pPr>
+                        <a:lnSpc>
+                          <a:spcPct val="107000"/>
+                        </a:lnSpc>
+                        <a:spcAft>
+                          <a:spcPts val="800"/>
+                        </a:spcAft>
+                      </a:pPr>
+                      <a:r>
+                        <a:rPr lang="en-CA" sz="1200" dirty="0">
+                          <a:effectLst/>
+                        </a:rPr>
+                        <a:t>Example</a:t>
+                      </a:r>
+                      <a:endParaRPr lang="en-CA" sz="1200" dirty="0">
+                        <a:effectLst/>
+                        <a:latin typeface="Calibri" panose="020F0502020204030204" pitchFamily="34" charset="0"/>
+                        <a:ea typeface="Calibri" panose="020F0502020204030204" pitchFamily="34" charset="0"/>
+                        <a:cs typeface="Times New Roman" panose="02020603050405020304" pitchFamily="18" charset="0"/>
+                      </a:endParaRPr>
+                    </a:p>
+                  </a:txBody>
+                  <a:tcPr/>
+                </a:tc>
+                <a:extLst>
+                  <a:ext uri="{0D108BD9-81ED-4DB2-BD59-A6C34878D82A}">
+                    <a16:rowId xmlns:a16="http://schemas.microsoft.com/office/drawing/2014/main" val="3022075329"/>
+                  </a:ext>
+                </a:extLst>
+              </a:tr>
+              <a:tr h="0">
+                <a:tc>
+                  <a:txBody>
+                    <a:bodyPr/>
+                    <a:lstStyle/>
+                    <a:p>
+                      <a:pPr>
+                        <a:lnSpc>
+                          <a:spcPct val="107000"/>
+                        </a:lnSpc>
+                        <a:spcAft>
+                          <a:spcPts val="800"/>
+                        </a:spcAft>
+                      </a:pPr>
+                      <a:r>
+                        <a:rPr lang="en-CA" sz="1200" dirty="0">
+                          <a:effectLst/>
+                        </a:rPr>
+                        <a:t>-eq</a:t>
+                      </a:r>
+                      <a:endParaRPr lang="en-CA" sz="1200" dirty="0">
+                        <a:effectLst/>
+                        <a:latin typeface="Calibri" panose="020F0502020204030204" pitchFamily="34" charset="0"/>
+                        <a:ea typeface="Calibri" panose="020F0502020204030204" pitchFamily="34" charset="0"/>
+                        <a:cs typeface="Times New Roman" panose="02020603050405020304" pitchFamily="18" charset="0"/>
+                      </a:endParaRPr>
+                    </a:p>
+                  </a:txBody>
+                  <a:tcPr/>
+                </a:tc>
+                <a:tc>
+                  <a:txBody>
+                    <a:bodyPr/>
+                    <a:lstStyle/>
+                    <a:p>
+                      <a:pPr>
+                        <a:lnSpc>
+                          <a:spcPct val="107000"/>
+                        </a:lnSpc>
+                        <a:spcAft>
+                          <a:spcPts val="800"/>
+                        </a:spcAft>
+                      </a:pPr>
+                      <a:r>
+                        <a:rPr lang="en-CA" sz="1200" dirty="0">
+                          <a:effectLst/>
+                        </a:rPr>
+                        <a:t>Equality</a:t>
+                      </a:r>
+                      <a:br>
+                        <a:rPr lang="en-CA" sz="1200" dirty="0">
+                          <a:effectLst/>
+                        </a:rPr>
+                      </a:br>
+                      <a:r>
+                        <a:rPr lang="en-CA" sz="1200" dirty="0">
+                          <a:effectLst/>
+                        </a:rPr>
+                        <a:t>(case-insensitive for strings)</a:t>
+                      </a:r>
+                      <a:endParaRPr lang="en-CA" sz="1200" dirty="0">
+                        <a:effectLst/>
+                        <a:latin typeface="Calibri" panose="020F0502020204030204" pitchFamily="34" charset="0"/>
+                        <a:ea typeface="Calibri" panose="020F0502020204030204" pitchFamily="34" charset="0"/>
+                        <a:cs typeface="Times New Roman" panose="02020603050405020304" pitchFamily="18" charset="0"/>
+                      </a:endParaRPr>
+                    </a:p>
+                  </a:txBody>
+                  <a:tcPr/>
+                </a:tc>
+                <a:tc>
+                  <a:txBody>
+                    <a:bodyPr/>
+                    <a:lstStyle/>
+                    <a:p>
+                      <a:pPr>
+                        <a:lnSpc>
+                          <a:spcPct val="107000"/>
+                        </a:lnSpc>
+                        <a:spcAft>
+                          <a:spcPts val="800"/>
+                        </a:spcAft>
+                      </a:pPr>
+                      <a:r>
+                        <a:rPr lang="en-CA" sz="1200" dirty="0">
+                          <a:effectLst/>
+                        </a:rPr>
+                        <a:t>"Hello" -eq "HELLO" – </a:t>
+                      </a:r>
+                      <a:r>
+                        <a:rPr lang="en-CA" sz="1200" i="1" dirty="0">
+                          <a:effectLst/>
+                        </a:rPr>
+                        <a:t>True</a:t>
+                      </a:r>
+                      <a:br>
+                        <a:rPr lang="en-CA" sz="1200" dirty="0">
+                          <a:effectLst/>
+                        </a:rPr>
+                      </a:br>
+                      <a:r>
+                        <a:rPr lang="en-CA" sz="1200" dirty="0">
+                          <a:effectLst/>
+                        </a:rPr>
+                        <a:t>5 -eq 100 – </a:t>
+                      </a:r>
+                      <a:r>
+                        <a:rPr lang="en-CA" sz="1200" i="1" dirty="0">
+                          <a:effectLst/>
+                        </a:rPr>
+                        <a:t>False</a:t>
+                      </a:r>
+                      <a:endParaRPr lang="en-CA" sz="1200" i="1" dirty="0">
+                        <a:effectLst/>
+                        <a:latin typeface="Calibri" panose="020F0502020204030204" pitchFamily="34" charset="0"/>
+                        <a:ea typeface="Calibri" panose="020F0502020204030204" pitchFamily="34" charset="0"/>
+                        <a:cs typeface="Times New Roman" panose="02020603050405020304" pitchFamily="18" charset="0"/>
+                      </a:endParaRPr>
+                    </a:p>
+                  </a:txBody>
+                  <a:tcPr/>
+                </a:tc>
+                <a:extLst>
+                  <a:ext uri="{0D108BD9-81ED-4DB2-BD59-A6C34878D82A}">
+                    <a16:rowId xmlns:a16="http://schemas.microsoft.com/office/drawing/2014/main" val="684615586"/>
+                  </a:ext>
+                </a:extLst>
+              </a:tr>
+              <a:tr h="0">
+                <a:tc>
+                  <a:txBody>
+                    <a:bodyPr/>
+                    <a:lstStyle/>
+                    <a:p>
+                      <a:pPr>
+                        <a:lnSpc>
+                          <a:spcPct val="107000"/>
+                        </a:lnSpc>
+                        <a:spcAft>
+                          <a:spcPts val="800"/>
+                        </a:spcAft>
+                      </a:pPr>
+                      <a:r>
+                        <a:rPr lang="en-CA" sz="1200" dirty="0">
+                          <a:effectLst/>
+                        </a:rPr>
+                        <a:t>-ne</a:t>
+                      </a:r>
+                      <a:endParaRPr lang="en-CA" sz="1200" dirty="0">
+                        <a:effectLst/>
+                        <a:latin typeface="Calibri" panose="020F0502020204030204" pitchFamily="34" charset="0"/>
+                        <a:ea typeface="Calibri" panose="020F0502020204030204" pitchFamily="34" charset="0"/>
+                        <a:cs typeface="Times New Roman" panose="02020603050405020304" pitchFamily="18" charset="0"/>
+                      </a:endParaRPr>
+                    </a:p>
+                  </a:txBody>
+                  <a:tcPr/>
+                </a:tc>
+                <a:tc>
+                  <a:txBody>
+                    <a:bodyPr/>
+                    <a:lstStyle/>
+                    <a:p>
+                      <a:pPr>
+                        <a:lnSpc>
+                          <a:spcPct val="107000"/>
+                        </a:lnSpc>
+                        <a:spcAft>
+                          <a:spcPts val="800"/>
+                        </a:spcAft>
+                      </a:pPr>
+                      <a:r>
+                        <a:rPr lang="en-CA" sz="1200" dirty="0">
+                          <a:effectLst/>
+                        </a:rPr>
+                        <a:t>Inequality</a:t>
+                      </a:r>
+                      <a:br>
+                        <a:rPr lang="en-CA" sz="1200" dirty="0">
+                          <a:effectLst/>
+                        </a:rPr>
+                      </a:br>
+                      <a:r>
+                        <a:rPr lang="en-CA" sz="1200" dirty="0">
+                          <a:effectLst/>
+                        </a:rPr>
+                        <a:t>(case-insensitive for strings)</a:t>
+                      </a:r>
+                      <a:endParaRPr lang="en-CA" sz="1200" dirty="0">
+                        <a:effectLst/>
+                        <a:latin typeface="Calibri" panose="020F0502020204030204" pitchFamily="34" charset="0"/>
+                        <a:ea typeface="Calibri" panose="020F0502020204030204" pitchFamily="34" charset="0"/>
+                        <a:cs typeface="Times New Roman" panose="02020603050405020304" pitchFamily="18" charset="0"/>
+                      </a:endParaRPr>
+                    </a:p>
+                  </a:txBody>
+                  <a:tcPr/>
+                </a:tc>
+                <a:tc>
+                  <a:txBody>
+                    <a:bodyPr/>
+                    <a:lstStyle/>
+                    <a:p>
+                      <a:pPr>
+                        <a:lnSpc>
+                          <a:spcPct val="107000"/>
+                        </a:lnSpc>
+                        <a:spcAft>
+                          <a:spcPts val="800"/>
+                        </a:spcAft>
+                      </a:pPr>
+                      <a:r>
+                        <a:rPr lang="en-CA" sz="1200" dirty="0">
+                          <a:effectLst/>
+                        </a:rPr>
+                        <a:t>"Hello" -ne "HELLO" – </a:t>
+                      </a:r>
+                      <a:r>
+                        <a:rPr lang="en-CA" sz="1200" i="1" dirty="0">
+                          <a:effectLst/>
+                        </a:rPr>
+                        <a:t>False</a:t>
+                      </a:r>
+                      <a:br>
+                        <a:rPr lang="en-CA" sz="1200" dirty="0">
+                          <a:effectLst/>
+                        </a:rPr>
+                      </a:br>
+                      <a:r>
+                        <a:rPr lang="en-CA" sz="1200" dirty="0">
+                          <a:effectLst/>
+                        </a:rPr>
+                        <a:t>5 -ne 100  – </a:t>
+                      </a:r>
+                      <a:r>
+                        <a:rPr lang="en-CA" sz="1200" i="1" dirty="0">
+                          <a:effectLst/>
+                        </a:rPr>
+                        <a:t>True</a:t>
+                      </a:r>
+                      <a:endParaRPr lang="en-CA" sz="1200" i="1" dirty="0">
+                        <a:effectLst/>
+                        <a:latin typeface="Calibri" panose="020F0502020204030204" pitchFamily="34" charset="0"/>
+                        <a:ea typeface="Calibri" panose="020F0502020204030204" pitchFamily="34" charset="0"/>
+                        <a:cs typeface="Times New Roman" panose="02020603050405020304" pitchFamily="18" charset="0"/>
+                      </a:endParaRPr>
+                    </a:p>
+                  </a:txBody>
+                  <a:tcPr/>
+                </a:tc>
+                <a:extLst>
+                  <a:ext uri="{0D108BD9-81ED-4DB2-BD59-A6C34878D82A}">
+                    <a16:rowId xmlns:a16="http://schemas.microsoft.com/office/drawing/2014/main" val="2945613485"/>
+                  </a:ext>
+                </a:extLst>
+              </a:tr>
+              <a:tr h="0">
+                <a:tc>
+                  <a:txBody>
+                    <a:bodyPr/>
+                    <a:lstStyle/>
+                    <a:p>
+                      <a:pPr>
+                        <a:lnSpc>
+                          <a:spcPct val="107000"/>
+                        </a:lnSpc>
+                        <a:spcAft>
+                          <a:spcPts val="800"/>
+                        </a:spcAft>
+                      </a:pPr>
+                      <a:r>
+                        <a:rPr lang="en-CA" sz="1200">
+                          <a:effectLst/>
+                        </a:rPr>
+                        <a:t>-like</a:t>
+                      </a:r>
+                      <a:br>
+                        <a:rPr lang="en-CA" sz="1200">
+                          <a:effectLst/>
+                        </a:rPr>
+                      </a:br>
+                      <a:r>
+                        <a:rPr lang="en-CA" sz="1200">
+                          <a:effectLst/>
+                        </a:rPr>
+                        <a:t>-notlike</a:t>
+                      </a:r>
+                      <a:endParaRPr lang="en-CA" sz="1200">
+                        <a:effectLst/>
+                        <a:latin typeface="Calibri" panose="020F0502020204030204" pitchFamily="34" charset="0"/>
+                        <a:ea typeface="Calibri" panose="020F0502020204030204" pitchFamily="34" charset="0"/>
+                        <a:cs typeface="Times New Roman" panose="02020603050405020304" pitchFamily="18" charset="0"/>
+                      </a:endParaRPr>
+                    </a:p>
+                  </a:txBody>
+                  <a:tcPr/>
+                </a:tc>
+                <a:tc>
+                  <a:txBody>
+                    <a:bodyPr/>
+                    <a:lstStyle/>
+                    <a:p>
+                      <a:pPr>
+                        <a:lnSpc>
+                          <a:spcPct val="107000"/>
+                        </a:lnSpc>
+                        <a:spcAft>
+                          <a:spcPts val="800"/>
+                        </a:spcAft>
+                      </a:pPr>
+                      <a:r>
+                        <a:rPr lang="en-CA" sz="1200" dirty="0">
+                          <a:effectLst/>
+                        </a:rPr>
+                        <a:t>Wildcard Strings</a:t>
+                      </a:r>
+                      <a:br>
+                        <a:rPr lang="en-CA" sz="1200" dirty="0">
+                          <a:effectLst/>
+                        </a:rPr>
+                      </a:br>
+                      <a:r>
+                        <a:rPr lang="en-CA" sz="1200" dirty="0">
+                          <a:effectLst/>
+                        </a:rPr>
+                        <a:t>(case-insensitive for strings)</a:t>
+                      </a:r>
+                      <a:endParaRPr lang="en-CA" sz="1200" dirty="0">
+                        <a:effectLst/>
+                        <a:latin typeface="Calibri" panose="020F0502020204030204" pitchFamily="34" charset="0"/>
+                        <a:ea typeface="Calibri" panose="020F0502020204030204" pitchFamily="34" charset="0"/>
+                        <a:cs typeface="Times New Roman" panose="02020603050405020304" pitchFamily="18" charset="0"/>
+                      </a:endParaRPr>
+                    </a:p>
+                  </a:txBody>
+                  <a:tcPr/>
+                </a:tc>
+                <a:tc>
+                  <a:txBody>
+                    <a:bodyPr/>
+                    <a:lstStyle/>
+                    <a:p>
+                      <a:pPr>
+                        <a:lnSpc>
+                          <a:spcPct val="107000"/>
+                        </a:lnSpc>
+                        <a:spcAft>
+                          <a:spcPts val="800"/>
+                        </a:spcAft>
+                      </a:pPr>
+                      <a:r>
+                        <a:rPr lang="en-CA" sz="1200" dirty="0">
+                          <a:effectLst/>
+                        </a:rPr>
+                        <a:t>"Power" -like "*ow*" – </a:t>
+                      </a:r>
+                      <a:r>
+                        <a:rPr lang="en-CA" sz="1200" i="1" dirty="0">
+                          <a:effectLst/>
+                        </a:rPr>
+                        <a:t>True</a:t>
+                      </a:r>
+                      <a:endParaRPr lang="en-CA" sz="1200" dirty="0">
+                        <a:effectLst/>
+                        <a:latin typeface="Calibri" panose="020F0502020204030204" pitchFamily="34" charset="0"/>
+                        <a:ea typeface="Calibri" panose="020F0502020204030204" pitchFamily="34" charset="0"/>
+                        <a:cs typeface="Times New Roman" panose="02020603050405020304" pitchFamily="18" charset="0"/>
+                      </a:endParaRPr>
+                    </a:p>
+                  </a:txBody>
+                  <a:tcPr/>
+                </a:tc>
+                <a:extLst>
+                  <a:ext uri="{0D108BD9-81ED-4DB2-BD59-A6C34878D82A}">
+                    <a16:rowId xmlns:a16="http://schemas.microsoft.com/office/drawing/2014/main" val="1166184298"/>
+                  </a:ext>
+                </a:extLst>
+              </a:tr>
+              <a:tr h="0">
+                <a:tc>
+                  <a:txBody>
+                    <a:bodyPr/>
+                    <a:lstStyle/>
+                    <a:p>
+                      <a:pPr>
+                        <a:lnSpc>
+                          <a:spcPct val="107000"/>
+                        </a:lnSpc>
+                        <a:spcAft>
+                          <a:spcPts val="800"/>
+                        </a:spcAft>
+                      </a:pPr>
+                      <a:r>
+                        <a:rPr lang="en-CA" sz="1200">
+                          <a:effectLst/>
+                        </a:rPr>
+                        <a:t>-match</a:t>
+                      </a:r>
+                      <a:endParaRPr lang="en-CA" sz="1200">
+                        <a:effectLst/>
+                        <a:latin typeface="Calibri" panose="020F0502020204030204" pitchFamily="34" charset="0"/>
+                        <a:ea typeface="Calibri" panose="020F0502020204030204" pitchFamily="34" charset="0"/>
+                        <a:cs typeface="Times New Roman" panose="02020603050405020304" pitchFamily="18" charset="0"/>
+                      </a:endParaRPr>
+                    </a:p>
+                  </a:txBody>
+                  <a:tcPr/>
+                </a:tc>
+                <a:tc>
+                  <a:txBody>
+                    <a:bodyPr/>
+                    <a:lstStyle/>
+                    <a:p>
+                      <a:pPr>
+                        <a:lnSpc>
+                          <a:spcPct val="107000"/>
+                        </a:lnSpc>
+                        <a:spcAft>
+                          <a:spcPts val="800"/>
+                        </a:spcAft>
+                      </a:pPr>
+                      <a:r>
+                        <a:rPr lang="en-CA" sz="1200" dirty="0">
+                          <a:effectLst/>
+                        </a:rPr>
+                        <a:t>Regular Expressions (regex)</a:t>
+                      </a:r>
+                      <a:br>
+                        <a:rPr lang="en-CA" sz="1200" dirty="0">
+                          <a:effectLst/>
+                        </a:rPr>
+                      </a:br>
+                      <a:r>
+                        <a:rPr lang="en-CA" sz="1200" dirty="0">
+                          <a:effectLst/>
+                        </a:rPr>
+                        <a:t>for Strings</a:t>
+                      </a:r>
+                      <a:endParaRPr lang="en-CA" sz="1200" dirty="0">
+                        <a:effectLst/>
+                        <a:latin typeface="Calibri" panose="020F0502020204030204" pitchFamily="34" charset="0"/>
+                        <a:ea typeface="Calibri" panose="020F0502020204030204" pitchFamily="34" charset="0"/>
+                        <a:cs typeface="Times New Roman" panose="02020603050405020304" pitchFamily="18" charset="0"/>
+                      </a:endParaRPr>
+                    </a:p>
+                  </a:txBody>
+                  <a:tcPr/>
+                </a:tc>
+                <a:tc>
+                  <a:txBody>
+                    <a:bodyPr/>
+                    <a:lstStyle/>
+                    <a:p>
+                      <a:pPr>
+                        <a:lnSpc>
+                          <a:spcPct val="107000"/>
+                        </a:lnSpc>
+                        <a:spcAft>
+                          <a:spcPts val="800"/>
+                        </a:spcAft>
+                      </a:pPr>
+                      <a:r>
+                        <a:rPr lang="en-CA" sz="1200" dirty="0">
+                          <a:effectLst/>
+                        </a:rPr>
+                        <a:t>'123-45-6789' -match '\d\d\d-\d\d-\d\d\d\d’ – </a:t>
+                      </a:r>
+                      <a:r>
+                        <a:rPr lang="en-CA" sz="1200" i="1" dirty="0">
+                          <a:effectLst/>
+                        </a:rPr>
+                        <a:t>True</a:t>
+                      </a:r>
+                      <a:endParaRPr lang="en-CA" sz="1200" i="1" dirty="0">
+                        <a:effectLst/>
+                        <a:latin typeface="Calibri" panose="020F0502020204030204" pitchFamily="34" charset="0"/>
+                        <a:ea typeface="Calibri" panose="020F0502020204030204" pitchFamily="34" charset="0"/>
+                        <a:cs typeface="Times New Roman" panose="02020603050405020304" pitchFamily="18" charset="0"/>
+                      </a:endParaRPr>
+                    </a:p>
+                  </a:txBody>
+                  <a:tcPr/>
+                </a:tc>
+                <a:extLst>
+                  <a:ext uri="{0D108BD9-81ED-4DB2-BD59-A6C34878D82A}">
+                    <a16:rowId xmlns:a16="http://schemas.microsoft.com/office/drawing/2014/main" val="4212424103"/>
+                  </a:ext>
+                </a:extLst>
+              </a:tr>
+              <a:tr h="0">
+                <a:tc>
+                  <a:txBody>
+                    <a:bodyPr/>
+                    <a:lstStyle/>
+                    <a:p>
+                      <a:pPr>
+                        <a:lnSpc>
+                          <a:spcPct val="107000"/>
+                        </a:lnSpc>
+                        <a:spcAft>
+                          <a:spcPts val="800"/>
+                        </a:spcAft>
+                      </a:pPr>
+                      <a:r>
+                        <a:rPr lang="en-CA" sz="1200">
+                          <a:effectLst/>
+                        </a:rPr>
+                        <a:t>-gt</a:t>
+                      </a:r>
+                      <a:br>
+                        <a:rPr lang="en-CA" sz="1200">
+                          <a:effectLst/>
+                        </a:rPr>
+                      </a:br>
+                      <a:endParaRPr lang="en-CA" sz="1200">
+                        <a:effectLst/>
+                        <a:latin typeface="Calibri" panose="020F0502020204030204" pitchFamily="34" charset="0"/>
+                        <a:ea typeface="Calibri" panose="020F0502020204030204" pitchFamily="34" charset="0"/>
+                        <a:cs typeface="Times New Roman" panose="02020603050405020304" pitchFamily="18" charset="0"/>
+                      </a:endParaRPr>
+                    </a:p>
+                  </a:txBody>
+                  <a:tcPr/>
+                </a:tc>
+                <a:tc>
+                  <a:txBody>
+                    <a:bodyPr/>
+                    <a:lstStyle/>
+                    <a:p>
+                      <a:pPr>
+                        <a:lnSpc>
+                          <a:spcPct val="107000"/>
+                        </a:lnSpc>
+                        <a:spcAft>
+                          <a:spcPts val="800"/>
+                        </a:spcAft>
+                      </a:pPr>
+                      <a:r>
+                        <a:rPr lang="en-CA" sz="1200" dirty="0">
+                          <a:effectLst/>
+                        </a:rPr>
+                        <a:t>Greater than</a:t>
+                      </a:r>
+                      <a:endParaRPr lang="en-CA" sz="1200" dirty="0">
+                        <a:effectLst/>
+                        <a:latin typeface="Calibri" panose="020F0502020204030204" pitchFamily="34" charset="0"/>
+                        <a:ea typeface="Calibri" panose="020F0502020204030204" pitchFamily="34" charset="0"/>
+                        <a:cs typeface="Times New Roman" panose="02020603050405020304" pitchFamily="18" charset="0"/>
+                      </a:endParaRPr>
+                    </a:p>
+                  </a:txBody>
+                  <a:tcPr/>
+                </a:tc>
+                <a:tc>
+                  <a:txBody>
+                    <a:bodyPr/>
+                    <a:lstStyle/>
+                    <a:p>
+                      <a:pPr>
+                        <a:lnSpc>
+                          <a:spcPct val="107000"/>
+                        </a:lnSpc>
+                        <a:spcAft>
+                          <a:spcPts val="800"/>
+                        </a:spcAft>
+                      </a:pPr>
+                      <a:r>
+                        <a:rPr lang="en-CA" sz="1200" dirty="0">
+                          <a:effectLst/>
+                        </a:rPr>
+                        <a:t>5 -</a:t>
+                      </a:r>
+                      <a:r>
+                        <a:rPr lang="en-CA" sz="1200" dirty="0" err="1">
+                          <a:effectLst/>
+                        </a:rPr>
+                        <a:t>gt</a:t>
+                      </a:r>
+                      <a:r>
+                        <a:rPr lang="en-CA" sz="1200" dirty="0">
+                          <a:effectLst/>
+                        </a:rPr>
+                        <a:t> 100  –  </a:t>
+                      </a:r>
+                      <a:r>
+                        <a:rPr lang="en-CA" sz="1200" i="1" dirty="0">
+                          <a:effectLst/>
+                        </a:rPr>
+                        <a:t>False</a:t>
+                      </a:r>
+                      <a:br>
+                        <a:rPr lang="en-CA" sz="1200" dirty="0">
+                          <a:effectLst/>
+                        </a:rPr>
+                      </a:br>
+                      <a:r>
+                        <a:rPr lang="en-CA" sz="1200" dirty="0">
+                          <a:effectLst/>
+                        </a:rPr>
+                        <a:t>10 -</a:t>
+                      </a:r>
+                      <a:r>
+                        <a:rPr lang="en-CA" sz="1200" dirty="0" err="1">
+                          <a:effectLst/>
+                        </a:rPr>
+                        <a:t>gt</a:t>
+                      </a:r>
+                      <a:r>
+                        <a:rPr lang="en-CA" sz="1200" dirty="0">
+                          <a:effectLst/>
+                        </a:rPr>
+                        <a:t> 10  –  </a:t>
+                      </a:r>
+                      <a:r>
+                        <a:rPr lang="en-CA" sz="1200" i="1" dirty="0">
+                          <a:effectLst/>
+                        </a:rPr>
+                        <a:t>False</a:t>
+                      </a:r>
+                    </a:p>
+                  </a:txBody>
+                  <a:tcPr/>
+                </a:tc>
+                <a:extLst>
+                  <a:ext uri="{0D108BD9-81ED-4DB2-BD59-A6C34878D82A}">
+                    <a16:rowId xmlns:a16="http://schemas.microsoft.com/office/drawing/2014/main" val="376605934"/>
+                  </a:ext>
+                </a:extLst>
+              </a:tr>
+              <a:tr h="0">
+                <a:tc>
+                  <a:txBody>
+                    <a:bodyPr/>
+                    <a:lstStyle/>
+                    <a:p>
+                      <a:pPr>
+                        <a:lnSpc>
+                          <a:spcPct val="107000"/>
+                        </a:lnSpc>
+                        <a:spcAft>
+                          <a:spcPts val="800"/>
+                        </a:spcAft>
+                      </a:pPr>
+                      <a:r>
+                        <a:rPr lang="en-CA" sz="1200">
+                          <a:effectLst/>
+                        </a:rPr>
+                        <a:t>-ge</a:t>
+                      </a:r>
+                      <a:br>
+                        <a:rPr lang="en-CA" sz="1200">
+                          <a:effectLst/>
+                        </a:rPr>
+                      </a:br>
+                      <a:endParaRPr lang="en-CA" sz="1200">
+                        <a:effectLst/>
+                        <a:latin typeface="Calibri" panose="020F0502020204030204" pitchFamily="34" charset="0"/>
+                        <a:ea typeface="Calibri" panose="020F0502020204030204" pitchFamily="34" charset="0"/>
+                        <a:cs typeface="Times New Roman" panose="02020603050405020304" pitchFamily="18" charset="0"/>
+                      </a:endParaRPr>
+                    </a:p>
+                  </a:txBody>
+                  <a:tcPr/>
+                </a:tc>
+                <a:tc>
+                  <a:txBody>
+                    <a:bodyPr/>
+                    <a:lstStyle/>
+                    <a:p>
+                      <a:pPr>
+                        <a:lnSpc>
+                          <a:spcPct val="107000"/>
+                        </a:lnSpc>
+                        <a:spcAft>
+                          <a:spcPts val="800"/>
+                        </a:spcAft>
+                      </a:pPr>
+                      <a:r>
+                        <a:rPr lang="en-CA" sz="1200" dirty="0">
+                          <a:effectLst/>
+                        </a:rPr>
+                        <a:t>Greater than or equal to</a:t>
+                      </a:r>
+                      <a:endParaRPr lang="en-CA" sz="1200" dirty="0">
+                        <a:effectLst/>
+                        <a:latin typeface="Calibri" panose="020F0502020204030204" pitchFamily="34" charset="0"/>
+                        <a:ea typeface="Calibri" panose="020F0502020204030204" pitchFamily="34" charset="0"/>
+                        <a:cs typeface="Times New Roman" panose="02020603050405020304" pitchFamily="18" charset="0"/>
+                      </a:endParaRPr>
+                    </a:p>
+                  </a:txBody>
+                  <a:tcPr/>
+                </a:tc>
+                <a:tc>
+                  <a:txBody>
+                    <a:bodyPr/>
+                    <a:lstStyle/>
+                    <a:p>
+                      <a:pPr>
+                        <a:lnSpc>
+                          <a:spcPct val="107000"/>
+                        </a:lnSpc>
+                        <a:spcAft>
+                          <a:spcPts val="800"/>
+                        </a:spcAft>
+                      </a:pPr>
+                      <a:r>
+                        <a:rPr lang="en-CA" sz="1200" dirty="0">
+                          <a:effectLst/>
+                        </a:rPr>
+                        <a:t>5 -</a:t>
+                      </a:r>
+                      <a:r>
+                        <a:rPr lang="en-CA" sz="1200" dirty="0" err="1">
+                          <a:effectLst/>
+                        </a:rPr>
+                        <a:t>ge</a:t>
+                      </a:r>
+                      <a:r>
+                        <a:rPr lang="en-CA" sz="1200" dirty="0">
+                          <a:effectLst/>
+                        </a:rPr>
+                        <a:t> 100  –  </a:t>
+                      </a:r>
+                      <a:r>
+                        <a:rPr lang="en-CA" sz="1200" i="1" dirty="0">
+                          <a:effectLst/>
+                        </a:rPr>
+                        <a:t>False</a:t>
+                      </a:r>
+                      <a:br>
+                        <a:rPr lang="en-CA" sz="1200" dirty="0">
+                          <a:effectLst/>
+                        </a:rPr>
+                      </a:br>
+                      <a:r>
+                        <a:rPr lang="en-CA" sz="1200" dirty="0">
+                          <a:effectLst/>
+                        </a:rPr>
+                        <a:t>10 -</a:t>
+                      </a:r>
+                      <a:r>
+                        <a:rPr lang="en-CA" sz="1200" dirty="0" err="1">
+                          <a:effectLst/>
+                        </a:rPr>
+                        <a:t>ge</a:t>
+                      </a:r>
+                      <a:r>
+                        <a:rPr lang="en-CA" sz="1200" dirty="0">
+                          <a:effectLst/>
+                        </a:rPr>
+                        <a:t> 10  –  </a:t>
+                      </a:r>
+                      <a:r>
+                        <a:rPr lang="en-CA" sz="1200" i="1" dirty="0">
+                          <a:effectLst/>
+                        </a:rPr>
+                        <a:t>True</a:t>
+                      </a:r>
+                    </a:p>
+                  </a:txBody>
+                  <a:tcPr/>
+                </a:tc>
+                <a:extLst>
+                  <a:ext uri="{0D108BD9-81ED-4DB2-BD59-A6C34878D82A}">
+                    <a16:rowId xmlns:a16="http://schemas.microsoft.com/office/drawing/2014/main" val="89717067"/>
+                  </a:ext>
+                </a:extLst>
+              </a:tr>
+              <a:tr h="0">
+                <a:tc>
+                  <a:txBody>
+                    <a:bodyPr/>
+                    <a:lstStyle/>
+                    <a:p>
+                      <a:pPr>
+                        <a:lnSpc>
+                          <a:spcPct val="107000"/>
+                        </a:lnSpc>
+                        <a:spcAft>
+                          <a:spcPts val="800"/>
+                        </a:spcAft>
+                      </a:pPr>
+                      <a:r>
+                        <a:rPr lang="en-CA" sz="1200">
+                          <a:effectLst/>
+                        </a:rPr>
+                        <a:t>-lt</a:t>
+                      </a:r>
+                      <a:br>
+                        <a:rPr lang="en-CA" sz="1200">
+                          <a:effectLst/>
+                        </a:rPr>
+                      </a:br>
+                      <a:endParaRPr lang="en-CA" sz="1200">
+                        <a:effectLst/>
+                        <a:latin typeface="Calibri" panose="020F0502020204030204" pitchFamily="34" charset="0"/>
+                        <a:ea typeface="Calibri" panose="020F0502020204030204" pitchFamily="34" charset="0"/>
+                        <a:cs typeface="Times New Roman" panose="02020603050405020304" pitchFamily="18" charset="0"/>
+                      </a:endParaRPr>
+                    </a:p>
+                  </a:txBody>
+                  <a:tcPr/>
+                </a:tc>
+                <a:tc>
+                  <a:txBody>
+                    <a:bodyPr/>
+                    <a:lstStyle/>
+                    <a:p>
+                      <a:pPr>
+                        <a:lnSpc>
+                          <a:spcPct val="107000"/>
+                        </a:lnSpc>
+                        <a:spcAft>
+                          <a:spcPts val="800"/>
+                        </a:spcAft>
+                      </a:pPr>
+                      <a:r>
+                        <a:rPr lang="en-CA" sz="1200" dirty="0">
+                          <a:effectLst/>
+                        </a:rPr>
+                        <a:t>Less than</a:t>
+                      </a:r>
+                      <a:endParaRPr lang="en-CA" sz="1200" dirty="0">
+                        <a:effectLst/>
+                        <a:latin typeface="Calibri" panose="020F0502020204030204" pitchFamily="34" charset="0"/>
+                        <a:ea typeface="Calibri" panose="020F0502020204030204" pitchFamily="34" charset="0"/>
+                        <a:cs typeface="Times New Roman" panose="02020603050405020304" pitchFamily="18" charset="0"/>
+                      </a:endParaRPr>
+                    </a:p>
+                  </a:txBody>
+                  <a:tcPr/>
+                </a:tc>
+                <a:tc>
+                  <a:txBody>
+                    <a:bodyPr/>
+                    <a:lstStyle/>
+                    <a:p>
+                      <a:pPr>
+                        <a:lnSpc>
+                          <a:spcPct val="107000"/>
+                        </a:lnSpc>
+                        <a:spcAft>
+                          <a:spcPts val="800"/>
+                        </a:spcAft>
+                      </a:pPr>
+                      <a:r>
+                        <a:rPr lang="en-CA" sz="1200" dirty="0">
+                          <a:effectLst/>
+                        </a:rPr>
+                        <a:t>100 -</a:t>
+                      </a:r>
+                      <a:r>
+                        <a:rPr lang="en-CA" sz="1200" dirty="0" err="1">
+                          <a:effectLst/>
+                        </a:rPr>
+                        <a:t>lt</a:t>
+                      </a:r>
+                      <a:r>
+                        <a:rPr lang="en-CA" sz="1200" dirty="0">
+                          <a:effectLst/>
+                        </a:rPr>
+                        <a:t> 1000  –  </a:t>
+                      </a:r>
+                      <a:r>
+                        <a:rPr lang="en-CA" sz="1200" i="1" dirty="0">
+                          <a:effectLst/>
+                        </a:rPr>
+                        <a:t>True</a:t>
+                      </a:r>
+                      <a:br>
+                        <a:rPr lang="en-CA" sz="1200" dirty="0">
+                          <a:effectLst/>
+                        </a:rPr>
+                      </a:br>
+                      <a:r>
+                        <a:rPr lang="en-CA" sz="1200" dirty="0">
+                          <a:effectLst/>
+                        </a:rPr>
+                        <a:t>100 -</a:t>
+                      </a:r>
+                      <a:r>
+                        <a:rPr lang="en-CA" sz="1200" dirty="0" err="1">
+                          <a:effectLst/>
+                        </a:rPr>
+                        <a:t>lt</a:t>
+                      </a:r>
+                      <a:r>
+                        <a:rPr lang="en-CA" sz="1200" dirty="0">
+                          <a:effectLst/>
+                        </a:rPr>
+                        <a:t> 100  – </a:t>
+                      </a:r>
+                      <a:r>
+                        <a:rPr lang="en-CA" sz="1200" i="1" dirty="0">
+                          <a:effectLst/>
+                        </a:rPr>
+                        <a:t> False</a:t>
+                      </a:r>
+                    </a:p>
+                  </a:txBody>
+                  <a:tcPr/>
+                </a:tc>
+                <a:extLst>
+                  <a:ext uri="{0D108BD9-81ED-4DB2-BD59-A6C34878D82A}">
+                    <a16:rowId xmlns:a16="http://schemas.microsoft.com/office/drawing/2014/main" val="757065582"/>
+                  </a:ext>
+                </a:extLst>
+              </a:tr>
+              <a:tr h="0">
+                <a:tc>
+                  <a:txBody>
+                    <a:bodyPr/>
+                    <a:lstStyle/>
+                    <a:p>
+                      <a:pPr>
+                        <a:lnSpc>
+                          <a:spcPct val="107000"/>
+                        </a:lnSpc>
+                        <a:spcAft>
+                          <a:spcPts val="800"/>
+                        </a:spcAft>
+                      </a:pPr>
+                      <a:r>
+                        <a:rPr lang="en-CA" sz="1200">
+                          <a:effectLst/>
+                        </a:rPr>
+                        <a:t>-le</a:t>
+                      </a:r>
+                      <a:br>
+                        <a:rPr lang="en-CA" sz="1200">
+                          <a:effectLst/>
+                        </a:rPr>
+                      </a:br>
+                      <a:endParaRPr lang="en-CA" sz="1200">
+                        <a:effectLst/>
+                        <a:latin typeface="Calibri" panose="020F0502020204030204" pitchFamily="34" charset="0"/>
+                        <a:ea typeface="Calibri" panose="020F0502020204030204" pitchFamily="34" charset="0"/>
+                        <a:cs typeface="Times New Roman" panose="02020603050405020304" pitchFamily="18" charset="0"/>
+                      </a:endParaRPr>
+                    </a:p>
+                  </a:txBody>
+                  <a:tcPr/>
+                </a:tc>
+                <a:tc>
+                  <a:txBody>
+                    <a:bodyPr/>
+                    <a:lstStyle/>
+                    <a:p>
+                      <a:pPr>
+                        <a:lnSpc>
+                          <a:spcPct val="107000"/>
+                        </a:lnSpc>
+                        <a:spcAft>
+                          <a:spcPts val="800"/>
+                        </a:spcAft>
+                      </a:pPr>
+                      <a:r>
+                        <a:rPr lang="en-CA" sz="1200" dirty="0">
+                          <a:effectLst/>
+                        </a:rPr>
+                        <a:t>Less than or equal to</a:t>
+                      </a:r>
+                      <a:endParaRPr lang="en-CA" sz="1200" dirty="0">
+                        <a:effectLst/>
+                        <a:latin typeface="Calibri" panose="020F0502020204030204" pitchFamily="34" charset="0"/>
+                        <a:ea typeface="Calibri" panose="020F0502020204030204" pitchFamily="34" charset="0"/>
+                        <a:cs typeface="Times New Roman" panose="02020603050405020304" pitchFamily="18" charset="0"/>
+                      </a:endParaRPr>
+                    </a:p>
+                  </a:txBody>
+                  <a:tcPr/>
+                </a:tc>
+                <a:tc>
+                  <a:txBody>
+                    <a:bodyPr/>
+                    <a:lstStyle/>
+                    <a:p>
+                      <a:pPr>
+                        <a:lnSpc>
+                          <a:spcPct val="107000"/>
+                        </a:lnSpc>
+                        <a:spcAft>
+                          <a:spcPts val="800"/>
+                        </a:spcAft>
+                      </a:pPr>
+                      <a:r>
+                        <a:rPr lang="en-CA" sz="1200" dirty="0">
+                          <a:effectLst/>
+                        </a:rPr>
+                        <a:t>5 -le 100  –  </a:t>
+                      </a:r>
+                      <a:r>
+                        <a:rPr lang="en-CA" sz="1200" i="1" dirty="0">
+                          <a:effectLst/>
+                        </a:rPr>
+                        <a:t>True</a:t>
+                      </a:r>
+                      <a:br>
+                        <a:rPr lang="en-CA" sz="1200" dirty="0">
+                          <a:effectLst/>
+                        </a:rPr>
+                      </a:br>
+                      <a:r>
+                        <a:rPr lang="en-CA" sz="1200" dirty="0">
+                          <a:effectLst/>
+                        </a:rPr>
+                        <a:t>10 -le 10  –  </a:t>
+                      </a:r>
+                      <a:r>
+                        <a:rPr lang="en-CA" sz="1200" i="1" dirty="0">
+                          <a:effectLst/>
+                        </a:rPr>
+                        <a:t>True</a:t>
+                      </a:r>
+                    </a:p>
+                  </a:txBody>
+                  <a:tcPr/>
+                </a:tc>
+                <a:extLst>
+                  <a:ext uri="{0D108BD9-81ED-4DB2-BD59-A6C34878D82A}">
+                    <a16:rowId xmlns:a16="http://schemas.microsoft.com/office/drawing/2014/main" val="1972550141"/>
+                  </a:ext>
+                </a:extLst>
+              </a:tr>
+              <a:tr h="0">
+                <a:tc>
+                  <a:txBody>
+                    <a:bodyPr/>
+                    <a:lstStyle/>
+                    <a:p>
+                      <a:pPr>
+                        <a:lnSpc>
+                          <a:spcPct val="107000"/>
+                        </a:lnSpc>
+                        <a:spcAft>
+                          <a:spcPts val="800"/>
+                        </a:spcAft>
+                      </a:pPr>
+                      <a:r>
+                        <a:rPr lang="en-CA" sz="1200">
+                          <a:effectLst/>
+                        </a:rPr>
+                        <a:t>-contains</a:t>
+                      </a:r>
+                      <a:br>
+                        <a:rPr lang="en-CA" sz="1200">
+                          <a:effectLst/>
+                        </a:rPr>
+                      </a:br>
+                      <a:r>
+                        <a:rPr lang="en-CA" sz="1200">
+                          <a:effectLst/>
+                        </a:rPr>
+                        <a:t>-in</a:t>
+                      </a:r>
+                      <a:endParaRPr lang="en-CA" sz="1200">
+                        <a:effectLst/>
+                        <a:latin typeface="Calibri" panose="020F0502020204030204" pitchFamily="34" charset="0"/>
+                        <a:ea typeface="Calibri" panose="020F0502020204030204" pitchFamily="34" charset="0"/>
+                        <a:cs typeface="Times New Roman" panose="02020603050405020304" pitchFamily="18" charset="0"/>
+                      </a:endParaRPr>
+                    </a:p>
+                  </a:txBody>
+                  <a:tcPr/>
+                </a:tc>
+                <a:tc>
+                  <a:txBody>
+                    <a:bodyPr/>
+                    <a:lstStyle/>
+                    <a:p>
+                      <a:pPr>
+                        <a:lnSpc>
+                          <a:spcPct val="107000"/>
+                        </a:lnSpc>
+                        <a:spcAft>
+                          <a:spcPts val="800"/>
+                        </a:spcAft>
+                      </a:pPr>
+                      <a:r>
+                        <a:rPr lang="en-CA" sz="1200" dirty="0">
+                          <a:effectLst/>
+                        </a:rPr>
+                        <a:t>Array matching (not string matching)</a:t>
+                      </a:r>
+                      <a:endParaRPr lang="en-CA" sz="1200" dirty="0">
+                        <a:effectLst/>
+                        <a:latin typeface="Calibri" panose="020F0502020204030204" pitchFamily="34" charset="0"/>
+                        <a:ea typeface="Calibri" panose="020F0502020204030204" pitchFamily="34" charset="0"/>
+                        <a:cs typeface="Times New Roman" panose="02020603050405020304" pitchFamily="18" charset="0"/>
+                      </a:endParaRPr>
+                    </a:p>
+                  </a:txBody>
+                  <a:tcPr/>
+                </a:tc>
+                <a:tc>
+                  <a:txBody>
+                    <a:bodyPr/>
+                    <a:lstStyle/>
+                    <a:p>
+                      <a:pPr>
+                        <a:lnSpc>
+                          <a:spcPct val="107000"/>
+                        </a:lnSpc>
+                        <a:spcAft>
+                          <a:spcPts val="800"/>
+                        </a:spcAft>
+                      </a:pPr>
+                      <a:r>
+                        <a:rPr lang="en-CA" sz="1200" dirty="0">
+                          <a:effectLst/>
+                        </a:rPr>
+                        <a:t>1 -in (1,2,3) – </a:t>
+                      </a:r>
+                      <a:r>
+                        <a:rPr lang="en-CA" sz="1200" i="1" dirty="0">
+                          <a:effectLst/>
+                        </a:rPr>
+                        <a:t>True </a:t>
+                      </a:r>
+                      <a:br>
+                        <a:rPr lang="en-CA" sz="1200" dirty="0">
+                          <a:effectLst/>
+                        </a:rPr>
+                      </a:br>
+                      <a:r>
+                        <a:rPr lang="en-CA" sz="1200" dirty="0">
+                          <a:effectLst/>
+                        </a:rPr>
+                        <a:t>('bob','</a:t>
+                      </a:r>
+                      <a:r>
+                        <a:rPr lang="en-CA" sz="1200" dirty="0" err="1">
+                          <a:effectLst/>
+                        </a:rPr>
+                        <a:t>mary</a:t>
+                      </a:r>
+                      <a:r>
+                        <a:rPr lang="en-CA" sz="1200" dirty="0">
+                          <a:effectLst/>
+                        </a:rPr>
+                        <a:t>') -contains 'pat' – </a:t>
+                      </a:r>
+                      <a:r>
+                        <a:rPr lang="en-CA" sz="1200" i="1" dirty="0">
+                          <a:effectLst/>
+                        </a:rPr>
+                        <a:t>False</a:t>
+                      </a:r>
+                      <a:endParaRPr lang="en-CA" sz="1200" i="1" dirty="0">
+                        <a:effectLst/>
+                        <a:latin typeface="Calibri" panose="020F0502020204030204" pitchFamily="34" charset="0"/>
+                        <a:ea typeface="Calibri" panose="020F0502020204030204" pitchFamily="34" charset="0"/>
+                        <a:cs typeface="Times New Roman" panose="02020603050405020304" pitchFamily="18" charset="0"/>
+                      </a:endParaRPr>
+                    </a:p>
+                  </a:txBody>
+                  <a:tcPr/>
+                </a:tc>
+                <a:extLst>
+                  <a:ext uri="{0D108BD9-81ED-4DB2-BD59-A6C34878D82A}">
+                    <a16:rowId xmlns:a16="http://schemas.microsoft.com/office/drawing/2014/main" val="1452438648"/>
+                  </a:ext>
+                </a:extLst>
+              </a:tr>
+            </a:tbl>
+          </a:graphicData>
+        </a:graphic>
+      </p:graphicFrame>
       <p:pic>
         <p:nvPicPr>
           <p:cNvPr id="5" name="Picture 4" descr="BU005259.png"/>
@@ -3658,30 +8088,48 @@
           </a:prstGeom>
         </p:spPr>
       </p:pic>
-      <p:pic>
-        <p:nvPicPr>
-          <p:cNvPr id="6" name="Picture 5" descr="M1S15.png"/>
-          <p:cNvPicPr>
-            <a:picLocks noChangeAspect="1"/>
-          </p:cNvPicPr>
+      <p:sp>
+        <p:nvSpPr>
+          <p:cNvPr id="7" name="TextBox 6">
+            <a:extLst>
+              <a:ext uri="{FF2B5EF4-FFF2-40B4-BE49-F238E27FC236}">
+                <a16:creationId xmlns:a16="http://schemas.microsoft.com/office/drawing/2014/main" id="{EB7B0B73-007F-4FCD-8354-EDA0BF112ECE}"/>
+              </a:ext>
+            </a:extLst>
+          </p:cNvPr>
+          <p:cNvSpPr txBox="1"/>
           <p:nvPr/>
-        </p:nvPicPr>
-        <p:blipFill>
-          <a:blip r:embed="rId3"/>
-          <a:stretch>
-            <a:fillRect/>
-          </a:stretch>
-        </p:blipFill>
+        </p:nvSpPr>
         <p:spPr>
           <a:xfrm>
-            <a:off x="1082243" y="2007266"/>
-            <a:ext cx="6552659" cy="4010837"/>
+            <a:off x="541176" y="6165874"/>
+            <a:ext cx="4681090" cy="461665"/>
           </a:xfrm>
           <a:prstGeom prst="rect">
             <a:avLst/>
           </a:prstGeom>
+          <a:noFill/>
         </p:spPr>
-      </p:pic>
+        <p:txBody>
+          <a:bodyPr wrap="none" rtlCol="0">
+            <a:spAutoFit/>
+          </a:bodyPr>
+          <a:lstStyle/>
+          <a:p>
+            <a:r>
+              <a:rPr lang="en-CA" sz="1200" i="1" dirty="0"/>
+              <a:t>There are case sensitive/insensitive variations of string operators. </a:t>
+            </a:r>
+            <a:br>
+              <a:rPr lang="en-CA" sz="1200" i="1" dirty="0"/>
+            </a:br>
+            <a:r>
+              <a:rPr lang="en-CA" sz="1200" i="1" dirty="0"/>
+              <a:t>Regex has more complex ways to use it.</a:t>
+            </a:r>
+          </a:p>
+        </p:txBody>
+      </p:sp>
     </p:spTree>
     <p:extLst>
       <p:ext uri="{BB962C8B-B14F-4D97-AF65-F5344CB8AC3E}">
@@ -3695,7 +8143,7 @@
 </p:sld>
 </file>
 
-<file path=ppt/slides/slide16.xml><?xml version="1.0" encoding="utf-8"?>
+<file path=ppt/slides/slide18.xml><?xml version="1.0" encoding="utf-8"?>
 <p:sld xmlns:a="http://schemas.openxmlformats.org/drawingml/2006/main" xmlns:r="http://schemas.openxmlformats.org/officeDocument/2006/relationships" xmlns:p="http://schemas.openxmlformats.org/presentationml/2006/main">
   <p:cSld>
     <p:spTree>
@@ -3771,7 +8219,7 @@
 </p:sld>
 </file>
 
-<file path=ppt/slides/slide17.xml><?xml version="1.0" encoding="utf-8"?>
+<file path=ppt/slides/slide19.xml><?xml version="1.0" encoding="utf-8"?>
 <p:sld xmlns:a="http://schemas.openxmlformats.org/drawingml/2006/main" xmlns:r="http://schemas.openxmlformats.org/officeDocument/2006/relationships" xmlns:p="http://schemas.openxmlformats.org/presentationml/2006/main">
   <p:cSld>
     <p:spTree>
@@ -3930,7 +8378,81 @@
 </p:sld>
 </file>
 
-<file path=ppt/slides/slide18.xml><?xml version="1.0" encoding="utf-8"?>
+<file path=ppt/slides/slide2.xml><?xml version="1.0" encoding="utf-8"?>
+<p:sld xmlns:a="http://schemas.openxmlformats.org/drawingml/2006/main" xmlns:r="http://schemas.openxmlformats.org/officeDocument/2006/relationships" xmlns:p="http://schemas.openxmlformats.org/presentationml/2006/main">
+  <p:cSld>
+    <p:spTree>
+      <p:nvGrpSpPr>
+        <p:cNvPr id="1" name=""/>
+        <p:cNvGrpSpPr/>
+        <p:nvPr/>
+      </p:nvGrpSpPr>
+      <p:grpSpPr>
+        <a:xfrm>
+          <a:off x="0" y="0"/>
+          <a:ext cx="0" cy="0"/>
+          <a:chOff x="0" y="0"/>
+          <a:chExt cx="0" cy="0"/>
+        </a:xfrm>
+      </p:grpSpPr>
+      <p:sp>
+        <p:nvSpPr>
+          <p:cNvPr id="4" name="Title 3"/>
+          <p:cNvSpPr>
+            <a:spLocks noGrp="1"/>
+          </p:cNvSpPr>
+          <p:nvPr>
+            <p:ph type="title"/>
+          </p:nvPr>
+        </p:nvSpPr>
+        <p:spPr/>
+        <p:txBody>
+          <a:bodyPr/>
+          <a:lstStyle/>
+          <a:p>
+            <a:r>
+              <a:rPr lang="en-US" dirty="0"/>
+              <a:t>overview</a:t>
+            </a:r>
+          </a:p>
+        </p:txBody>
+      </p:sp>
+      <p:sp>
+        <p:nvSpPr>
+          <p:cNvPr id="5" name="Text Placeholder 4"/>
+          <p:cNvSpPr>
+            <a:spLocks noGrp="1"/>
+          </p:cNvSpPr>
+          <p:nvPr>
+            <p:ph type="body" idx="1"/>
+          </p:nvPr>
+        </p:nvSpPr>
+        <p:spPr/>
+        <p:txBody>
+          <a:bodyPr/>
+          <a:lstStyle/>
+          <a:p>
+            <a:r>
+              <a:rPr lang="en-US" dirty="0"/>
+              <a:t>Lesson 1</a:t>
+            </a:r>
+          </a:p>
+        </p:txBody>
+      </p:sp>
+    </p:spTree>
+    <p:extLst>
+      <p:ext uri="{BB962C8B-B14F-4D97-AF65-F5344CB8AC3E}">
+        <p14:creationId xmlns:p14="http://schemas.microsoft.com/office/powerpoint/2010/main" val="2609438734"/>
+      </p:ext>
+    </p:extLst>
+  </p:cSld>
+  <p:clrMapOvr>
+    <a:masterClrMapping/>
+  </p:clrMapOvr>
+</p:sld>
+</file>
+
+<file path=ppt/slides/slide20.xml><?xml version="1.0" encoding="utf-8"?>
 <p:sld xmlns:a="http://schemas.openxmlformats.org/drawingml/2006/main" xmlns:r="http://schemas.openxmlformats.org/officeDocument/2006/relationships" xmlns:p="http://schemas.openxmlformats.org/presentationml/2006/main">
   <p:cSld>
     <p:spTree>
@@ -4081,7 +8603,7 @@
 </p:sld>
 </file>
 
-<file path=ppt/slides/slide19.xml><?xml version="1.0" encoding="utf-8"?>
+<file path=ppt/slides/slide21.xml><?xml version="1.0" encoding="utf-8"?>
 <p:sld xmlns:a="http://schemas.openxmlformats.org/drawingml/2006/main" xmlns:r="http://schemas.openxmlformats.org/officeDocument/2006/relationships" xmlns:p="http://schemas.openxmlformats.org/presentationml/2006/main">
   <p:cSld>
     <p:spTree>
@@ -4232,7 +8754,7 @@
 </p:sld>
 </file>
 
-<file path=ppt/slides/slide2.xml><?xml version="1.0" encoding="utf-8"?>
+<file path=ppt/slides/slide22.xml><?xml version="1.0" encoding="utf-8"?>
 <p:sld xmlns:a="http://schemas.openxmlformats.org/drawingml/2006/main" xmlns:r="http://schemas.openxmlformats.org/officeDocument/2006/relationships" xmlns:p="http://schemas.openxmlformats.org/presentationml/2006/main">
   <p:cSld>
     <p:spTree>
@@ -4251,7 +8773,7 @@
       </p:grpSpPr>
       <p:sp>
         <p:nvSpPr>
-          <p:cNvPr id="4" name="Title 3"/>
+          <p:cNvPr id="2" name="Title 1"/>
           <p:cNvSpPr>
             <a:spLocks noGrp="1"/>
           </p:cNvSpPr>
@@ -4266,37 +8788,112 @@
           <a:p>
             <a:r>
               <a:rPr lang="en-US" dirty="0"/>
-              <a:t>overview</a:t>
+              <a:t>For construct</a:t>
             </a:r>
           </a:p>
         </p:txBody>
       </p:sp>
       <p:sp>
         <p:nvSpPr>
-          <p:cNvPr id="5" name="Text Placeholder 4"/>
+          <p:cNvPr id="3" name="Content Placeholder 2"/>
           <p:cNvSpPr>
             <a:spLocks noGrp="1"/>
           </p:cNvSpPr>
           <p:nvPr>
-            <p:ph type="body" idx="1"/>
+            <p:ph idx="1"/>
           </p:nvPr>
         </p:nvSpPr>
-        <p:spPr/>
+        <p:spPr>
+          <a:xfrm>
+            <a:off x="457200" y="1600200"/>
+            <a:ext cx="8229600" cy="1174753"/>
+          </a:xfrm>
+        </p:spPr>
         <p:txBody>
           <a:bodyPr/>
           <a:lstStyle/>
           <a:p>
             <a:r>
               <a:rPr lang="en-US" dirty="0"/>
-              <a:t>Lesson 1</a:t>
+              <a:t>The For construct is designed to execute the construct’s contents a specific number of times. </a:t>
             </a:r>
           </a:p>
         </p:txBody>
       </p:sp>
+      <p:pic>
+        <p:nvPicPr>
+          <p:cNvPr id="4" name="Picture 3" descr="For.png"/>
+          <p:cNvPicPr>
+            <a:picLocks noChangeAspect="1"/>
+          </p:cNvPicPr>
+          <p:nvPr/>
+        </p:nvPicPr>
+        <p:blipFill>
+          <a:blip r:embed="rId2">
+            <a:extLst>
+              <a:ext uri="{28A0092B-C50C-407E-A947-70E740481C1C}">
+                <a14:useLocalDpi xmlns:a14="http://schemas.microsoft.com/office/drawing/2010/main" val="0"/>
+              </a:ext>
+            </a:extLst>
+          </a:blip>
+          <a:stretch>
+            <a:fillRect/>
+          </a:stretch>
+        </p:blipFill>
+        <p:spPr>
+          <a:xfrm>
+            <a:off x="888666" y="2985920"/>
+            <a:ext cx="7049133" cy="1293129"/>
+          </a:xfrm>
+          <a:prstGeom prst="rect">
+            <a:avLst/>
+          </a:prstGeom>
+          <a:ln>
+            <a:noFill/>
+          </a:ln>
+          <a:effectLst>
+            <a:outerShdw blurRad="292100" dist="139700" dir="2700000" algn="tl" rotWithShape="0">
+              <a:srgbClr val="333333">
+                <a:alpha val="65000"/>
+              </a:srgbClr>
+            </a:outerShdw>
+          </a:effectLst>
+        </p:spPr>
+      </p:pic>
+      <p:pic>
+        <p:nvPicPr>
+          <p:cNvPr id="5" name="Picture 4" descr="BU005259.png"/>
+          <p:cNvPicPr>
+            <a:picLocks noChangeAspect="1"/>
+          </p:cNvPicPr>
+          <p:nvPr/>
+        </p:nvPicPr>
+        <p:blipFill>
+          <a:blip r:embed="rId3">
+            <a:extLst>
+              <a:ext uri="{28A0092B-C50C-407E-A947-70E740481C1C}">
+                <a14:useLocalDpi xmlns:a14="http://schemas.microsoft.com/office/drawing/2010/main" val="0"/>
+              </a:ext>
+            </a:extLst>
+          </a:blip>
+          <a:stretch>
+            <a:fillRect/>
+          </a:stretch>
+        </p:blipFill>
+        <p:spPr>
+          <a:xfrm>
+            <a:off x="7634902" y="358160"/>
+            <a:ext cx="1304722" cy="1165840"/>
+          </a:xfrm>
+          <a:prstGeom prst="rect">
+            <a:avLst/>
+          </a:prstGeom>
+        </p:spPr>
+      </p:pic>
     </p:spTree>
     <p:extLst>
       <p:ext uri="{BB962C8B-B14F-4D97-AF65-F5344CB8AC3E}">
-        <p14:creationId xmlns:p14="http://schemas.microsoft.com/office/powerpoint/2010/main" val="2609438734"/>
+        <p14:creationId xmlns:p14="http://schemas.microsoft.com/office/powerpoint/2010/main" val="1962309894"/>
       </p:ext>
     </p:extLst>
   </p:cSld>
@@ -4306,7 +8903,7 @@
 </p:sld>
 </file>
 
-<file path=ppt/slides/slide20.xml><?xml version="1.0" encoding="utf-8"?>
+<file path=ppt/slides/slide23.xml><?xml version="1.0" encoding="utf-8"?>
 <p:sld xmlns:a="http://schemas.openxmlformats.org/drawingml/2006/main" xmlns:r="http://schemas.openxmlformats.org/officeDocument/2006/relationships" xmlns:p="http://schemas.openxmlformats.org/presentationml/2006/main">
   <p:cSld>
     <p:spTree>
@@ -4467,156 +9064,7 @@
 </p:sld>
 </file>
 
-<file path=ppt/slides/slide21.xml><?xml version="1.0" encoding="utf-8"?>
-<p:sld xmlns:a="http://schemas.openxmlformats.org/drawingml/2006/main" xmlns:r="http://schemas.openxmlformats.org/officeDocument/2006/relationships" xmlns:p="http://schemas.openxmlformats.org/presentationml/2006/main">
-  <p:cSld>
-    <p:spTree>
-      <p:nvGrpSpPr>
-        <p:cNvPr id="1" name=""/>
-        <p:cNvGrpSpPr/>
-        <p:nvPr/>
-      </p:nvGrpSpPr>
-      <p:grpSpPr>
-        <a:xfrm>
-          <a:off x="0" y="0"/>
-          <a:ext cx="0" cy="0"/>
-          <a:chOff x="0" y="0"/>
-          <a:chExt cx="0" cy="0"/>
-        </a:xfrm>
-      </p:grpSpPr>
-      <p:sp>
-        <p:nvSpPr>
-          <p:cNvPr id="2" name="Title 1"/>
-          <p:cNvSpPr>
-            <a:spLocks noGrp="1"/>
-          </p:cNvSpPr>
-          <p:nvPr>
-            <p:ph type="title"/>
-          </p:nvPr>
-        </p:nvSpPr>
-        <p:spPr/>
-        <p:txBody>
-          <a:bodyPr/>
-          <a:lstStyle/>
-          <a:p>
-            <a:r>
-              <a:rPr lang="en-US" dirty="0"/>
-              <a:t>For construct</a:t>
-            </a:r>
-          </a:p>
-        </p:txBody>
-      </p:sp>
-      <p:sp>
-        <p:nvSpPr>
-          <p:cNvPr id="3" name="Content Placeholder 2"/>
-          <p:cNvSpPr>
-            <a:spLocks noGrp="1"/>
-          </p:cNvSpPr>
-          <p:nvPr>
-            <p:ph idx="1"/>
-          </p:nvPr>
-        </p:nvSpPr>
-        <p:spPr>
-          <a:xfrm>
-            <a:off x="457200" y="1600200"/>
-            <a:ext cx="8229600" cy="1174753"/>
-          </a:xfrm>
-        </p:spPr>
-        <p:txBody>
-          <a:bodyPr/>
-          <a:lstStyle/>
-          <a:p>
-            <a:r>
-              <a:rPr lang="en-US" dirty="0"/>
-              <a:t>The For construct is designed to execute the construct’s contents a specific number of times. </a:t>
-            </a:r>
-          </a:p>
-        </p:txBody>
-      </p:sp>
-      <p:pic>
-        <p:nvPicPr>
-          <p:cNvPr id="4" name="Picture 3" descr="For.png"/>
-          <p:cNvPicPr>
-            <a:picLocks noChangeAspect="1"/>
-          </p:cNvPicPr>
-          <p:nvPr/>
-        </p:nvPicPr>
-        <p:blipFill>
-          <a:blip r:embed="rId2">
-            <a:extLst>
-              <a:ext uri="{28A0092B-C50C-407E-A947-70E740481C1C}">
-                <a14:useLocalDpi xmlns:a14="http://schemas.microsoft.com/office/drawing/2010/main" val="0"/>
-              </a:ext>
-            </a:extLst>
-          </a:blip>
-          <a:stretch>
-            <a:fillRect/>
-          </a:stretch>
-        </p:blipFill>
-        <p:spPr>
-          <a:xfrm>
-            <a:off x="888666" y="2985920"/>
-            <a:ext cx="7049133" cy="1293129"/>
-          </a:xfrm>
-          <a:prstGeom prst="rect">
-            <a:avLst/>
-          </a:prstGeom>
-          <a:ln>
-            <a:noFill/>
-          </a:ln>
-          <a:effectLst>
-            <a:outerShdw blurRad="292100" dist="139700" dir="2700000" algn="tl" rotWithShape="0">
-              <a:srgbClr val="333333">
-                <a:alpha val="65000"/>
-              </a:srgbClr>
-            </a:outerShdw>
-          </a:effectLst>
-        </p:spPr>
-      </p:pic>
-      <p:pic>
-        <p:nvPicPr>
-          <p:cNvPr id="5" name="Picture 4" descr="BU005259.png"/>
-          <p:cNvPicPr>
-            <a:picLocks noChangeAspect="1"/>
-          </p:cNvPicPr>
-          <p:nvPr/>
-        </p:nvPicPr>
-        <p:blipFill>
-          <a:blip r:embed="rId3">
-            <a:extLst>
-              <a:ext uri="{28A0092B-C50C-407E-A947-70E740481C1C}">
-                <a14:useLocalDpi xmlns:a14="http://schemas.microsoft.com/office/drawing/2010/main" val="0"/>
-              </a:ext>
-            </a:extLst>
-          </a:blip>
-          <a:stretch>
-            <a:fillRect/>
-          </a:stretch>
-        </p:blipFill>
-        <p:spPr>
-          <a:xfrm>
-            <a:off x="7634902" y="358160"/>
-            <a:ext cx="1304722" cy="1165840"/>
-          </a:xfrm>
-          <a:prstGeom prst="rect">
-            <a:avLst/>
-          </a:prstGeom>
-        </p:spPr>
-      </p:pic>
-    </p:spTree>
-    <p:extLst>
-      <p:ext uri="{BB962C8B-B14F-4D97-AF65-F5344CB8AC3E}">
-        <p14:creationId xmlns:p14="http://schemas.microsoft.com/office/powerpoint/2010/main" val="1962309894"/>
-      </p:ext>
-    </p:extLst>
-  </p:cSld>
-  <p:clrMapOvr>
-    <a:masterClrMapping/>
-  </p:clrMapOvr>
-</p:sld>
-</file>
-
-<file path=ppt/slides/slide22.xml><?xml version="1.0" encoding="utf-8"?>
+<file path=ppt/slides/slide24.xml><?xml version="1.0" encoding="utf-8"?>
 <p:sld xmlns:a="http://schemas.openxmlformats.org/drawingml/2006/main" xmlns:r="http://schemas.openxmlformats.org/officeDocument/2006/relationships" xmlns:p="http://schemas.openxmlformats.org/presentationml/2006/main">
   <p:cSld>
     <p:spTree>
@@ -4784,7 +9232,7 @@
 </p:sld>
 </file>
 
-<file path=ppt/slides/slide23.xml><?xml version="1.0" encoding="utf-8"?>
+<file path=ppt/slides/slide25.xml><?xml version="1.0" encoding="utf-8"?>
 <p:sld xmlns:a="http://schemas.openxmlformats.org/drawingml/2006/main" xmlns:r="http://schemas.openxmlformats.org/officeDocument/2006/relationships" xmlns:p="http://schemas.openxmlformats.org/presentationml/2006/main">
   <p:cSld>
     <p:spTree>
@@ -4939,7 +9387,7 @@
 </p:sld>
 </file>
 
-<file path=ppt/slides/slide24.xml><?xml version="1.0" encoding="utf-8"?>
+<file path=ppt/slides/slide26.xml><?xml version="1.0" encoding="utf-8"?>
 <p:sld xmlns:a="http://schemas.openxmlformats.org/drawingml/2006/main" xmlns:r="http://schemas.openxmlformats.org/officeDocument/2006/relationships" xmlns:p="http://schemas.openxmlformats.org/presentationml/2006/main">
   <p:cSld>
     <p:spTree>
@@ -5298,8 +9746,13 @@
           <a:p>
             <a:r>
               <a:rPr lang="en-US" dirty="0"/>
-              <a:t>Execution policy allowing script execution</a:t>
-            </a:r>
+              <a:t>Execution policy allowing script execution </a:t>
+            </a:r>
+            <a:r>
+              <a:rPr lang="en-US" sz="1800" i="1" dirty="0"/>
+              <a:t>(up next)</a:t>
+            </a:r>
+            <a:endParaRPr lang="en-US" i="1" dirty="0"/>
           </a:p>
           <a:p>
             <a:r>
@@ -5326,21 +9779,29 @@
             <a:pPr lvl="1"/>
             <a:r>
               <a:rPr lang="en-US" dirty="0"/>
-              <a:t>CLIENT – Windows 8 in the COMPANY domain</a:t>
+              <a:t>ECHO – Windows 10 in the </a:t>
+            </a:r>
+            <a:r>
+              <a:rPr lang="en-US" b="1" dirty="0" err="1"/>
+              <a:t>hq.local</a:t>
+            </a:r>
+            <a:r>
+              <a:rPr lang="en-US" dirty="0"/>
+              <a:t> domain</a:t>
             </a:r>
           </a:p>
           <a:p>
             <a:pPr lvl="1"/>
             <a:r>
               <a:rPr lang="en-US" dirty="0"/>
-              <a:t>DC – Windows Server 2012 domain controller</a:t>
+              <a:t>ALPHA – Windows Server 2012 domain controller</a:t>
             </a:r>
           </a:p>
           <a:p>
             <a:pPr lvl="1"/>
             <a:r>
               <a:rPr lang="en-US" dirty="0"/>
-              <a:t>MEMBER – Windows Server 2012 member server</a:t>
+              <a:t>BRAVO – Windows Server 2012 member server</a:t>
             </a:r>
           </a:p>
           <a:p>
@@ -5706,7 +10167,7 @@
             </a:r>
             <a:r>
               <a:rPr lang="en-US" dirty="0"/>
-              <a:t> refers to the language engine version.</a:t>
+              <a:t> refers to the language engine version…. Or at least it did.</a:t>
             </a:r>
           </a:p>
         </p:txBody>
@@ -5822,12 +10283,9 @@
             <a:endParaRPr lang="en-US" dirty="0"/>
           </a:p>
           <a:p>
-            <a:endParaRPr lang="en-US" dirty="0"/>
-          </a:p>
-          <a:p>
             <a:r>
               <a:rPr lang="en-US" dirty="0"/>
-              <a:t>There are also commercial (paid and free) editors you can choose</a:t>
+              <a:t>There are also commercial (paid and free) editors you can choose… some examples and discounts to follow.</a:t>
             </a:r>
           </a:p>
         </p:txBody>

--- a/Powerpoint/Module01-PreparingForScripting.pptx
+++ b/Powerpoint/Module01-PreparingForScripting.pptx
@@ -14,23 +14,24 @@
     <p:sldId id="260" r:id="rId8"/>
     <p:sldId id="261" r:id="rId9"/>
     <p:sldId id="262" r:id="rId10"/>
-    <p:sldId id="280" r:id="rId11"/>
-    <p:sldId id="281" r:id="rId12"/>
-    <p:sldId id="265" r:id="rId13"/>
-    <p:sldId id="266" r:id="rId14"/>
-    <p:sldId id="267" r:id="rId15"/>
-    <p:sldId id="268" r:id="rId16"/>
-    <p:sldId id="270" r:id="rId17"/>
-    <p:sldId id="269" r:id="rId18"/>
-    <p:sldId id="271" r:id="rId19"/>
-    <p:sldId id="272" r:id="rId20"/>
-    <p:sldId id="273" r:id="rId21"/>
-    <p:sldId id="274" r:id="rId22"/>
-    <p:sldId id="276" r:id="rId23"/>
-    <p:sldId id="275" r:id="rId24"/>
-    <p:sldId id="277" r:id="rId25"/>
-    <p:sldId id="278" r:id="rId26"/>
-    <p:sldId id="279" r:id="rId27"/>
+    <p:sldId id="282" r:id="rId11"/>
+    <p:sldId id="280" r:id="rId12"/>
+    <p:sldId id="281" r:id="rId13"/>
+    <p:sldId id="265" r:id="rId14"/>
+    <p:sldId id="266" r:id="rId15"/>
+    <p:sldId id="267" r:id="rId16"/>
+    <p:sldId id="268" r:id="rId17"/>
+    <p:sldId id="270" r:id="rId18"/>
+    <p:sldId id="269" r:id="rId19"/>
+    <p:sldId id="271" r:id="rId20"/>
+    <p:sldId id="272" r:id="rId21"/>
+    <p:sldId id="273" r:id="rId22"/>
+    <p:sldId id="274" r:id="rId23"/>
+    <p:sldId id="276" r:id="rId24"/>
+    <p:sldId id="275" r:id="rId25"/>
+    <p:sldId id="277" r:id="rId26"/>
+    <p:sldId id="278" r:id="rId27"/>
+    <p:sldId id="279" r:id="rId28"/>
   </p:sldIdLst>
   <p:sldSz cx="9144000" cy="6858000" type="screen4x3"/>
   <p:notesSz cx="6858000" cy="9144000"/>
@@ -5742,6 +5743,133 @@
       </p:grpSpPr>
       <p:sp>
         <p:nvSpPr>
+          <p:cNvPr id="2" name="Title 1">
+            <a:extLst>
+              <a:ext uri="{FF2B5EF4-FFF2-40B4-BE49-F238E27FC236}">
+                <a16:creationId xmlns:a16="http://schemas.microsoft.com/office/drawing/2014/main" id="{EAB9C641-BF34-4508-983C-732901AD8B44}"/>
+              </a:ext>
+            </a:extLst>
+          </p:cNvPr>
+          <p:cNvSpPr>
+            <a:spLocks noGrp="1"/>
+          </p:cNvSpPr>
+          <p:nvPr>
+            <p:ph type="title"/>
+          </p:nvPr>
+        </p:nvSpPr>
+        <p:spPr/>
+        <p:txBody>
+          <a:bodyPr/>
+          <a:lstStyle/>
+          <a:p>
+            <a:r>
+              <a:rPr lang="en-CA" dirty="0"/>
+              <a:t>Byron’s Lab Customizations</a:t>
+            </a:r>
+          </a:p>
+        </p:txBody>
+      </p:sp>
+      <p:sp>
+        <p:nvSpPr>
+          <p:cNvPr id="3" name="Content Placeholder 2">
+            <a:extLst>
+              <a:ext uri="{FF2B5EF4-FFF2-40B4-BE49-F238E27FC236}">
+                <a16:creationId xmlns:a16="http://schemas.microsoft.com/office/drawing/2014/main" id="{0C795689-9D8B-4DFE-8FE4-0E7C20EFB636}"/>
+              </a:ext>
+            </a:extLst>
+          </p:cNvPr>
+          <p:cNvSpPr>
+            <a:spLocks noGrp="1"/>
+          </p:cNvSpPr>
+          <p:nvPr>
+            <p:ph idx="1"/>
+          </p:nvPr>
+        </p:nvSpPr>
+        <p:spPr/>
+        <p:txBody>
+          <a:bodyPr/>
+          <a:lstStyle/>
+          <a:p>
+            <a:r>
+              <a:rPr lang="en-CA" dirty="0"/>
+              <a:t>WARNING: If you “end” the lab, these will reset.</a:t>
+            </a:r>
+          </a:p>
+          <a:p>
+            <a:r>
+              <a:rPr lang="en-CA" dirty="0"/>
+              <a:t>Updated Edge (note: Some things may still need IE because edge is a store app). Could also use Chrome or old Edge.</a:t>
+            </a:r>
+          </a:p>
+          <a:p>
+            <a:r>
+              <a:rPr lang="en-CA" dirty="0"/>
+              <a:t>Downloaded GitHub Desktop for my additional samples</a:t>
+            </a:r>
+          </a:p>
+          <a:p>
+            <a:r>
+              <a:rPr lang="en-CA" dirty="0"/>
+              <a:t>Downloaded Visual Studio Code (Free) </a:t>
+            </a:r>
+          </a:p>
+          <a:p>
+            <a:r>
+              <a:rPr lang="en-CA" dirty="0"/>
+              <a:t>First time opening a PS1 file, prompted to install </a:t>
+            </a:r>
+            <a:r>
+              <a:rPr lang="en-CA" dirty="0" err="1"/>
+              <a:t>Powershell</a:t>
+            </a:r>
+            <a:r>
+              <a:rPr lang="en-CA" dirty="0"/>
+              <a:t> extension</a:t>
+            </a:r>
+          </a:p>
+          <a:p>
+            <a:r>
+              <a:rPr lang="en-CA" dirty="0"/>
+              <a:t>Also installed PS Tools Pro </a:t>
+            </a:r>
+          </a:p>
+          <a:p>
+            <a:endParaRPr lang="en-CA" dirty="0"/>
+          </a:p>
+        </p:txBody>
+      </p:sp>
+    </p:spTree>
+    <p:extLst>
+      <p:ext uri="{BB962C8B-B14F-4D97-AF65-F5344CB8AC3E}">
+        <p14:creationId xmlns:p14="http://schemas.microsoft.com/office/powerpoint/2010/main" val="1281425833"/>
+      </p:ext>
+    </p:extLst>
+  </p:cSld>
+  <p:clrMapOvr>
+    <a:masterClrMapping/>
+  </p:clrMapOvr>
+</p:sld>
+</file>
+
+<file path=ppt/slides/slide11.xml><?xml version="1.0" encoding="utf-8"?>
+<p:sld xmlns:a="http://schemas.openxmlformats.org/drawingml/2006/main" xmlns:r="http://schemas.openxmlformats.org/officeDocument/2006/relationships" xmlns:p="http://schemas.openxmlformats.org/presentationml/2006/main">
+  <p:cSld>
+    <p:spTree>
+      <p:nvGrpSpPr>
+        <p:cNvPr id="1" name=""/>
+        <p:cNvGrpSpPr/>
+        <p:nvPr/>
+      </p:nvGrpSpPr>
+      <p:grpSpPr>
+        <a:xfrm>
+          <a:off x="0" y="0"/>
+          <a:ext cx="0" cy="0"/>
+          <a:chOff x="0" y="0"/>
+          <a:chExt cx="0" cy="0"/>
+        </a:xfrm>
+      </p:grpSpPr>
+      <p:sp>
+        <p:nvSpPr>
           <p:cNvPr id="4" name="Title 3"/>
           <p:cNvSpPr>
             <a:spLocks noGrp="1"/>
@@ -5814,7 +5942,7 @@
 </p:sld>
 </file>
 
-<file path=ppt/slides/slide11.xml><?xml version="1.0" encoding="utf-8"?>
+<file path=ppt/slides/slide12.xml><?xml version="1.0" encoding="utf-8"?>
 <p:sld xmlns:a="http://schemas.openxmlformats.org/drawingml/2006/main" xmlns:r="http://schemas.openxmlformats.org/officeDocument/2006/relationships" xmlns:p="http://schemas.openxmlformats.org/presentationml/2006/main">
   <p:cSld>
     <p:spTree>
@@ -5904,7 +6032,7 @@
 </p:sld>
 </file>
 
-<file path=ppt/slides/slide12.xml><?xml version="1.0" encoding="utf-8"?>
+<file path=ppt/slides/slide13.xml><?xml version="1.0" encoding="utf-8"?>
 <p:sld xmlns:a="http://schemas.openxmlformats.org/drawingml/2006/main" xmlns:r="http://schemas.openxmlformats.org/officeDocument/2006/relationships" xmlns:p="http://schemas.openxmlformats.org/presentationml/2006/main">
   <p:cSld>
     <p:spTree>
@@ -5980,7 +6108,7 @@
 </p:sld>
 </file>
 
-<file path=ppt/slides/slide13.xml><?xml version="1.0" encoding="utf-8"?>
+<file path=ppt/slides/slide14.xml><?xml version="1.0" encoding="utf-8"?>
 <p:sld xmlns:a="http://schemas.openxmlformats.org/drawingml/2006/main" xmlns:r="http://schemas.openxmlformats.org/officeDocument/2006/relationships" xmlns:p="http://schemas.openxmlformats.org/presentationml/2006/main">
   <p:cSld>
     <p:spTree>
@@ -6350,7 +6478,7 @@
 </p:sld>
 </file>
 
-<file path=ppt/slides/slide14.xml><?xml version="1.0" encoding="utf-8"?>
+<file path=ppt/slides/slide15.xml><?xml version="1.0" encoding="utf-8"?>
 <p:sld xmlns:a="http://schemas.openxmlformats.org/drawingml/2006/main" xmlns:r="http://schemas.openxmlformats.org/officeDocument/2006/relationships" xmlns:p="http://schemas.openxmlformats.org/presentationml/2006/main">
   <p:cSld>
     <p:spTree>
@@ -6466,7 +6594,7 @@
 </p:sld>
 </file>
 
-<file path=ppt/slides/slide15.xml><?xml version="1.0" encoding="utf-8"?>
+<file path=ppt/slides/slide16.xml><?xml version="1.0" encoding="utf-8"?>
 <p:sld xmlns:a="http://schemas.openxmlformats.org/drawingml/2006/main" xmlns:r="http://schemas.openxmlformats.org/officeDocument/2006/relationships" xmlns:p="http://schemas.openxmlformats.org/presentationml/2006/main">
   <p:cSld>
     <p:spTree>
@@ -6616,7 +6744,7 @@
 </p:sld>
 </file>
 
-<file path=ppt/slides/slide16.xml><?xml version="1.0" encoding="utf-8"?>
+<file path=ppt/slides/slide17.xml><?xml version="1.0" encoding="utf-8"?>
 <p:sld xmlns:a="http://schemas.openxmlformats.org/drawingml/2006/main" xmlns:r="http://schemas.openxmlformats.org/officeDocument/2006/relationships" xmlns:p="http://schemas.openxmlformats.org/presentationml/2006/main">
   <p:cSld>
     <p:spTree>
@@ -6702,7 +6830,7 @@
 </p:sld>
 </file>
 
-<file path=ppt/slides/slide17.xml><?xml version="1.0" encoding="utf-8"?>
+<file path=ppt/slides/slide18.xml><?xml version="1.0" encoding="utf-8"?>
 <p:sld xmlns:a="http://schemas.openxmlformats.org/drawingml/2006/main" xmlns:r="http://schemas.openxmlformats.org/officeDocument/2006/relationships" xmlns:p="http://schemas.openxmlformats.org/presentationml/2006/main">
   <p:cSld>
     <p:spTree>
@@ -8143,7 +8271,7 @@
 </p:sld>
 </file>
 
-<file path=ppt/slides/slide18.xml><?xml version="1.0" encoding="utf-8"?>
+<file path=ppt/slides/slide19.xml><?xml version="1.0" encoding="utf-8"?>
 <p:sld xmlns:a="http://schemas.openxmlformats.org/drawingml/2006/main" xmlns:r="http://schemas.openxmlformats.org/officeDocument/2006/relationships" xmlns:p="http://schemas.openxmlformats.org/presentationml/2006/main">
   <p:cSld>
     <p:spTree>
@@ -8219,7 +8347,81 @@
 </p:sld>
 </file>
 
-<file path=ppt/slides/slide19.xml><?xml version="1.0" encoding="utf-8"?>
+<file path=ppt/slides/slide2.xml><?xml version="1.0" encoding="utf-8"?>
+<p:sld xmlns:a="http://schemas.openxmlformats.org/drawingml/2006/main" xmlns:r="http://schemas.openxmlformats.org/officeDocument/2006/relationships" xmlns:p="http://schemas.openxmlformats.org/presentationml/2006/main">
+  <p:cSld>
+    <p:spTree>
+      <p:nvGrpSpPr>
+        <p:cNvPr id="1" name=""/>
+        <p:cNvGrpSpPr/>
+        <p:nvPr/>
+      </p:nvGrpSpPr>
+      <p:grpSpPr>
+        <a:xfrm>
+          <a:off x="0" y="0"/>
+          <a:ext cx="0" cy="0"/>
+          <a:chOff x="0" y="0"/>
+          <a:chExt cx="0" cy="0"/>
+        </a:xfrm>
+      </p:grpSpPr>
+      <p:sp>
+        <p:nvSpPr>
+          <p:cNvPr id="4" name="Title 3"/>
+          <p:cNvSpPr>
+            <a:spLocks noGrp="1"/>
+          </p:cNvSpPr>
+          <p:nvPr>
+            <p:ph type="title"/>
+          </p:nvPr>
+        </p:nvSpPr>
+        <p:spPr/>
+        <p:txBody>
+          <a:bodyPr/>
+          <a:lstStyle/>
+          <a:p>
+            <a:r>
+              <a:rPr lang="en-US" dirty="0"/>
+              <a:t>overview</a:t>
+            </a:r>
+          </a:p>
+        </p:txBody>
+      </p:sp>
+      <p:sp>
+        <p:nvSpPr>
+          <p:cNvPr id="5" name="Text Placeholder 4"/>
+          <p:cNvSpPr>
+            <a:spLocks noGrp="1"/>
+          </p:cNvSpPr>
+          <p:nvPr>
+            <p:ph type="body" idx="1"/>
+          </p:nvPr>
+        </p:nvSpPr>
+        <p:spPr/>
+        <p:txBody>
+          <a:bodyPr/>
+          <a:lstStyle/>
+          <a:p>
+            <a:r>
+              <a:rPr lang="en-US" dirty="0"/>
+              <a:t>Lesson 1</a:t>
+            </a:r>
+          </a:p>
+        </p:txBody>
+      </p:sp>
+    </p:spTree>
+    <p:extLst>
+      <p:ext uri="{BB962C8B-B14F-4D97-AF65-F5344CB8AC3E}">
+        <p14:creationId xmlns:p14="http://schemas.microsoft.com/office/powerpoint/2010/main" val="2609438734"/>
+      </p:ext>
+    </p:extLst>
+  </p:cSld>
+  <p:clrMapOvr>
+    <a:masterClrMapping/>
+  </p:clrMapOvr>
+</p:sld>
+</file>
+
+<file path=ppt/slides/slide20.xml><?xml version="1.0" encoding="utf-8"?>
 <p:sld xmlns:a="http://schemas.openxmlformats.org/drawingml/2006/main" xmlns:r="http://schemas.openxmlformats.org/officeDocument/2006/relationships" xmlns:p="http://schemas.openxmlformats.org/presentationml/2006/main">
   <p:cSld>
     <p:spTree>
@@ -8378,81 +8580,7 @@
 </p:sld>
 </file>
 
-<file path=ppt/slides/slide2.xml><?xml version="1.0" encoding="utf-8"?>
-<p:sld xmlns:a="http://schemas.openxmlformats.org/drawingml/2006/main" xmlns:r="http://schemas.openxmlformats.org/officeDocument/2006/relationships" xmlns:p="http://schemas.openxmlformats.org/presentationml/2006/main">
-  <p:cSld>
-    <p:spTree>
-      <p:nvGrpSpPr>
-        <p:cNvPr id="1" name=""/>
-        <p:cNvGrpSpPr/>
-        <p:nvPr/>
-      </p:nvGrpSpPr>
-      <p:grpSpPr>
-        <a:xfrm>
-          <a:off x="0" y="0"/>
-          <a:ext cx="0" cy="0"/>
-          <a:chOff x="0" y="0"/>
-          <a:chExt cx="0" cy="0"/>
-        </a:xfrm>
-      </p:grpSpPr>
-      <p:sp>
-        <p:nvSpPr>
-          <p:cNvPr id="4" name="Title 3"/>
-          <p:cNvSpPr>
-            <a:spLocks noGrp="1"/>
-          </p:cNvSpPr>
-          <p:nvPr>
-            <p:ph type="title"/>
-          </p:nvPr>
-        </p:nvSpPr>
-        <p:spPr/>
-        <p:txBody>
-          <a:bodyPr/>
-          <a:lstStyle/>
-          <a:p>
-            <a:r>
-              <a:rPr lang="en-US" dirty="0"/>
-              <a:t>overview</a:t>
-            </a:r>
-          </a:p>
-        </p:txBody>
-      </p:sp>
-      <p:sp>
-        <p:nvSpPr>
-          <p:cNvPr id="5" name="Text Placeholder 4"/>
-          <p:cNvSpPr>
-            <a:spLocks noGrp="1"/>
-          </p:cNvSpPr>
-          <p:nvPr>
-            <p:ph type="body" idx="1"/>
-          </p:nvPr>
-        </p:nvSpPr>
-        <p:spPr/>
-        <p:txBody>
-          <a:bodyPr/>
-          <a:lstStyle/>
-          <a:p>
-            <a:r>
-              <a:rPr lang="en-US" dirty="0"/>
-              <a:t>Lesson 1</a:t>
-            </a:r>
-          </a:p>
-        </p:txBody>
-      </p:sp>
-    </p:spTree>
-    <p:extLst>
-      <p:ext uri="{BB962C8B-B14F-4D97-AF65-F5344CB8AC3E}">
-        <p14:creationId xmlns:p14="http://schemas.microsoft.com/office/powerpoint/2010/main" val="2609438734"/>
-      </p:ext>
-    </p:extLst>
-  </p:cSld>
-  <p:clrMapOvr>
-    <a:masterClrMapping/>
-  </p:clrMapOvr>
-</p:sld>
-</file>
-
-<file path=ppt/slides/slide20.xml><?xml version="1.0" encoding="utf-8"?>
+<file path=ppt/slides/slide21.xml><?xml version="1.0" encoding="utf-8"?>
 <p:sld xmlns:a="http://schemas.openxmlformats.org/drawingml/2006/main" xmlns:r="http://schemas.openxmlformats.org/officeDocument/2006/relationships" xmlns:p="http://schemas.openxmlformats.org/presentationml/2006/main">
   <p:cSld>
     <p:spTree>
@@ -8603,7 +8731,7 @@
 </p:sld>
 </file>
 
-<file path=ppt/slides/slide21.xml><?xml version="1.0" encoding="utf-8"?>
+<file path=ppt/slides/slide22.xml><?xml version="1.0" encoding="utf-8"?>
 <p:sld xmlns:a="http://schemas.openxmlformats.org/drawingml/2006/main" xmlns:r="http://schemas.openxmlformats.org/officeDocument/2006/relationships" xmlns:p="http://schemas.openxmlformats.org/presentationml/2006/main">
   <p:cSld>
     <p:spTree>
@@ -8754,7 +8882,7 @@
 </p:sld>
 </file>
 
-<file path=ppt/slides/slide22.xml><?xml version="1.0" encoding="utf-8"?>
+<file path=ppt/slides/slide23.xml><?xml version="1.0" encoding="utf-8"?>
 <p:sld xmlns:a="http://schemas.openxmlformats.org/drawingml/2006/main" xmlns:r="http://schemas.openxmlformats.org/officeDocument/2006/relationships" xmlns:p="http://schemas.openxmlformats.org/presentationml/2006/main">
   <p:cSld>
     <p:spTree>
@@ -8903,7 +9031,7 @@
 </p:sld>
 </file>
 
-<file path=ppt/slides/slide23.xml><?xml version="1.0" encoding="utf-8"?>
+<file path=ppt/slides/slide24.xml><?xml version="1.0" encoding="utf-8"?>
 <p:sld xmlns:a="http://schemas.openxmlformats.org/drawingml/2006/main" xmlns:r="http://schemas.openxmlformats.org/officeDocument/2006/relationships" xmlns:p="http://schemas.openxmlformats.org/presentationml/2006/main">
   <p:cSld>
     <p:spTree>
@@ -9064,7 +9192,7 @@
 </p:sld>
 </file>
 
-<file path=ppt/slides/slide24.xml><?xml version="1.0" encoding="utf-8"?>
+<file path=ppt/slides/slide25.xml><?xml version="1.0" encoding="utf-8"?>
 <p:sld xmlns:a="http://schemas.openxmlformats.org/drawingml/2006/main" xmlns:r="http://schemas.openxmlformats.org/officeDocument/2006/relationships" xmlns:p="http://schemas.openxmlformats.org/presentationml/2006/main">
   <p:cSld>
     <p:spTree>
@@ -9232,7 +9360,7 @@
 </p:sld>
 </file>
 
-<file path=ppt/slides/slide25.xml><?xml version="1.0" encoding="utf-8"?>
+<file path=ppt/slides/slide26.xml><?xml version="1.0" encoding="utf-8"?>
 <p:sld xmlns:a="http://schemas.openxmlformats.org/drawingml/2006/main" xmlns:r="http://schemas.openxmlformats.org/officeDocument/2006/relationships" xmlns:p="http://schemas.openxmlformats.org/presentationml/2006/main">
   <p:cSld>
     <p:spTree>
@@ -9387,7 +9515,7 @@
 </p:sld>
 </file>
 
-<file path=ppt/slides/slide26.xml><?xml version="1.0" encoding="utf-8"?>
+<file path=ppt/slides/slide27.xml><?xml version="1.0" encoding="utf-8"?>
 <p:sld xmlns:a="http://schemas.openxmlformats.org/drawingml/2006/main" xmlns:r="http://schemas.openxmlformats.org/officeDocument/2006/relationships" xmlns:p="http://schemas.openxmlformats.org/presentationml/2006/main">
   <p:cSld>
     <p:spTree>

--- a/Powerpoint/Module01-PreparingForScripting.pptx
+++ b/Powerpoint/Module01-PreparingForScripting.pptx
@@ -6885,7 +6885,7 @@
             <p:ph idx="1"/>
             <p:extLst>
               <p:ext uri="{D42A27DB-BD31-4B8C-83A1-F6EECF244321}">
-                <p14:modId xmlns:p14="http://schemas.microsoft.com/office/powerpoint/2010/main" val="4068069932"/>
+                <p14:modId xmlns:p14="http://schemas.microsoft.com/office/powerpoint/2010/main" val="2646082375"/>
               </p:ext>
             </p:extLst>
           </p:nvPr>
@@ -7101,30 +7101,30 @@
                         </a:spcAft>
                       </a:pPr>
                       <a:r>
-                        <a:rPr lang="en-CA" sz="1200" dirty="0">
+                        <a:rPr lang="en-CA" sz="1200">
                           <a:effectLst/>
                         </a:rPr>
                         <a:t>"Hello" -eq "HELLO" – </a:t>
                       </a:r>
                       <a:r>
-                        <a:rPr lang="en-CA" sz="1200" i="1" dirty="0">
+                        <a:rPr lang="en-CA" sz="1200" i="1">
                           <a:effectLst/>
                         </a:rPr>
                         <a:t>True</a:t>
                       </a:r>
                       <a:br>
-                        <a:rPr lang="en-CA" sz="1200" dirty="0">
+                        <a:rPr lang="en-CA" sz="1200">
                           <a:effectLst/>
                         </a:rPr>
                       </a:br>
                       <a:r>
-                        <a:rPr lang="en-CA" sz="1200" dirty="0">
+                        <a:rPr lang="en-CA" sz="1200">
                           <a:effectLst/>
                         </a:rPr>
                         <a:t>5 -eq 100 – </a:t>
                       </a:r>
                       <a:r>
-                        <a:rPr lang="en-CA" sz="1200" i="1" dirty="0">
+                        <a:rPr lang="en-CA" sz="1200" i="1">
                           <a:effectLst/>
                         </a:rPr>
                         <a:t>False</a:t>
@@ -7229,30 +7229,30 @@
                         </a:spcAft>
                       </a:pPr>
                       <a:r>
-                        <a:rPr lang="en-CA" sz="1200" dirty="0">
+                        <a:rPr lang="en-CA" sz="1200">
                           <a:effectLst/>
                         </a:rPr>
                         <a:t>"Hello" -ne "HELLO" – </a:t>
                       </a:r>
                       <a:r>
-                        <a:rPr lang="en-CA" sz="1200" i="1" dirty="0">
+                        <a:rPr lang="en-CA" sz="1200" i="1">
                           <a:effectLst/>
                         </a:rPr>
                         <a:t>False</a:t>
                       </a:r>
                       <a:br>
-                        <a:rPr lang="en-CA" sz="1200" dirty="0">
+                        <a:rPr lang="en-CA" sz="1200">
                           <a:effectLst/>
                         </a:rPr>
                       </a:br>
                       <a:r>
-                        <a:rPr lang="en-CA" sz="1200" dirty="0">
+                        <a:rPr lang="en-CA" sz="1200">
                           <a:effectLst/>
                         </a:rPr>
                         <a:t>5 -ne 100  – </a:t>
                       </a:r>
                       <a:r>
-                        <a:rPr lang="en-CA" sz="1200" i="1" dirty="0">
+                        <a:rPr lang="en-CA" sz="1200" i="1">
                           <a:effectLst/>
                         </a:rPr>
                         <a:t>True</a:t>
@@ -7368,13 +7368,13 @@
                         </a:spcAft>
                       </a:pPr>
                       <a:r>
-                        <a:rPr lang="en-CA" sz="1200" dirty="0">
+                        <a:rPr lang="en-CA" sz="1200">
                           <a:effectLst/>
                         </a:rPr>
                         <a:t>"Power" -like "*ow*" – </a:t>
                       </a:r>
                       <a:r>
-                        <a:rPr lang="en-CA" sz="1200" i="1" dirty="0">
+                        <a:rPr lang="en-CA" sz="1200" i="1">
                           <a:effectLst/>
                         </a:rPr>
                         <a:t>True</a:t>
@@ -7479,13 +7479,13 @@
                         </a:spcAft>
                       </a:pPr>
                       <a:r>
-                        <a:rPr lang="en-CA" sz="1200" dirty="0">
+                        <a:rPr lang="en-CA" sz="1200">
                           <a:effectLst/>
                         </a:rPr>
                         <a:t>'123-45-6789' -match '\d\d\d-\d\d-\d\d\d\d’ – </a:t>
                       </a:r>
                       <a:r>
-                        <a:rPr lang="en-CA" sz="1200" i="1" dirty="0">
+                        <a:rPr lang="en-CA" sz="1200" i="1">
                           <a:effectLst/>
                         </a:rPr>
                         <a:t>True</a:t>
@@ -7584,58 +7584,37 @@
                         </a:spcAft>
                       </a:pPr>
                       <a:r>
-                        <a:rPr lang="en-CA" sz="1200" dirty="0">
+                        <a:rPr lang="en-CA" sz="1200">
                           <a:effectLst/>
                         </a:rPr>
-                        <a:t>5 -</a:t>
+                        <a:t>5 -gt 100  –  </a:t>
                       </a:r>
                       <a:r>
-                        <a:rPr lang="en-CA" sz="1200" dirty="0" err="1">
-                          <a:effectLst/>
-                        </a:rPr>
-                        <a:t>gt</a:t>
-                      </a:r>
-                      <a:r>
-                        <a:rPr lang="en-CA" sz="1200" dirty="0">
-                          <a:effectLst/>
-                        </a:rPr>
-                        <a:t> 100  –  </a:t>
-                      </a:r>
-                      <a:r>
-                        <a:rPr lang="en-CA" sz="1200" i="1" dirty="0">
+                        <a:rPr lang="en-CA" sz="1200" i="1">
                           <a:effectLst/>
                         </a:rPr>
                         <a:t>False</a:t>
                       </a:r>
                       <a:br>
-                        <a:rPr lang="en-CA" sz="1200" dirty="0">
+                        <a:rPr lang="en-CA" sz="1200">
                           <a:effectLst/>
                         </a:rPr>
                       </a:br>
                       <a:r>
-                        <a:rPr lang="en-CA" sz="1200" dirty="0">
+                        <a:rPr lang="en-CA" sz="1200">
                           <a:effectLst/>
                         </a:rPr>
-                        <a:t>10 -</a:t>
+                        <a:t>10 -gt 10  –  </a:t>
                       </a:r>
                       <a:r>
-                        <a:rPr lang="en-CA" sz="1200" dirty="0" err="1">
-                          <a:effectLst/>
-                        </a:rPr>
-                        <a:t>gt</a:t>
-                      </a:r>
-                      <a:r>
-                        <a:rPr lang="en-CA" sz="1200" dirty="0">
-                          <a:effectLst/>
-                        </a:rPr>
-                        <a:t> 10  –  </a:t>
-                      </a:r>
-                      <a:r>
-                        <a:rPr lang="en-CA" sz="1200" i="1" dirty="0">
+                        <a:rPr lang="en-CA" sz="1200" i="1">
                           <a:effectLst/>
                         </a:rPr>
                         <a:t>False</a:t>
                       </a:r>
+                      <a:endParaRPr lang="en-CA" sz="1200" i="1" dirty="0">
+                        <a:effectLst/>
+                      </a:endParaRPr>
                     </a:p>
                   </a:txBody>
                   <a:tcPr/>
@@ -7724,58 +7703,37 @@
                         </a:spcAft>
                       </a:pPr>
                       <a:r>
-                        <a:rPr lang="en-CA" sz="1200" dirty="0">
+                        <a:rPr lang="en-CA" sz="1200">
                           <a:effectLst/>
                         </a:rPr>
-                        <a:t>5 -</a:t>
+                        <a:t>5 -ge 100  –  </a:t>
                       </a:r>
                       <a:r>
-                        <a:rPr lang="en-CA" sz="1200" dirty="0" err="1">
-                          <a:effectLst/>
-                        </a:rPr>
-                        <a:t>ge</a:t>
-                      </a:r>
-                      <a:r>
-                        <a:rPr lang="en-CA" sz="1200" dirty="0">
-                          <a:effectLst/>
-                        </a:rPr>
-                        <a:t> 100  –  </a:t>
-                      </a:r>
-                      <a:r>
-                        <a:rPr lang="en-CA" sz="1200" i="1" dirty="0">
+                        <a:rPr lang="en-CA" sz="1200" i="1">
                           <a:effectLst/>
                         </a:rPr>
                         <a:t>False</a:t>
                       </a:r>
                       <a:br>
-                        <a:rPr lang="en-CA" sz="1200" dirty="0">
+                        <a:rPr lang="en-CA" sz="1200">
                           <a:effectLst/>
                         </a:rPr>
                       </a:br>
                       <a:r>
-                        <a:rPr lang="en-CA" sz="1200" dirty="0">
+                        <a:rPr lang="en-CA" sz="1200">
                           <a:effectLst/>
                         </a:rPr>
-                        <a:t>10 -</a:t>
+                        <a:t>10 -ge 10  –  </a:t>
                       </a:r>
                       <a:r>
-                        <a:rPr lang="en-CA" sz="1200" dirty="0" err="1">
-                          <a:effectLst/>
-                        </a:rPr>
-                        <a:t>ge</a:t>
-                      </a:r>
-                      <a:r>
-                        <a:rPr lang="en-CA" sz="1200" dirty="0">
-                          <a:effectLst/>
-                        </a:rPr>
-                        <a:t> 10  –  </a:t>
-                      </a:r>
-                      <a:r>
-                        <a:rPr lang="en-CA" sz="1200" i="1" dirty="0">
+                        <a:rPr lang="en-CA" sz="1200" i="1">
                           <a:effectLst/>
                         </a:rPr>
                         <a:t>True</a:t>
                       </a:r>
+                      <a:endParaRPr lang="en-CA" sz="1200" i="1" dirty="0">
+                        <a:effectLst/>
+                      </a:endParaRPr>
                     </a:p>
                   </a:txBody>
                   <a:tcPr/>
@@ -7864,58 +7822,37 @@
                         </a:spcAft>
                       </a:pPr>
                       <a:r>
-                        <a:rPr lang="en-CA" sz="1200" dirty="0">
+                        <a:rPr lang="en-CA" sz="1200">
                           <a:effectLst/>
                         </a:rPr>
-                        <a:t>100 -</a:t>
+                        <a:t>100 -lt 1000  –  </a:t>
                       </a:r>
                       <a:r>
-                        <a:rPr lang="en-CA" sz="1200" dirty="0" err="1">
-                          <a:effectLst/>
-                        </a:rPr>
-                        <a:t>lt</a:t>
-                      </a:r>
-                      <a:r>
-                        <a:rPr lang="en-CA" sz="1200" dirty="0">
-                          <a:effectLst/>
-                        </a:rPr>
-                        <a:t> 1000  –  </a:t>
-                      </a:r>
-                      <a:r>
-                        <a:rPr lang="en-CA" sz="1200" i="1" dirty="0">
+                        <a:rPr lang="en-CA" sz="1200" i="1">
                           <a:effectLst/>
                         </a:rPr>
                         <a:t>True</a:t>
                       </a:r>
                       <a:br>
-                        <a:rPr lang="en-CA" sz="1200" dirty="0">
+                        <a:rPr lang="en-CA" sz="1200">
                           <a:effectLst/>
                         </a:rPr>
                       </a:br>
                       <a:r>
-                        <a:rPr lang="en-CA" sz="1200" dirty="0">
+                        <a:rPr lang="en-CA" sz="1200">
                           <a:effectLst/>
                         </a:rPr>
-                        <a:t>100 -</a:t>
+                        <a:t>100 -lt 100  – </a:t>
                       </a:r>
                       <a:r>
-                        <a:rPr lang="en-CA" sz="1200" dirty="0" err="1">
-                          <a:effectLst/>
-                        </a:rPr>
-                        <a:t>lt</a:t>
-                      </a:r>
-                      <a:r>
-                        <a:rPr lang="en-CA" sz="1200" dirty="0">
-                          <a:effectLst/>
-                        </a:rPr>
-                        <a:t> 100  – </a:t>
-                      </a:r>
-                      <a:r>
-                        <a:rPr lang="en-CA" sz="1200" i="1" dirty="0">
+                        <a:rPr lang="en-CA" sz="1200" i="1">
                           <a:effectLst/>
                         </a:rPr>
                         <a:t> False</a:t>
                       </a:r>
+                      <a:endParaRPr lang="en-CA" sz="1200" i="1" dirty="0">
+                        <a:effectLst/>
+                      </a:endParaRPr>
                     </a:p>
                   </a:txBody>
                   <a:tcPr/>
@@ -8004,34 +7941,37 @@
                         </a:spcAft>
                       </a:pPr>
                       <a:r>
-                        <a:rPr lang="en-CA" sz="1200" dirty="0">
+                        <a:rPr lang="en-CA" sz="1200">
                           <a:effectLst/>
                         </a:rPr>
                         <a:t>5 -le 100  –  </a:t>
                       </a:r>
                       <a:r>
-                        <a:rPr lang="en-CA" sz="1200" i="1" dirty="0">
+                        <a:rPr lang="en-CA" sz="1200" i="1">
                           <a:effectLst/>
                         </a:rPr>
                         <a:t>True</a:t>
                       </a:r>
                       <a:br>
-                        <a:rPr lang="en-CA" sz="1200" dirty="0">
+                        <a:rPr lang="en-CA" sz="1200">
                           <a:effectLst/>
                         </a:rPr>
                       </a:br>
                       <a:r>
-                        <a:rPr lang="en-CA" sz="1200" dirty="0">
+                        <a:rPr lang="en-CA" sz="1200">
                           <a:effectLst/>
                         </a:rPr>
                         <a:t>10 -le 10  –  </a:t>
                       </a:r>
                       <a:r>
-                        <a:rPr lang="en-CA" sz="1200" i="1" dirty="0">
+                        <a:rPr lang="en-CA" sz="1200" i="1">
                           <a:effectLst/>
                         </a:rPr>
                         <a:t>True</a:t>
                       </a:r>
+                      <a:endParaRPr lang="en-CA" sz="1200" i="1" dirty="0">
+                        <a:effectLst/>
+                      </a:endParaRPr>
                     </a:p>
                   </a:txBody>
                   <a:tcPr/>
@@ -9922,7 +9862,7 @@
             <a:pPr lvl="1"/>
             <a:r>
               <a:rPr lang="en-US" dirty="0"/>
-              <a:t>ALPHA – Windows Server 2012 domain controller</a:t>
+              <a:t>ALPHA – Windows Server 2016 domain controller</a:t>
             </a:r>
           </a:p>
           <a:p>
